--- a/TensorFlow.pptx
+++ b/TensorFlow.pptx
@@ -5,36 +5,41 @@
     <p:sldMasterId id="2147483659" r:id="rId1"/>
   </p:sldMasterIdLst>
   <p:notesMasterIdLst>
-    <p:notesMasterId r:id="rId15"/>
+    <p:notesMasterId r:id="rId20"/>
   </p:notesMasterIdLst>
   <p:sldIdLst>
     <p:sldId id="256" r:id="rId2"/>
-    <p:sldId id="257" r:id="rId3"/>
-    <p:sldId id="267" r:id="rId4"/>
-    <p:sldId id="268" r:id="rId5"/>
-    <p:sldId id="258" r:id="rId6"/>
-    <p:sldId id="259" r:id="rId7"/>
-    <p:sldId id="260" r:id="rId8"/>
-    <p:sldId id="261" r:id="rId9"/>
-    <p:sldId id="262" r:id="rId10"/>
-    <p:sldId id="263" r:id="rId11"/>
-    <p:sldId id="264" r:id="rId12"/>
-    <p:sldId id="265" r:id="rId13"/>
-    <p:sldId id="266" r:id="rId14"/>
+    <p:sldId id="275" r:id="rId3"/>
+    <p:sldId id="257" r:id="rId4"/>
+    <p:sldId id="270" r:id="rId5"/>
+    <p:sldId id="271" r:id="rId6"/>
+    <p:sldId id="273" r:id="rId7"/>
+    <p:sldId id="267" r:id="rId8"/>
+    <p:sldId id="268" r:id="rId9"/>
+    <p:sldId id="277" r:id="rId10"/>
+    <p:sldId id="278" r:id="rId11"/>
+    <p:sldId id="261" r:id="rId12"/>
+    <p:sldId id="279" r:id="rId13"/>
+    <p:sldId id="262" r:id="rId14"/>
+    <p:sldId id="264" r:id="rId15"/>
+    <p:sldId id="280" r:id="rId16"/>
+    <p:sldId id="263" r:id="rId17"/>
+    <p:sldId id="265" r:id="rId18"/>
+    <p:sldId id="266" r:id="rId19"/>
   </p:sldIdLst>
   <p:sldSz cx="9144000" cy="5143500" type="screen16x9"/>
   <p:notesSz cx="6858000" cy="9144000"/>
   <p:embeddedFontLst>
     <p:embeddedFont>
       <p:font typeface="Roboto" panose="020B0604020202020204" charset="0"/>
-      <p:regular r:id="rId16"/>
-      <p:bold r:id="rId17"/>
-      <p:italic r:id="rId18"/>
-      <p:boldItalic r:id="rId19"/>
+      <p:regular r:id="rId21"/>
+      <p:bold r:id="rId22"/>
+      <p:italic r:id="rId23"/>
+      <p:boldItalic r:id="rId24"/>
     </p:embeddedFont>
     <p:embeddedFont>
       <p:font typeface="Cambria Math" panose="02040503050406030204" pitchFamily="18" charset="0"/>
-      <p:regular r:id="rId20"/>
+      <p:regular r:id="rId25"/>
     </p:embeddedFont>
   </p:embeddedFontLst>
   <p:defaultTextStyle>
@@ -239,6 +244,11 @@
       </a:defRPr>
     </a:lvl9pPr>
   </p:defaultTextStyle>
+  <p:extLst>
+    <p:ext uri="{EFAFB233-063F-42B5-8137-9DF3F51BA10A}">
+      <p15:sldGuideLst xmlns:p15="http://schemas.microsoft.com/office/powerpoint/2012/main"/>
+    </p:ext>
+  </p:extLst>
 </p:presentation>
 </file>
 
@@ -605,7 +615,7 @@
   <p:cSld>
     <p:spTree>
       <p:nvGrpSpPr>
-        <p:cNvPr id="1" name="Shape 106"/>
+        <p:cNvPr id="1" name="Shape 69"/>
         <p:cNvGrpSpPr/>
         <p:nvPr/>
       </p:nvGrpSpPr>
@@ -619,7 +629,7 @@
       </p:grpSpPr>
       <p:sp>
         <p:nvSpPr>
-          <p:cNvPr id="107" name="Shape 107"/>
+          <p:cNvPr id="70" name="Shape 70"/>
           <p:cNvSpPr>
             <a:spLocks noGrp="1" noRot="1" noChangeAspect="1"/>
           </p:cNvSpPr>
@@ -660,7 +670,7 @@
       </p:sp>
       <p:sp>
         <p:nvSpPr>
-          <p:cNvPr id="108" name="Shape 108"/>
+          <p:cNvPr id="71" name="Shape 71"/>
           <p:cNvSpPr txBox="1">
             <a:spLocks noGrp="1"/>
           </p:cNvSpPr>
@@ -694,6 +704,11 @@
         </p:txBody>
       </p:sp>
     </p:spTree>
+    <p:extLst>
+      <p:ext uri="{BB962C8B-B14F-4D97-AF65-F5344CB8AC3E}">
+        <p14:creationId xmlns:p14="http://schemas.microsoft.com/office/powerpoint/2010/main" val="539969943"/>
+      </p:ext>
+    </p:extLst>
   </p:cSld>
   <p:clrMapOvr>
     <a:masterClrMapping/>
@@ -702,6 +717,314 @@
 </file>
 
 <file path=ppt/notesSlides/notesSlide11.xml><?xml version="1.0" encoding="utf-8"?>
+<p:notes xmlns:a="http://schemas.openxmlformats.org/drawingml/2006/main" xmlns:r="http://schemas.openxmlformats.org/officeDocument/2006/relationships" xmlns:p="http://schemas.openxmlformats.org/presentationml/2006/main" showMasterSp="0" showMasterPhAnim="0">
+  <p:cSld>
+    <p:spTree>
+      <p:nvGrpSpPr>
+        <p:cNvPr id="1" name="Shape 93"/>
+        <p:cNvGrpSpPr/>
+        <p:nvPr/>
+      </p:nvGrpSpPr>
+      <p:grpSpPr>
+        <a:xfrm>
+          <a:off x="0" y="0"/>
+          <a:ext cx="0" cy="0"/>
+          <a:chOff x="0" y="0"/>
+          <a:chExt cx="0" cy="0"/>
+        </a:xfrm>
+      </p:grpSpPr>
+      <p:sp>
+        <p:nvSpPr>
+          <p:cNvPr id="94" name="Shape 94"/>
+          <p:cNvSpPr>
+            <a:spLocks noGrp="1" noRot="1" noChangeAspect="1"/>
+          </p:cNvSpPr>
+          <p:nvPr>
+            <p:ph type="sldImg" idx="2"/>
+          </p:nvPr>
+        </p:nvSpPr>
+        <p:spPr>
+          <a:xfrm>
+            <a:off x="381000" y="685800"/>
+            <a:ext cx="6096000" cy="3429000"/>
+          </a:xfrm>
+          <a:custGeom>
+            <a:avLst/>
+            <a:gdLst/>
+            <a:ahLst/>
+            <a:cxnLst/>
+            <a:rect l="0" t="0" r="0" b="0"/>
+            <a:pathLst>
+              <a:path w="120000" h="120000" extrusionOk="0">
+                <a:moveTo>
+                  <a:pt x="0" y="0"/>
+                </a:moveTo>
+                <a:lnTo>
+                  <a:pt x="120000" y="0"/>
+                </a:lnTo>
+                <a:lnTo>
+                  <a:pt x="120000" y="120000"/>
+                </a:lnTo>
+                <a:lnTo>
+                  <a:pt x="0" y="120000"/>
+                </a:lnTo>
+                <a:close/>
+              </a:path>
+            </a:pathLst>
+          </a:custGeom>
+        </p:spPr>
+      </p:sp>
+      <p:sp>
+        <p:nvSpPr>
+          <p:cNvPr id="95" name="Shape 95"/>
+          <p:cNvSpPr txBox="1">
+            <a:spLocks noGrp="1"/>
+          </p:cNvSpPr>
+          <p:nvPr>
+            <p:ph type="body" idx="1"/>
+          </p:nvPr>
+        </p:nvSpPr>
+        <p:spPr>
+          <a:xfrm>
+            <a:off x="685800" y="4343400"/>
+            <a:ext cx="5486400" cy="4114800"/>
+          </a:xfrm>
+          <a:prstGeom prst="rect">
+            <a:avLst/>
+          </a:prstGeom>
+        </p:spPr>
+        <p:txBody>
+          <a:bodyPr lIns="91425" tIns="91425" rIns="91425" bIns="91425" anchor="t" anchorCtr="0">
+            <a:noAutofit/>
+          </a:bodyPr>
+          <a:lstStyle/>
+          <a:p>
+            <a:pPr lvl="0" rtl="0">
+              <a:spcBef>
+                <a:spcPts val="0"/>
+              </a:spcBef>
+              <a:buNone/>
+            </a:pPr>
+            <a:endParaRPr/>
+          </a:p>
+        </p:txBody>
+      </p:sp>
+    </p:spTree>
+  </p:cSld>
+  <p:clrMapOvr>
+    <a:masterClrMapping/>
+  </p:clrMapOvr>
+</p:notes>
+</file>
+
+<file path=ppt/notesSlides/notesSlide12.xml><?xml version="1.0" encoding="utf-8"?>
+<p:notes xmlns:a="http://schemas.openxmlformats.org/drawingml/2006/main" xmlns:r="http://schemas.openxmlformats.org/officeDocument/2006/relationships" xmlns:p="http://schemas.openxmlformats.org/presentationml/2006/main" showMasterSp="0" showMasterPhAnim="0">
+  <p:cSld>
+    <p:spTree>
+      <p:nvGrpSpPr>
+        <p:cNvPr id="1" name="Shape 69"/>
+        <p:cNvGrpSpPr/>
+        <p:nvPr/>
+      </p:nvGrpSpPr>
+      <p:grpSpPr>
+        <a:xfrm>
+          <a:off x="0" y="0"/>
+          <a:ext cx="0" cy="0"/>
+          <a:chOff x="0" y="0"/>
+          <a:chExt cx="0" cy="0"/>
+        </a:xfrm>
+      </p:grpSpPr>
+      <p:sp>
+        <p:nvSpPr>
+          <p:cNvPr id="70" name="Shape 70"/>
+          <p:cNvSpPr>
+            <a:spLocks noGrp="1" noRot="1" noChangeAspect="1"/>
+          </p:cNvSpPr>
+          <p:nvPr>
+            <p:ph type="sldImg" idx="2"/>
+          </p:nvPr>
+        </p:nvSpPr>
+        <p:spPr>
+          <a:xfrm>
+            <a:off x="381000" y="685800"/>
+            <a:ext cx="6096000" cy="3429000"/>
+          </a:xfrm>
+          <a:custGeom>
+            <a:avLst/>
+            <a:gdLst/>
+            <a:ahLst/>
+            <a:cxnLst/>
+            <a:rect l="0" t="0" r="0" b="0"/>
+            <a:pathLst>
+              <a:path w="120000" h="120000" extrusionOk="0">
+                <a:moveTo>
+                  <a:pt x="0" y="0"/>
+                </a:moveTo>
+                <a:lnTo>
+                  <a:pt x="120000" y="0"/>
+                </a:lnTo>
+                <a:lnTo>
+                  <a:pt x="120000" y="120000"/>
+                </a:lnTo>
+                <a:lnTo>
+                  <a:pt x="0" y="120000"/>
+                </a:lnTo>
+                <a:close/>
+              </a:path>
+            </a:pathLst>
+          </a:custGeom>
+        </p:spPr>
+      </p:sp>
+      <p:sp>
+        <p:nvSpPr>
+          <p:cNvPr id="71" name="Shape 71"/>
+          <p:cNvSpPr txBox="1">
+            <a:spLocks noGrp="1"/>
+          </p:cNvSpPr>
+          <p:nvPr>
+            <p:ph type="body" idx="1"/>
+          </p:nvPr>
+        </p:nvSpPr>
+        <p:spPr>
+          <a:xfrm>
+            <a:off x="685800" y="4343400"/>
+            <a:ext cx="5486399" cy="4114800"/>
+          </a:xfrm>
+          <a:prstGeom prst="rect">
+            <a:avLst/>
+          </a:prstGeom>
+        </p:spPr>
+        <p:txBody>
+          <a:bodyPr lIns="91425" tIns="91425" rIns="91425" bIns="91425" anchor="t" anchorCtr="0">
+            <a:noAutofit/>
+          </a:bodyPr>
+          <a:lstStyle/>
+          <a:p>
+            <a:pPr lvl="0">
+              <a:spcBef>
+                <a:spcPts val="0"/>
+              </a:spcBef>
+              <a:buNone/>
+            </a:pPr>
+            <a:endParaRPr/>
+          </a:p>
+        </p:txBody>
+      </p:sp>
+    </p:spTree>
+    <p:extLst>
+      <p:ext uri="{BB962C8B-B14F-4D97-AF65-F5344CB8AC3E}">
+        <p14:creationId xmlns:p14="http://schemas.microsoft.com/office/powerpoint/2010/main" val="2599936704"/>
+      </p:ext>
+    </p:extLst>
+  </p:cSld>
+  <p:clrMapOvr>
+    <a:masterClrMapping/>
+  </p:clrMapOvr>
+</p:notes>
+</file>
+
+<file path=ppt/notesSlides/notesSlide13.xml><?xml version="1.0" encoding="utf-8"?>
+<p:notes xmlns:a="http://schemas.openxmlformats.org/drawingml/2006/main" xmlns:r="http://schemas.openxmlformats.org/officeDocument/2006/relationships" xmlns:p="http://schemas.openxmlformats.org/presentationml/2006/main" showMasterSp="0" showMasterPhAnim="0">
+  <p:cSld>
+    <p:spTree>
+      <p:nvGrpSpPr>
+        <p:cNvPr id="1" name="Shape 99"/>
+        <p:cNvGrpSpPr/>
+        <p:nvPr/>
+      </p:nvGrpSpPr>
+      <p:grpSpPr>
+        <a:xfrm>
+          <a:off x="0" y="0"/>
+          <a:ext cx="0" cy="0"/>
+          <a:chOff x="0" y="0"/>
+          <a:chExt cx="0" cy="0"/>
+        </a:xfrm>
+      </p:grpSpPr>
+      <p:sp>
+        <p:nvSpPr>
+          <p:cNvPr id="100" name="Shape 100"/>
+          <p:cNvSpPr>
+            <a:spLocks noGrp="1" noRot="1" noChangeAspect="1"/>
+          </p:cNvSpPr>
+          <p:nvPr>
+            <p:ph type="sldImg" idx="2"/>
+          </p:nvPr>
+        </p:nvSpPr>
+        <p:spPr>
+          <a:xfrm>
+            <a:off x="381000" y="685800"/>
+            <a:ext cx="6096000" cy="3429000"/>
+          </a:xfrm>
+          <a:custGeom>
+            <a:avLst/>
+            <a:gdLst/>
+            <a:ahLst/>
+            <a:cxnLst/>
+            <a:rect l="0" t="0" r="0" b="0"/>
+            <a:pathLst>
+              <a:path w="120000" h="120000" extrusionOk="0">
+                <a:moveTo>
+                  <a:pt x="0" y="0"/>
+                </a:moveTo>
+                <a:lnTo>
+                  <a:pt x="120000" y="0"/>
+                </a:lnTo>
+                <a:lnTo>
+                  <a:pt x="120000" y="120000"/>
+                </a:lnTo>
+                <a:lnTo>
+                  <a:pt x="0" y="120000"/>
+                </a:lnTo>
+                <a:close/>
+              </a:path>
+            </a:pathLst>
+          </a:custGeom>
+        </p:spPr>
+      </p:sp>
+      <p:sp>
+        <p:nvSpPr>
+          <p:cNvPr id="101" name="Shape 101"/>
+          <p:cNvSpPr txBox="1">
+            <a:spLocks noGrp="1"/>
+          </p:cNvSpPr>
+          <p:nvPr>
+            <p:ph type="body" idx="1"/>
+          </p:nvPr>
+        </p:nvSpPr>
+        <p:spPr>
+          <a:xfrm>
+            <a:off x="685800" y="4343400"/>
+            <a:ext cx="5486399" cy="4114800"/>
+          </a:xfrm>
+          <a:prstGeom prst="rect">
+            <a:avLst/>
+          </a:prstGeom>
+        </p:spPr>
+        <p:txBody>
+          <a:bodyPr lIns="91425" tIns="91425" rIns="91425" bIns="91425" anchor="t" anchorCtr="0">
+            <a:noAutofit/>
+          </a:bodyPr>
+          <a:lstStyle/>
+          <a:p>
+            <a:pPr lvl="0">
+              <a:spcBef>
+                <a:spcPts val="0"/>
+              </a:spcBef>
+              <a:buNone/>
+            </a:pPr>
+            <a:endParaRPr/>
+          </a:p>
+        </p:txBody>
+      </p:sp>
+    </p:spTree>
+  </p:cSld>
+  <p:clrMapOvr>
+    <a:masterClrMapping/>
+  </p:clrMapOvr>
+</p:notes>
+</file>
+
+<file path=ppt/notesSlides/notesSlide14.xml><?xml version="1.0" encoding="utf-8"?>
 <p:notes xmlns:a="http://schemas.openxmlformats.org/drawingml/2006/main" xmlns:r="http://schemas.openxmlformats.org/officeDocument/2006/relationships" xmlns:p="http://schemas.openxmlformats.org/presentationml/2006/main" showMasterSp="0" showMasterPhAnim="0">
   <p:cSld>
     <p:spTree>
@@ -802,7 +1125,214 @@
 </p:notes>
 </file>
 
-<file path=ppt/notesSlides/notesSlide12.xml><?xml version="1.0" encoding="utf-8"?>
+<file path=ppt/notesSlides/notesSlide15.xml><?xml version="1.0" encoding="utf-8"?>
+<p:notes xmlns:a="http://schemas.openxmlformats.org/drawingml/2006/main" xmlns:r="http://schemas.openxmlformats.org/officeDocument/2006/relationships" xmlns:p="http://schemas.openxmlformats.org/presentationml/2006/main" showMasterSp="0" showMasterPhAnim="0">
+  <p:cSld>
+    <p:spTree>
+      <p:nvGrpSpPr>
+        <p:cNvPr id="1" name="Shape 69"/>
+        <p:cNvGrpSpPr/>
+        <p:nvPr/>
+      </p:nvGrpSpPr>
+      <p:grpSpPr>
+        <a:xfrm>
+          <a:off x="0" y="0"/>
+          <a:ext cx="0" cy="0"/>
+          <a:chOff x="0" y="0"/>
+          <a:chExt cx="0" cy="0"/>
+        </a:xfrm>
+      </p:grpSpPr>
+      <p:sp>
+        <p:nvSpPr>
+          <p:cNvPr id="70" name="Shape 70"/>
+          <p:cNvSpPr>
+            <a:spLocks noGrp="1" noRot="1" noChangeAspect="1"/>
+          </p:cNvSpPr>
+          <p:nvPr>
+            <p:ph type="sldImg" idx="2"/>
+          </p:nvPr>
+        </p:nvSpPr>
+        <p:spPr>
+          <a:xfrm>
+            <a:off x="381000" y="685800"/>
+            <a:ext cx="6096000" cy="3429000"/>
+          </a:xfrm>
+          <a:custGeom>
+            <a:avLst/>
+            <a:gdLst/>
+            <a:ahLst/>
+            <a:cxnLst/>
+            <a:rect l="0" t="0" r="0" b="0"/>
+            <a:pathLst>
+              <a:path w="120000" h="120000" extrusionOk="0">
+                <a:moveTo>
+                  <a:pt x="0" y="0"/>
+                </a:moveTo>
+                <a:lnTo>
+                  <a:pt x="120000" y="0"/>
+                </a:lnTo>
+                <a:lnTo>
+                  <a:pt x="120000" y="120000"/>
+                </a:lnTo>
+                <a:lnTo>
+                  <a:pt x="0" y="120000"/>
+                </a:lnTo>
+                <a:close/>
+              </a:path>
+            </a:pathLst>
+          </a:custGeom>
+        </p:spPr>
+      </p:sp>
+      <p:sp>
+        <p:nvSpPr>
+          <p:cNvPr id="71" name="Shape 71"/>
+          <p:cNvSpPr txBox="1">
+            <a:spLocks noGrp="1"/>
+          </p:cNvSpPr>
+          <p:nvPr>
+            <p:ph type="body" idx="1"/>
+          </p:nvPr>
+        </p:nvSpPr>
+        <p:spPr>
+          <a:xfrm>
+            <a:off x="685800" y="4343400"/>
+            <a:ext cx="5486399" cy="4114800"/>
+          </a:xfrm>
+          <a:prstGeom prst="rect">
+            <a:avLst/>
+          </a:prstGeom>
+        </p:spPr>
+        <p:txBody>
+          <a:bodyPr lIns="91425" tIns="91425" rIns="91425" bIns="91425" anchor="t" anchorCtr="0">
+            <a:noAutofit/>
+          </a:bodyPr>
+          <a:lstStyle/>
+          <a:p>
+            <a:pPr lvl="0">
+              <a:spcBef>
+                <a:spcPts val="0"/>
+              </a:spcBef>
+              <a:buNone/>
+            </a:pPr>
+            <a:endParaRPr/>
+          </a:p>
+        </p:txBody>
+      </p:sp>
+    </p:spTree>
+    <p:extLst>
+      <p:ext uri="{BB962C8B-B14F-4D97-AF65-F5344CB8AC3E}">
+        <p14:creationId xmlns:p14="http://schemas.microsoft.com/office/powerpoint/2010/main" val="2342584208"/>
+      </p:ext>
+    </p:extLst>
+  </p:cSld>
+  <p:clrMapOvr>
+    <a:masterClrMapping/>
+  </p:clrMapOvr>
+</p:notes>
+</file>
+
+<file path=ppt/notesSlides/notesSlide16.xml><?xml version="1.0" encoding="utf-8"?>
+<p:notes xmlns:a="http://schemas.openxmlformats.org/drawingml/2006/main" xmlns:r="http://schemas.openxmlformats.org/officeDocument/2006/relationships" xmlns:p="http://schemas.openxmlformats.org/presentationml/2006/main" showMasterSp="0" showMasterPhAnim="0">
+  <p:cSld>
+    <p:spTree>
+      <p:nvGrpSpPr>
+        <p:cNvPr id="1" name="Shape 106"/>
+        <p:cNvGrpSpPr/>
+        <p:nvPr/>
+      </p:nvGrpSpPr>
+      <p:grpSpPr>
+        <a:xfrm>
+          <a:off x="0" y="0"/>
+          <a:ext cx="0" cy="0"/>
+          <a:chOff x="0" y="0"/>
+          <a:chExt cx="0" cy="0"/>
+        </a:xfrm>
+      </p:grpSpPr>
+      <p:sp>
+        <p:nvSpPr>
+          <p:cNvPr id="107" name="Shape 107"/>
+          <p:cNvSpPr>
+            <a:spLocks noGrp="1" noRot="1" noChangeAspect="1"/>
+          </p:cNvSpPr>
+          <p:nvPr>
+            <p:ph type="sldImg" idx="2"/>
+          </p:nvPr>
+        </p:nvSpPr>
+        <p:spPr>
+          <a:xfrm>
+            <a:off x="381000" y="685800"/>
+            <a:ext cx="6096000" cy="3429000"/>
+          </a:xfrm>
+          <a:custGeom>
+            <a:avLst/>
+            <a:gdLst/>
+            <a:ahLst/>
+            <a:cxnLst/>
+            <a:rect l="0" t="0" r="0" b="0"/>
+            <a:pathLst>
+              <a:path w="120000" h="120000" extrusionOk="0">
+                <a:moveTo>
+                  <a:pt x="0" y="0"/>
+                </a:moveTo>
+                <a:lnTo>
+                  <a:pt x="120000" y="0"/>
+                </a:lnTo>
+                <a:lnTo>
+                  <a:pt x="120000" y="120000"/>
+                </a:lnTo>
+                <a:lnTo>
+                  <a:pt x="0" y="120000"/>
+                </a:lnTo>
+                <a:close/>
+              </a:path>
+            </a:pathLst>
+          </a:custGeom>
+        </p:spPr>
+      </p:sp>
+      <p:sp>
+        <p:nvSpPr>
+          <p:cNvPr id="108" name="Shape 108"/>
+          <p:cNvSpPr txBox="1">
+            <a:spLocks noGrp="1"/>
+          </p:cNvSpPr>
+          <p:nvPr>
+            <p:ph type="body" idx="1"/>
+          </p:nvPr>
+        </p:nvSpPr>
+        <p:spPr>
+          <a:xfrm>
+            <a:off x="685800" y="4343400"/>
+            <a:ext cx="5486399" cy="4114800"/>
+          </a:xfrm>
+          <a:prstGeom prst="rect">
+            <a:avLst/>
+          </a:prstGeom>
+        </p:spPr>
+        <p:txBody>
+          <a:bodyPr lIns="91425" tIns="91425" rIns="91425" bIns="91425" anchor="t" anchorCtr="0">
+            <a:noAutofit/>
+          </a:bodyPr>
+          <a:lstStyle/>
+          <a:p>
+            <a:pPr lvl="0">
+              <a:spcBef>
+                <a:spcPts val="0"/>
+              </a:spcBef>
+              <a:buNone/>
+            </a:pPr>
+            <a:endParaRPr/>
+          </a:p>
+        </p:txBody>
+      </p:sp>
+    </p:spTree>
+  </p:cSld>
+  <p:clrMapOvr>
+    <a:masterClrMapping/>
+  </p:clrMapOvr>
+</p:notes>
+</file>
+
+<file path=ppt/notesSlides/notesSlide17.xml><?xml version="1.0" encoding="utf-8"?>
 <p:notes xmlns:a="http://schemas.openxmlformats.org/drawingml/2006/main" xmlns:r="http://schemas.openxmlformats.org/officeDocument/2006/relationships" xmlns:p="http://schemas.openxmlformats.org/presentationml/2006/main" showMasterSp="0" showMasterPhAnim="0">
   <p:cSld>
     <p:spTree>
@@ -903,7 +1433,7 @@
 </p:notes>
 </file>
 
-<file path=ppt/notesSlides/notesSlide13.xml><?xml version="1.0" encoding="utf-8"?>
+<file path=ppt/notesSlides/notesSlide18.xml><?xml version="1.0" encoding="utf-8"?>
 <p:notes xmlns:a="http://schemas.openxmlformats.org/drawingml/2006/main" xmlns:r="http://schemas.openxmlformats.org/officeDocument/2006/relationships" xmlns:p="http://schemas.openxmlformats.org/presentationml/2006/main" showMasterSp="0" showMasterPhAnim="0">
   <p:cSld>
     <p:spTree>
@@ -1098,6 +1628,11 @@
         </p:txBody>
       </p:sp>
     </p:spTree>
+    <p:extLst>
+      <p:ext uri="{BB962C8B-B14F-4D97-AF65-F5344CB8AC3E}">
+        <p14:creationId xmlns:p14="http://schemas.microsoft.com/office/powerpoint/2010/main" val="3785837249"/>
+      </p:ext>
+    </p:extLst>
   </p:cSld>
   <p:clrMapOvr>
     <a:masterClrMapping/>
@@ -1199,11 +1734,6 @@
         </p:txBody>
       </p:sp>
     </p:spTree>
-    <p:extLst>
-      <p:ext uri="{BB962C8B-B14F-4D97-AF65-F5344CB8AC3E}">
-        <p14:creationId xmlns:p14="http://schemas.microsoft.com/office/powerpoint/2010/main" val="402791008"/>
-      </p:ext>
-    </p:extLst>
   </p:cSld>
   <p:clrMapOvr>
     <a:masterClrMapping/>
@@ -1307,7 +1837,7 @@
     </p:spTree>
     <p:extLst>
       <p:ext uri="{BB962C8B-B14F-4D97-AF65-F5344CB8AC3E}">
-        <p14:creationId xmlns:p14="http://schemas.microsoft.com/office/powerpoint/2010/main" val="1387137707"/>
+        <p14:creationId xmlns:p14="http://schemas.microsoft.com/office/powerpoint/2010/main" val="3422710834"/>
       </p:ext>
     </p:extLst>
   </p:cSld>
@@ -1322,7 +1852,7 @@
   <p:cSld>
     <p:spTree>
       <p:nvGrpSpPr>
-        <p:cNvPr id="1" name="Shape 75"/>
+        <p:cNvPr id="1" name="Shape 69"/>
         <p:cNvGrpSpPr/>
         <p:nvPr/>
       </p:nvGrpSpPr>
@@ -1336,7 +1866,7 @@
       </p:grpSpPr>
       <p:sp>
         <p:nvSpPr>
-          <p:cNvPr id="76" name="Shape 76"/>
+          <p:cNvPr id="70" name="Shape 70"/>
           <p:cNvSpPr>
             <a:spLocks noGrp="1" noRot="1" noChangeAspect="1"/>
           </p:cNvSpPr>
@@ -1377,7 +1907,7 @@
       </p:sp>
       <p:sp>
         <p:nvSpPr>
-          <p:cNvPr id="77" name="Shape 77"/>
+          <p:cNvPr id="71" name="Shape 71"/>
           <p:cNvSpPr txBox="1">
             <a:spLocks noGrp="1"/>
           </p:cNvSpPr>
@@ -1388,7 +1918,7 @@
         <p:spPr>
           <a:xfrm>
             <a:off x="685800" y="4343400"/>
-            <a:ext cx="5486400" cy="4114800"/>
+            <a:ext cx="5486399" cy="4114800"/>
           </a:xfrm>
           <a:prstGeom prst="rect">
             <a:avLst/>
@@ -1400,7 +1930,7 @@
           </a:bodyPr>
           <a:lstStyle/>
           <a:p>
-            <a:pPr lvl="0" rtl="0">
+            <a:pPr lvl="0">
               <a:spcBef>
                 <a:spcPts val="0"/>
               </a:spcBef>
@@ -1411,6 +1941,11 @@
         </p:txBody>
       </p:sp>
     </p:spTree>
+    <p:extLst>
+      <p:ext uri="{BB962C8B-B14F-4D97-AF65-F5344CB8AC3E}">
+        <p14:creationId xmlns:p14="http://schemas.microsoft.com/office/powerpoint/2010/main" val="3712781753"/>
+      </p:ext>
+    </p:extLst>
   </p:cSld>
   <p:clrMapOvr>
     <a:masterClrMapping/>
@@ -1423,7 +1958,7 @@
   <p:cSld>
     <p:spTree>
       <p:nvGrpSpPr>
-        <p:cNvPr id="1" name="Shape 81"/>
+        <p:cNvPr id="1" name="Shape 69"/>
         <p:cNvGrpSpPr/>
         <p:nvPr/>
       </p:nvGrpSpPr>
@@ -1437,7 +1972,7 @@
       </p:grpSpPr>
       <p:sp>
         <p:nvSpPr>
-          <p:cNvPr id="82" name="Shape 82"/>
+          <p:cNvPr id="70" name="Shape 70"/>
           <p:cNvSpPr>
             <a:spLocks noGrp="1" noRot="1" noChangeAspect="1"/>
           </p:cNvSpPr>
@@ -1478,7 +2013,7 @@
       </p:sp>
       <p:sp>
         <p:nvSpPr>
-          <p:cNvPr id="83" name="Shape 83"/>
+          <p:cNvPr id="71" name="Shape 71"/>
           <p:cNvSpPr txBox="1">
             <a:spLocks noGrp="1"/>
           </p:cNvSpPr>
@@ -1489,7 +2024,7 @@
         <p:spPr>
           <a:xfrm>
             <a:off x="685800" y="4343400"/>
-            <a:ext cx="5486400" cy="4114800"/>
+            <a:ext cx="5486399" cy="4114800"/>
           </a:xfrm>
           <a:prstGeom prst="rect">
             <a:avLst/>
@@ -1501,7 +2036,7 @@
           </a:bodyPr>
           <a:lstStyle/>
           <a:p>
-            <a:pPr lvl="0" rtl="0">
+            <a:pPr lvl="0">
               <a:spcBef>
                 <a:spcPts val="0"/>
               </a:spcBef>
@@ -1512,6 +2047,11 @@
         </p:txBody>
       </p:sp>
     </p:spTree>
+    <p:extLst>
+      <p:ext uri="{BB962C8B-B14F-4D97-AF65-F5344CB8AC3E}">
+        <p14:creationId xmlns:p14="http://schemas.microsoft.com/office/powerpoint/2010/main" val="3891758710"/>
+      </p:ext>
+    </p:extLst>
   </p:cSld>
   <p:clrMapOvr>
     <a:masterClrMapping/>
@@ -1524,7 +2064,7 @@
   <p:cSld>
     <p:spTree>
       <p:nvGrpSpPr>
-        <p:cNvPr id="1" name="Shape 87"/>
+        <p:cNvPr id="1" name="Shape 69"/>
         <p:cNvGrpSpPr/>
         <p:nvPr/>
       </p:nvGrpSpPr>
@@ -1538,7 +2078,7 @@
       </p:grpSpPr>
       <p:sp>
         <p:nvSpPr>
-          <p:cNvPr id="88" name="Shape 88"/>
+          <p:cNvPr id="70" name="Shape 70"/>
           <p:cNvSpPr>
             <a:spLocks noGrp="1" noRot="1" noChangeAspect="1"/>
           </p:cNvSpPr>
@@ -1579,7 +2119,7 @@
       </p:sp>
       <p:sp>
         <p:nvSpPr>
-          <p:cNvPr id="89" name="Shape 89"/>
+          <p:cNvPr id="71" name="Shape 71"/>
           <p:cNvSpPr txBox="1">
             <a:spLocks noGrp="1"/>
           </p:cNvSpPr>
@@ -1590,7 +2130,7 @@
         <p:spPr>
           <a:xfrm>
             <a:off x="685800" y="4343400"/>
-            <a:ext cx="5486400" cy="4114800"/>
+            <a:ext cx="5486399" cy="4114800"/>
           </a:xfrm>
           <a:prstGeom prst="rect">
             <a:avLst/>
@@ -1602,7 +2142,7 @@
           </a:bodyPr>
           <a:lstStyle/>
           <a:p>
-            <a:pPr lvl="0" rtl="0">
+            <a:pPr lvl="0">
               <a:spcBef>
                 <a:spcPts val="0"/>
               </a:spcBef>
@@ -1613,6 +2153,11 @@
         </p:txBody>
       </p:sp>
     </p:spTree>
+    <p:extLst>
+      <p:ext uri="{BB962C8B-B14F-4D97-AF65-F5344CB8AC3E}">
+        <p14:creationId xmlns:p14="http://schemas.microsoft.com/office/powerpoint/2010/main" val="402791008"/>
+      </p:ext>
+    </p:extLst>
   </p:cSld>
   <p:clrMapOvr>
     <a:masterClrMapping/>
@@ -1625,7 +2170,7 @@
   <p:cSld>
     <p:spTree>
       <p:nvGrpSpPr>
-        <p:cNvPr id="1" name="Shape 93"/>
+        <p:cNvPr id="1" name="Shape 69"/>
         <p:cNvGrpSpPr/>
         <p:nvPr/>
       </p:nvGrpSpPr>
@@ -1639,7 +2184,7 @@
       </p:grpSpPr>
       <p:sp>
         <p:nvSpPr>
-          <p:cNvPr id="94" name="Shape 94"/>
+          <p:cNvPr id="70" name="Shape 70"/>
           <p:cNvSpPr>
             <a:spLocks noGrp="1" noRot="1" noChangeAspect="1"/>
           </p:cNvSpPr>
@@ -1680,7 +2225,7 @@
       </p:sp>
       <p:sp>
         <p:nvSpPr>
-          <p:cNvPr id="95" name="Shape 95"/>
+          <p:cNvPr id="71" name="Shape 71"/>
           <p:cNvSpPr txBox="1">
             <a:spLocks noGrp="1"/>
           </p:cNvSpPr>
@@ -1691,7 +2236,7 @@
         <p:spPr>
           <a:xfrm>
             <a:off x="685800" y="4343400"/>
-            <a:ext cx="5486400" cy="4114800"/>
+            <a:ext cx="5486399" cy="4114800"/>
           </a:xfrm>
           <a:prstGeom prst="rect">
             <a:avLst/>
@@ -1703,7 +2248,7 @@
           </a:bodyPr>
           <a:lstStyle/>
           <a:p>
-            <a:pPr lvl="0" rtl="0">
+            <a:pPr lvl="0">
               <a:spcBef>
                 <a:spcPts val="0"/>
               </a:spcBef>
@@ -1714,6 +2259,11 @@
         </p:txBody>
       </p:sp>
     </p:spTree>
+    <p:extLst>
+      <p:ext uri="{BB962C8B-B14F-4D97-AF65-F5344CB8AC3E}">
+        <p14:creationId xmlns:p14="http://schemas.microsoft.com/office/powerpoint/2010/main" val="1387137707"/>
+      </p:ext>
+    </p:extLst>
   </p:cSld>
   <p:clrMapOvr>
     <a:masterClrMapping/>
@@ -1726,7 +2276,7 @@
   <p:cSld>
     <p:spTree>
       <p:nvGrpSpPr>
-        <p:cNvPr id="1" name="Shape 99"/>
+        <p:cNvPr id="1" name="Shape 69"/>
         <p:cNvGrpSpPr/>
         <p:nvPr/>
       </p:nvGrpSpPr>
@@ -1740,7 +2290,7 @@
       </p:grpSpPr>
       <p:sp>
         <p:nvSpPr>
-          <p:cNvPr id="100" name="Shape 100"/>
+          <p:cNvPr id="70" name="Shape 70"/>
           <p:cNvSpPr>
             <a:spLocks noGrp="1" noRot="1" noChangeAspect="1"/>
           </p:cNvSpPr>
@@ -1781,7 +2331,7 @@
       </p:sp>
       <p:sp>
         <p:nvSpPr>
-          <p:cNvPr id="101" name="Shape 101"/>
+          <p:cNvPr id="71" name="Shape 71"/>
           <p:cNvSpPr txBox="1">
             <a:spLocks noGrp="1"/>
           </p:cNvSpPr>
@@ -1815,6 +2365,11 @@
         </p:txBody>
       </p:sp>
     </p:spTree>
+    <p:extLst>
+      <p:ext uri="{BB962C8B-B14F-4D97-AF65-F5344CB8AC3E}">
+        <p14:creationId xmlns:p14="http://schemas.microsoft.com/office/powerpoint/2010/main" val="1849014615"/>
+      </p:ext>
+    </p:extLst>
   </p:cSld>
   <p:clrMapOvr>
     <a:masterClrMapping/>
@@ -6225,7 +6780,7 @@
               <a:buNone/>
             </a:pPr>
             <a:r>
-              <a:rPr lang="en" sz="6000"/>
+              <a:rPr lang="en" sz="6000" dirty="0"/>
               <a:t>TensorFlow</a:t>
             </a:r>
           </a:p>
@@ -6242,10 +6797,6 @@
           </p:nvPr>
         </p:nvSpPr>
         <p:spPr>
-          <a:xfrm>
-            <a:off x="390525" y="2789130"/>
-            <a:ext cx="8222100" cy="432900"/>
-          </a:xfrm>
           <a:prstGeom prst="rect">
             <a:avLst/>
           </a:prstGeom>
@@ -6263,7 +6814,7 @@
               <a:buNone/>
             </a:pPr>
             <a:r>
-              <a:rPr lang="en"/>
+              <a:rPr lang="en" dirty="0"/>
               <a:t>By Siavash Kavousi</a:t>
             </a:r>
           </a:p>
@@ -6277,10 +6828,1241 @@
   <p:transition spd="slow">
     <p:cut/>
   </p:transition>
+  <p:timing>
+    <p:tnLst>
+      <p:par>
+        <p:cTn id="1" dur="indefinite" restart="never" nodeType="tmRoot"/>
+      </p:par>
+    </p:tnLst>
+  </p:timing>
 </p:sld>
 </file>
 
 <file path=ppt/slides/slide10.xml><?xml version="1.0" encoding="utf-8"?>
+<p:sld xmlns:a="http://schemas.openxmlformats.org/drawingml/2006/main" xmlns:r="http://schemas.openxmlformats.org/officeDocument/2006/relationships" xmlns:p="http://schemas.openxmlformats.org/presentationml/2006/main">
+  <p:cSld>
+    <p:bg>
+      <p:bgPr>
+        <a:solidFill>
+          <a:schemeClr val="tx1"/>
+        </a:solidFill>
+        <a:effectLst/>
+      </p:bgPr>
+    </p:bg>
+    <p:spTree>
+      <p:nvGrpSpPr>
+        <p:cNvPr id="1" name="Shape 72"/>
+        <p:cNvGrpSpPr/>
+        <p:nvPr/>
+      </p:nvGrpSpPr>
+      <p:grpSpPr>
+        <a:xfrm>
+          <a:off x="0" y="0"/>
+          <a:ext cx="0" cy="0"/>
+          <a:chOff x="0" y="0"/>
+          <a:chExt cx="0" cy="0"/>
+        </a:xfrm>
+      </p:grpSpPr>
+      <p:sp>
+        <p:nvSpPr>
+          <p:cNvPr id="73" name="Shape 73"/>
+          <p:cNvSpPr txBox="1">
+            <a:spLocks noGrp="1"/>
+          </p:cNvSpPr>
+          <p:nvPr>
+            <p:ph type="title"/>
+          </p:nvPr>
+        </p:nvSpPr>
+        <p:spPr>
+          <a:xfrm>
+            <a:off x="460950" y="815373"/>
+            <a:ext cx="8222100" cy="3522520"/>
+          </a:xfrm>
+          <a:prstGeom prst="rect">
+            <a:avLst/>
+          </a:prstGeom>
+        </p:spPr>
+        <p:txBody>
+          <a:bodyPr lIns="91425" tIns="91425" rIns="91425" bIns="91425" anchor="ctr" anchorCtr="0">
+            <a:noAutofit/>
+          </a:bodyPr>
+          <a:lstStyle/>
+          <a:p>
+            <a:pPr lvl="0">
+              <a:spcBef>
+                <a:spcPts val="0"/>
+              </a:spcBef>
+              <a:buNone/>
+            </a:pPr>
+            <a:r>
+              <a:rPr lang="en" sz="3600" dirty="0" smtClean="0">
+                <a:solidFill>
+                  <a:schemeClr val="bg2"/>
+                </a:solidFill>
+              </a:rPr>
+              <a:t>TensorFlow</a:t>
+            </a:r>
+            <a:r>
+              <a:rPr lang="en" sz="3600" dirty="0" smtClean="0">
+                <a:solidFill>
+                  <a:srgbClr val="C00000"/>
+                </a:solidFill>
+              </a:rPr>
+              <a:t/>
+            </a:r>
+            <a:br>
+              <a:rPr lang="en" sz="3600" dirty="0" smtClean="0">
+                <a:solidFill>
+                  <a:srgbClr val="C00000"/>
+                </a:solidFill>
+              </a:rPr>
+            </a:br>
+            <a:r>
+              <a:rPr lang="en" sz="3600" dirty="0">
+                <a:solidFill>
+                  <a:srgbClr val="C00000"/>
+                </a:solidFill>
+              </a:rPr>
+              <a:t>	</a:t>
+            </a:r>
+            <a:r>
+              <a:rPr lang="en" sz="3600" dirty="0" smtClean="0">
+                <a:solidFill>
+                  <a:srgbClr val="C00000"/>
+                </a:solidFill>
+              </a:rPr>
+              <a:t>Features </a:t>
+            </a:r>
+            <a:r>
+              <a:rPr lang="en" sz="3600" dirty="0" smtClean="0">
+                <a:solidFill>
+                  <a:schemeClr val="accent6">
+                    <a:lumMod val="60000"/>
+                    <a:lumOff val="40000"/>
+                  </a:schemeClr>
+                </a:solidFill>
+              </a:rPr>
+              <a:t/>
+            </a:r>
+            <a:br>
+              <a:rPr lang="en" sz="3600" dirty="0" smtClean="0">
+                <a:solidFill>
+                  <a:schemeClr val="accent6">
+                    <a:lumMod val="60000"/>
+                    <a:lumOff val="40000"/>
+                  </a:schemeClr>
+                </a:solidFill>
+              </a:rPr>
+            </a:br>
+            <a:r>
+              <a:rPr lang="en" sz="3600" dirty="0">
+                <a:solidFill>
+                  <a:schemeClr val="accent6">
+                    <a:lumMod val="60000"/>
+                    <a:lumOff val="40000"/>
+                  </a:schemeClr>
+                </a:solidFill>
+              </a:rPr>
+              <a:t>	</a:t>
+            </a:r>
+            <a:r>
+              <a:rPr lang="en" sz="3600" dirty="0" smtClean="0">
+                <a:solidFill>
+                  <a:schemeClr val="accent6">
+                    <a:lumMod val="60000"/>
+                    <a:lumOff val="40000"/>
+                  </a:schemeClr>
+                </a:solidFill>
+              </a:rPr>
+              <a:t>Keywords</a:t>
+            </a:r>
+            <a:br>
+              <a:rPr lang="en" sz="3600" dirty="0" smtClean="0">
+                <a:solidFill>
+                  <a:schemeClr val="accent6">
+                    <a:lumMod val="60000"/>
+                    <a:lumOff val="40000"/>
+                  </a:schemeClr>
+                </a:solidFill>
+              </a:rPr>
+            </a:br>
+            <a:r>
+              <a:rPr lang="en" sz="3600" dirty="0">
+                <a:solidFill>
+                  <a:schemeClr val="accent6">
+                    <a:lumMod val="60000"/>
+                    <a:lumOff val="40000"/>
+                  </a:schemeClr>
+                </a:solidFill>
+              </a:rPr>
+              <a:t>	</a:t>
+            </a:r>
+            <a:r>
+              <a:rPr lang="en" sz="3600" dirty="0" smtClean="0">
+                <a:solidFill>
+                  <a:schemeClr val="accent6">
+                    <a:lumMod val="60000"/>
+                    <a:lumOff val="40000"/>
+                  </a:schemeClr>
+                </a:solidFill>
+              </a:rPr>
+              <a:t>TensorBoard</a:t>
+            </a:r>
+            <a:endParaRPr lang="en" sz="3600" dirty="0">
+              <a:solidFill>
+                <a:schemeClr val="accent6">
+                  <a:lumMod val="60000"/>
+                  <a:lumOff val="40000"/>
+                </a:schemeClr>
+              </a:solidFill>
+            </a:endParaRPr>
+          </a:p>
+        </p:txBody>
+      </p:sp>
+    </p:spTree>
+    <p:extLst>
+      <p:ext uri="{BB962C8B-B14F-4D97-AF65-F5344CB8AC3E}">
+        <p14:creationId xmlns:p14="http://schemas.microsoft.com/office/powerpoint/2010/main" val="1542216655"/>
+      </p:ext>
+    </p:extLst>
+  </p:cSld>
+  <p:clrMapOvr>
+    <a:masterClrMapping/>
+  </p:clrMapOvr>
+  <p:transition spd="slow">
+    <p:cut/>
+  </p:transition>
+  <p:timing>
+    <p:tnLst>
+      <p:par>
+        <p:cTn id="1" dur="indefinite" restart="never" nodeType="tmRoot"/>
+      </p:par>
+    </p:tnLst>
+  </p:timing>
+</p:sld>
+</file>
+
+<file path=ppt/slides/slide11.xml><?xml version="1.0" encoding="utf-8"?>
+<p:sld xmlns:a="http://schemas.openxmlformats.org/drawingml/2006/main" xmlns:r="http://schemas.openxmlformats.org/officeDocument/2006/relationships" xmlns:p="http://schemas.openxmlformats.org/presentationml/2006/main">
+  <p:cSld>
+    <p:spTree>
+      <p:nvGrpSpPr>
+        <p:cNvPr id="1" name="Shape 96"/>
+        <p:cNvGrpSpPr/>
+        <p:nvPr/>
+      </p:nvGrpSpPr>
+      <p:grpSpPr>
+        <a:xfrm>
+          <a:off x="0" y="0"/>
+          <a:ext cx="0" cy="0"/>
+          <a:chOff x="0" y="0"/>
+          <a:chExt cx="0" cy="0"/>
+        </a:xfrm>
+      </p:grpSpPr>
+      <p:sp>
+        <p:nvSpPr>
+          <p:cNvPr id="97" name="Shape 97"/>
+          <p:cNvSpPr txBox="1">
+            <a:spLocks noGrp="1"/>
+          </p:cNvSpPr>
+          <p:nvPr>
+            <p:ph type="title"/>
+          </p:nvPr>
+        </p:nvSpPr>
+        <p:spPr>
+          <a:prstGeom prst="rect">
+            <a:avLst/>
+          </a:prstGeom>
+        </p:spPr>
+        <p:txBody>
+          <a:bodyPr lIns="91425" tIns="91425" rIns="91425" bIns="91425" anchor="b" anchorCtr="0">
+            <a:noAutofit/>
+          </a:bodyPr>
+          <a:lstStyle/>
+          <a:p>
+            <a:pPr lvl="0" rtl="0">
+              <a:spcBef>
+                <a:spcPts val="0"/>
+              </a:spcBef>
+              <a:buNone/>
+            </a:pPr>
+            <a:r>
+              <a:rPr lang="en" dirty="0"/>
+              <a:t>Features</a:t>
+            </a:r>
+          </a:p>
+        </p:txBody>
+      </p:sp>
+      <p:sp>
+        <p:nvSpPr>
+          <p:cNvPr id="98" name="Shape 98"/>
+          <p:cNvSpPr txBox="1">
+            <a:spLocks noGrp="1"/>
+          </p:cNvSpPr>
+          <p:nvPr>
+            <p:ph type="body" idx="2"/>
+          </p:nvPr>
+        </p:nvSpPr>
+        <p:spPr>
+          <a:xfrm>
+            <a:off x="4939500" y="724199"/>
+            <a:ext cx="3837000" cy="3588027"/>
+          </a:xfrm>
+          <a:prstGeom prst="rect">
+            <a:avLst/>
+          </a:prstGeom>
+        </p:spPr>
+        <p:txBody>
+          <a:bodyPr lIns="91425" tIns="91425" rIns="91425" bIns="91425" anchor="ctr" anchorCtr="0">
+            <a:noAutofit/>
+          </a:bodyPr>
+          <a:lstStyle/>
+          <a:p>
+            <a:pPr marL="457200" lvl="0" indent="-381000" rtl="0">
+              <a:spcBef>
+                <a:spcPts val="0"/>
+              </a:spcBef>
+              <a:spcAft>
+                <a:spcPts val="1600"/>
+              </a:spcAft>
+              <a:buSzPct val="100000"/>
+            </a:pPr>
+            <a:r>
+              <a:rPr lang="en" sz="2400" dirty="0" smtClean="0"/>
+              <a:t>True </a:t>
+            </a:r>
+            <a:r>
+              <a:rPr lang="en" sz="2400" dirty="0"/>
+              <a:t>Portability</a:t>
+            </a:r>
+          </a:p>
+          <a:p>
+            <a:pPr marL="457200" lvl="0" indent="-381000" rtl="0">
+              <a:spcBef>
+                <a:spcPts val="0"/>
+              </a:spcBef>
+              <a:spcAft>
+                <a:spcPts val="1600"/>
+              </a:spcAft>
+              <a:buSzPct val="100000"/>
+            </a:pPr>
+            <a:r>
+              <a:rPr lang="en" sz="2400" dirty="0" smtClean="0"/>
+              <a:t>Auto-Differentiation </a:t>
+            </a:r>
+            <a:r>
+              <a:rPr lang="en" sz="1600" dirty="0" smtClean="0"/>
+              <a:t>Remember backward prop </a:t>
+            </a:r>
+            <a:r>
+              <a:rPr lang="en" sz="1600" dirty="0" smtClean="0">
+                <a:sym typeface="Wingdings" panose="05000000000000000000" pitchFamily="2" charset="2"/>
+              </a:rPr>
+              <a:t></a:t>
+            </a:r>
+            <a:endParaRPr lang="en" sz="2400" dirty="0"/>
+          </a:p>
+          <a:p>
+            <a:pPr marL="457200" lvl="0" indent="-381000" rtl="0">
+              <a:lnSpc>
+                <a:spcPct val="100000"/>
+              </a:lnSpc>
+              <a:spcBef>
+                <a:spcPts val="0"/>
+              </a:spcBef>
+              <a:spcAft>
+                <a:spcPts val="1600"/>
+              </a:spcAft>
+              <a:buSzPct val="100000"/>
+            </a:pPr>
+            <a:r>
+              <a:rPr lang="en" sz="2400" dirty="0" smtClean="0"/>
+              <a:t>Language Options</a:t>
+            </a:r>
+          </a:p>
+          <a:p>
+            <a:pPr marL="457200" lvl="0" indent="-381000" rtl="0">
+              <a:lnSpc>
+                <a:spcPct val="100000"/>
+              </a:lnSpc>
+              <a:spcBef>
+                <a:spcPts val="0"/>
+              </a:spcBef>
+              <a:spcAft>
+                <a:spcPts val="1600"/>
+              </a:spcAft>
+              <a:buSzPct val="100000"/>
+            </a:pPr>
+            <a:r>
+              <a:rPr lang="en" sz="2400" dirty="0" smtClean="0"/>
+              <a:t>Maximize Performance</a:t>
+            </a:r>
+            <a:endParaRPr lang="en" sz="2400" dirty="0" smtClean="0"/>
+          </a:p>
+        </p:txBody>
+      </p:sp>
+    </p:spTree>
+  </p:cSld>
+  <p:clrMapOvr>
+    <a:masterClrMapping/>
+  </p:clrMapOvr>
+  <p:transition spd="slow">
+    <p:cut/>
+  </p:transition>
+  <p:timing>
+    <p:tnLst>
+      <p:par>
+        <p:cTn id="1" dur="indefinite" restart="never" nodeType="tmRoot"/>
+      </p:par>
+    </p:tnLst>
+  </p:timing>
+</p:sld>
+</file>
+
+<file path=ppt/slides/slide12.xml><?xml version="1.0" encoding="utf-8"?>
+<p:sld xmlns:a="http://schemas.openxmlformats.org/drawingml/2006/main" xmlns:r="http://schemas.openxmlformats.org/officeDocument/2006/relationships" xmlns:p="http://schemas.openxmlformats.org/presentationml/2006/main">
+  <p:cSld>
+    <p:bg>
+      <p:bgPr>
+        <a:solidFill>
+          <a:schemeClr val="tx1"/>
+        </a:solidFill>
+        <a:effectLst/>
+      </p:bgPr>
+    </p:bg>
+    <p:spTree>
+      <p:nvGrpSpPr>
+        <p:cNvPr id="1" name="Shape 72"/>
+        <p:cNvGrpSpPr/>
+        <p:nvPr/>
+      </p:nvGrpSpPr>
+      <p:grpSpPr>
+        <a:xfrm>
+          <a:off x="0" y="0"/>
+          <a:ext cx="0" cy="0"/>
+          <a:chOff x="0" y="0"/>
+          <a:chExt cx="0" cy="0"/>
+        </a:xfrm>
+      </p:grpSpPr>
+      <p:sp>
+        <p:nvSpPr>
+          <p:cNvPr id="73" name="Shape 73"/>
+          <p:cNvSpPr txBox="1">
+            <a:spLocks noGrp="1"/>
+          </p:cNvSpPr>
+          <p:nvPr>
+            <p:ph type="title"/>
+          </p:nvPr>
+        </p:nvSpPr>
+        <p:spPr>
+          <a:xfrm>
+            <a:off x="460950" y="815373"/>
+            <a:ext cx="8222100" cy="3522520"/>
+          </a:xfrm>
+          <a:prstGeom prst="rect">
+            <a:avLst/>
+          </a:prstGeom>
+        </p:spPr>
+        <p:txBody>
+          <a:bodyPr lIns="91425" tIns="91425" rIns="91425" bIns="91425" anchor="ctr" anchorCtr="0">
+            <a:noAutofit/>
+          </a:bodyPr>
+          <a:lstStyle/>
+          <a:p>
+            <a:pPr lvl="0">
+              <a:spcBef>
+                <a:spcPts val="0"/>
+              </a:spcBef>
+              <a:buNone/>
+            </a:pPr>
+            <a:r>
+              <a:rPr lang="en" sz="3600" dirty="0" smtClean="0">
+                <a:solidFill>
+                  <a:schemeClr val="bg2"/>
+                </a:solidFill>
+              </a:rPr>
+              <a:t>TensorFlow</a:t>
+            </a:r>
+            <a:r>
+              <a:rPr lang="en" sz="3600" dirty="0" smtClean="0">
+                <a:solidFill>
+                  <a:srgbClr val="C00000"/>
+                </a:solidFill>
+              </a:rPr>
+              <a:t/>
+            </a:r>
+            <a:br>
+              <a:rPr lang="en" sz="3600" dirty="0" smtClean="0">
+                <a:solidFill>
+                  <a:srgbClr val="C00000"/>
+                </a:solidFill>
+              </a:rPr>
+            </a:br>
+            <a:r>
+              <a:rPr lang="en" sz="3600" dirty="0">
+                <a:solidFill>
+                  <a:srgbClr val="C00000"/>
+                </a:solidFill>
+              </a:rPr>
+              <a:t>	</a:t>
+            </a:r>
+            <a:r>
+              <a:rPr lang="en" sz="3600" dirty="0" smtClean="0">
+                <a:solidFill>
+                  <a:schemeClr val="accent6">
+                    <a:lumMod val="60000"/>
+                    <a:lumOff val="40000"/>
+                  </a:schemeClr>
+                </a:solidFill>
+              </a:rPr>
+              <a:t>Features</a:t>
+            </a:r>
+            <a:r>
+              <a:rPr lang="en" sz="3600" dirty="0" smtClean="0">
+                <a:solidFill>
+                  <a:srgbClr val="C00000"/>
+                </a:solidFill>
+              </a:rPr>
+              <a:t> </a:t>
+            </a:r>
+            <a:r>
+              <a:rPr lang="en" sz="3600" dirty="0" smtClean="0">
+                <a:solidFill>
+                  <a:schemeClr val="accent6">
+                    <a:lumMod val="60000"/>
+                    <a:lumOff val="40000"/>
+                  </a:schemeClr>
+                </a:solidFill>
+              </a:rPr>
+              <a:t/>
+            </a:r>
+            <a:br>
+              <a:rPr lang="en" sz="3600" dirty="0" smtClean="0">
+                <a:solidFill>
+                  <a:schemeClr val="accent6">
+                    <a:lumMod val="60000"/>
+                    <a:lumOff val="40000"/>
+                  </a:schemeClr>
+                </a:solidFill>
+              </a:rPr>
+            </a:br>
+            <a:r>
+              <a:rPr lang="en" sz="3600" dirty="0">
+                <a:solidFill>
+                  <a:schemeClr val="accent6">
+                    <a:lumMod val="60000"/>
+                    <a:lumOff val="40000"/>
+                  </a:schemeClr>
+                </a:solidFill>
+              </a:rPr>
+              <a:t>	</a:t>
+            </a:r>
+            <a:r>
+              <a:rPr lang="en" sz="3600" dirty="0" smtClean="0">
+                <a:solidFill>
+                  <a:srgbClr val="C00000"/>
+                </a:solidFill>
+              </a:rPr>
+              <a:t>Keywords</a:t>
+            </a:r>
+            <a:r>
+              <a:rPr lang="en" sz="3600" dirty="0" smtClean="0">
+                <a:solidFill>
+                  <a:schemeClr val="accent6">
+                    <a:lumMod val="60000"/>
+                    <a:lumOff val="40000"/>
+                  </a:schemeClr>
+                </a:solidFill>
+              </a:rPr>
+              <a:t/>
+            </a:r>
+            <a:br>
+              <a:rPr lang="en" sz="3600" dirty="0" smtClean="0">
+                <a:solidFill>
+                  <a:schemeClr val="accent6">
+                    <a:lumMod val="60000"/>
+                    <a:lumOff val="40000"/>
+                  </a:schemeClr>
+                </a:solidFill>
+              </a:rPr>
+            </a:br>
+            <a:r>
+              <a:rPr lang="en" sz="3600" dirty="0">
+                <a:solidFill>
+                  <a:schemeClr val="accent6">
+                    <a:lumMod val="60000"/>
+                    <a:lumOff val="40000"/>
+                  </a:schemeClr>
+                </a:solidFill>
+              </a:rPr>
+              <a:t>	</a:t>
+            </a:r>
+            <a:r>
+              <a:rPr lang="en" sz="3600" dirty="0" smtClean="0">
+                <a:solidFill>
+                  <a:schemeClr val="accent6">
+                    <a:lumMod val="60000"/>
+                    <a:lumOff val="40000"/>
+                  </a:schemeClr>
+                </a:solidFill>
+              </a:rPr>
+              <a:t>TensorBoard</a:t>
+            </a:r>
+            <a:endParaRPr lang="en" sz="3600" dirty="0">
+              <a:solidFill>
+                <a:schemeClr val="accent6">
+                  <a:lumMod val="60000"/>
+                  <a:lumOff val="40000"/>
+                </a:schemeClr>
+              </a:solidFill>
+            </a:endParaRPr>
+          </a:p>
+        </p:txBody>
+      </p:sp>
+    </p:spTree>
+    <p:extLst>
+      <p:ext uri="{BB962C8B-B14F-4D97-AF65-F5344CB8AC3E}">
+        <p14:creationId xmlns:p14="http://schemas.microsoft.com/office/powerpoint/2010/main" val="3744866887"/>
+      </p:ext>
+    </p:extLst>
+  </p:cSld>
+  <p:clrMapOvr>
+    <a:masterClrMapping/>
+  </p:clrMapOvr>
+  <p:transition spd="slow">
+    <p:cut/>
+  </p:transition>
+  <p:timing>
+    <p:tnLst>
+      <p:par>
+        <p:cTn id="1" dur="indefinite" restart="never" nodeType="tmRoot"/>
+      </p:par>
+    </p:tnLst>
+  </p:timing>
+</p:sld>
+</file>
+
+<file path=ppt/slides/slide13.xml><?xml version="1.0" encoding="utf-8"?>
+<p:sld xmlns:a="http://schemas.openxmlformats.org/drawingml/2006/main" xmlns:r="http://schemas.openxmlformats.org/officeDocument/2006/relationships" xmlns:p="http://schemas.openxmlformats.org/presentationml/2006/main">
+  <p:cSld>
+    <p:spTree>
+      <p:nvGrpSpPr>
+        <p:cNvPr id="1" name="Shape 102"/>
+        <p:cNvGrpSpPr/>
+        <p:nvPr/>
+      </p:nvGrpSpPr>
+      <p:grpSpPr>
+        <a:xfrm>
+          <a:off x="0" y="0"/>
+          <a:ext cx="0" cy="0"/>
+          <a:chOff x="0" y="0"/>
+          <a:chExt cx="0" cy="0"/>
+        </a:xfrm>
+      </p:grpSpPr>
+      <p:sp>
+        <p:nvSpPr>
+          <p:cNvPr id="103" name="Shape 103"/>
+          <p:cNvSpPr txBox="1">
+            <a:spLocks noGrp="1"/>
+          </p:cNvSpPr>
+          <p:nvPr>
+            <p:ph type="title"/>
+          </p:nvPr>
+        </p:nvSpPr>
+        <p:spPr>
+          <a:prstGeom prst="rect">
+            <a:avLst/>
+          </a:prstGeom>
+        </p:spPr>
+        <p:txBody>
+          <a:bodyPr lIns="91425" tIns="91425" rIns="91425" bIns="91425" anchor="b" anchorCtr="0">
+            <a:noAutofit/>
+          </a:bodyPr>
+          <a:lstStyle/>
+          <a:p>
+            <a:pPr lvl="0">
+              <a:spcBef>
+                <a:spcPts val="0"/>
+              </a:spcBef>
+              <a:buNone/>
+            </a:pPr>
+            <a:r>
+              <a:rPr lang="en" dirty="0" smtClean="0"/>
+              <a:t>Keywords</a:t>
+            </a:r>
+            <a:endParaRPr lang="en" dirty="0"/>
+          </a:p>
+        </p:txBody>
+      </p:sp>
+      <p:sp>
+        <p:nvSpPr>
+          <p:cNvPr id="104" name="Shape 104"/>
+          <p:cNvSpPr txBox="1">
+            <a:spLocks noGrp="1"/>
+          </p:cNvSpPr>
+          <p:nvPr>
+            <p:ph type="body" idx="1"/>
+          </p:nvPr>
+        </p:nvSpPr>
+        <p:spPr>
+          <a:prstGeom prst="rect">
+            <a:avLst/>
+          </a:prstGeom>
+        </p:spPr>
+        <p:txBody>
+          <a:bodyPr lIns="91425" tIns="91425" rIns="91425" bIns="91425" anchor="t" anchorCtr="0">
+            <a:noAutofit/>
+          </a:bodyPr>
+          <a:lstStyle/>
+          <a:p>
+            <a:pPr marL="457200" lvl="0" indent="-330200" rtl="0">
+              <a:spcBef>
+                <a:spcPts val="0"/>
+              </a:spcBef>
+              <a:buSzPct val="100000"/>
+              <a:buAutoNum type="arabicPeriod"/>
+            </a:pPr>
+            <a:r>
+              <a:rPr lang="en" sz="1600" dirty="0"/>
+              <a:t>Represents computations as </a:t>
+            </a:r>
+            <a:r>
+              <a:rPr lang="en" sz="1600" dirty="0">
+                <a:solidFill>
+                  <a:srgbClr val="C00000"/>
+                </a:solidFill>
+              </a:rPr>
+              <a:t>graphs</a:t>
+            </a:r>
+          </a:p>
+          <a:p>
+            <a:pPr marL="457200" lvl="0" indent="-330200" rtl="0">
+              <a:spcBef>
+                <a:spcPts val="0"/>
+              </a:spcBef>
+              <a:buSzPct val="100000"/>
+              <a:buAutoNum type="arabicPeriod"/>
+            </a:pPr>
+            <a:r>
+              <a:rPr lang="en" sz="1600" dirty="0"/>
+              <a:t>Execute graphs in </a:t>
+            </a:r>
+            <a:r>
+              <a:rPr lang="en" sz="1600" dirty="0">
+                <a:solidFill>
+                  <a:srgbClr val="C00000"/>
+                </a:solidFill>
+              </a:rPr>
+              <a:t>Sessions</a:t>
+            </a:r>
+          </a:p>
+          <a:p>
+            <a:pPr marL="457200" lvl="0" indent="-330200" rtl="0">
+              <a:spcBef>
+                <a:spcPts val="0"/>
+              </a:spcBef>
+              <a:buSzPct val="100000"/>
+              <a:buAutoNum type="arabicPeriod"/>
+            </a:pPr>
+            <a:r>
+              <a:rPr lang="en" sz="1600" dirty="0"/>
+              <a:t>Represent data as </a:t>
+            </a:r>
+            <a:r>
+              <a:rPr lang="en" sz="1600" dirty="0">
+                <a:solidFill>
+                  <a:srgbClr val="C00000"/>
+                </a:solidFill>
+              </a:rPr>
+              <a:t>tensors</a:t>
+            </a:r>
+          </a:p>
+          <a:p>
+            <a:pPr marL="457200" lvl="0" indent="-330200" rtl="0">
+              <a:spcBef>
+                <a:spcPts val="0"/>
+              </a:spcBef>
+              <a:buSzPct val="100000"/>
+              <a:buAutoNum type="arabicPeriod"/>
+            </a:pPr>
+            <a:r>
+              <a:rPr lang="en" sz="1600" dirty="0"/>
+              <a:t>Maintains state with </a:t>
+            </a:r>
+            <a:r>
+              <a:rPr lang="en" sz="1600" dirty="0">
+                <a:solidFill>
+                  <a:srgbClr val="C00000"/>
+                </a:solidFill>
+              </a:rPr>
+              <a:t>Variables</a:t>
+            </a:r>
+          </a:p>
+          <a:p>
+            <a:pPr marL="457200" lvl="0" indent="-330200" rtl="0">
+              <a:spcBef>
+                <a:spcPts val="0"/>
+              </a:spcBef>
+              <a:buSzPct val="100000"/>
+              <a:buAutoNum type="arabicPeriod"/>
+            </a:pPr>
+            <a:r>
+              <a:rPr lang="en" sz="1600" dirty="0"/>
+              <a:t>Uses </a:t>
+            </a:r>
+            <a:r>
+              <a:rPr lang="en" sz="1600" dirty="0">
+                <a:solidFill>
+                  <a:srgbClr val="C00000"/>
+                </a:solidFill>
+              </a:rPr>
+              <a:t>feed</a:t>
+            </a:r>
+            <a:r>
+              <a:rPr lang="en" sz="1600" dirty="0"/>
+              <a:t> and </a:t>
+            </a:r>
+            <a:r>
+              <a:rPr lang="en" sz="1600" dirty="0">
+                <a:solidFill>
+                  <a:srgbClr val="C00000"/>
+                </a:solidFill>
+              </a:rPr>
+              <a:t>fetch</a:t>
+            </a:r>
+          </a:p>
+        </p:txBody>
+      </p:sp>
+      <p:pic>
+        <p:nvPicPr>
+          <p:cNvPr id="105" name="Shape 105"/>
+          <p:cNvPicPr preferRelativeResize="0"/>
+          <p:nvPr/>
+        </p:nvPicPr>
+        <p:blipFill>
+          <a:blip r:embed="rId3">
+            <a:alphaModFix/>
+          </a:blip>
+          <a:stretch>
+            <a:fillRect/>
+          </a:stretch>
+        </p:blipFill>
+        <p:spPr>
+          <a:xfrm>
+            <a:off x="5144953" y="738725"/>
+            <a:ext cx="3549050" cy="4134350"/>
+          </a:xfrm>
+          <a:prstGeom prst="rect">
+            <a:avLst/>
+          </a:prstGeom>
+          <a:noFill/>
+          <a:ln>
+            <a:noFill/>
+          </a:ln>
+        </p:spPr>
+      </p:pic>
+    </p:spTree>
+  </p:cSld>
+  <p:clrMapOvr>
+    <a:masterClrMapping/>
+  </p:clrMapOvr>
+  <p:transition spd="slow">
+    <p:cut/>
+  </p:transition>
+  <p:timing>
+    <p:tnLst>
+      <p:par>
+        <p:cTn id="1" dur="indefinite" restart="never" nodeType="tmRoot"/>
+      </p:par>
+    </p:tnLst>
+  </p:timing>
+</p:sld>
+</file>
+
+<file path=ppt/slides/slide14.xml><?xml version="1.0" encoding="utf-8"?>
+<p:sld xmlns:a="http://schemas.openxmlformats.org/drawingml/2006/main" xmlns:r="http://schemas.openxmlformats.org/officeDocument/2006/relationships" xmlns:p="http://schemas.openxmlformats.org/presentationml/2006/main">
+  <p:cSld>
+    <p:spTree>
+      <p:nvGrpSpPr>
+        <p:cNvPr id="1" name="Shape 114"/>
+        <p:cNvGrpSpPr/>
+        <p:nvPr/>
+      </p:nvGrpSpPr>
+      <p:grpSpPr>
+        <a:xfrm>
+          <a:off x="0" y="0"/>
+          <a:ext cx="0" cy="0"/>
+          <a:chOff x="0" y="0"/>
+          <a:chExt cx="0" cy="0"/>
+        </a:xfrm>
+      </p:grpSpPr>
+      <p:sp>
+        <p:nvSpPr>
+          <p:cNvPr id="117" name="Shape 117"/>
+          <p:cNvSpPr txBox="1">
+            <a:spLocks noGrp="1"/>
+          </p:cNvSpPr>
+          <p:nvPr>
+            <p:ph type="title"/>
+          </p:nvPr>
+        </p:nvSpPr>
+        <p:spPr>
+          <a:prstGeom prst="rect">
+            <a:avLst/>
+          </a:prstGeom>
+        </p:spPr>
+        <p:txBody>
+          <a:bodyPr lIns="91425" tIns="91425" rIns="91425" bIns="91425" anchor="b" anchorCtr="0">
+            <a:noAutofit/>
+          </a:bodyPr>
+          <a:lstStyle/>
+          <a:p>
+            <a:pPr lvl="0">
+              <a:spcBef>
+                <a:spcPts val="0"/>
+              </a:spcBef>
+              <a:buNone/>
+            </a:pPr>
+            <a:r>
+              <a:rPr lang="en" dirty="0" smtClean="0"/>
+              <a:t>Keywords – cont’d</a:t>
+            </a:r>
+            <a:endParaRPr lang="en" dirty="0"/>
+          </a:p>
+        </p:txBody>
+      </p:sp>
+      <p:sp>
+        <p:nvSpPr>
+          <p:cNvPr id="115" name="Shape 115"/>
+          <p:cNvSpPr txBox="1">
+            <a:spLocks noGrp="1"/>
+          </p:cNvSpPr>
+          <p:nvPr>
+            <p:ph type="body" idx="1"/>
+          </p:nvPr>
+        </p:nvSpPr>
+        <p:spPr>
+          <a:prstGeom prst="rect">
+            <a:avLst/>
+          </a:prstGeom>
+        </p:spPr>
+        <p:txBody>
+          <a:bodyPr lIns="91425" tIns="91425" rIns="91425" bIns="91425" anchor="t" anchorCtr="0">
+            <a:noAutofit/>
+          </a:bodyPr>
+          <a:lstStyle/>
+          <a:p>
+            <a:pPr lvl="0" rtl="0">
+              <a:spcBef>
+                <a:spcPts val="0"/>
+              </a:spcBef>
+              <a:buNone/>
+            </a:pPr>
+            <a:r>
+              <a:rPr lang="en" sz="1800" b="1" dirty="0"/>
+              <a:t>I think this is what’s going to happen because…</a:t>
+            </a:r>
+          </a:p>
+          <a:p>
+            <a:pPr lvl="0">
+              <a:spcBef>
+                <a:spcPts val="0"/>
+              </a:spcBef>
+              <a:buNone/>
+            </a:pPr>
+            <a:r>
+              <a:rPr lang="en" sz="1600" dirty="0"/>
+              <a:t>Lorem ipsum dolor sit amet, consectetur adipiscing elit, sed do eiusmod tempor incididunt ut labore et dolore magna aliqua. Ut enim ad minim veniam, quis nostrud exercitation ullamco laboris nisi ut aliquip.</a:t>
+            </a:r>
+          </a:p>
+        </p:txBody>
+      </p:sp>
+      <p:sp>
+        <p:nvSpPr>
+          <p:cNvPr id="116" name="Shape 116"/>
+          <p:cNvSpPr txBox="1">
+            <a:spLocks noGrp="1"/>
+          </p:cNvSpPr>
+          <p:nvPr>
+            <p:ph type="body" idx="2"/>
+          </p:nvPr>
+        </p:nvSpPr>
+        <p:spPr>
+          <a:prstGeom prst="rect">
+            <a:avLst/>
+          </a:prstGeom>
+        </p:spPr>
+        <p:txBody>
+          <a:bodyPr lIns="91425" tIns="91425" rIns="91425" bIns="91425" anchor="t" anchorCtr="0">
+            <a:noAutofit/>
+          </a:bodyPr>
+          <a:lstStyle/>
+          <a:p>
+            <a:pPr lvl="0" rtl="0">
+              <a:spcBef>
+                <a:spcPts val="0"/>
+              </a:spcBef>
+              <a:buNone/>
+            </a:pPr>
+            <a:r>
+              <a:rPr lang="en" sz="1800" b="1"/>
+              <a:t>Variables that may affect the outcome...</a:t>
+            </a:r>
+          </a:p>
+          <a:p>
+            <a:pPr marL="457200" lvl="0" indent="-330200" rtl="0">
+              <a:spcBef>
+                <a:spcPts val="0"/>
+              </a:spcBef>
+              <a:buSzPct val="100000"/>
+            </a:pPr>
+            <a:r>
+              <a:rPr lang="en" sz="1600"/>
+              <a:t>Lorem ipsum dolor sit amet, consectetur adipiscing elit</a:t>
+            </a:r>
+          </a:p>
+          <a:p>
+            <a:pPr marL="457200" lvl="0" indent="-330200">
+              <a:spcBef>
+                <a:spcPts val="0"/>
+              </a:spcBef>
+              <a:buSzPct val="100000"/>
+            </a:pPr>
+            <a:r>
+              <a:rPr lang="en" sz="1600"/>
+              <a:t>Sed do eiusmod tempor incididunt ut labore et dolore magna aliqua</a:t>
+            </a:r>
+          </a:p>
+        </p:txBody>
+      </p:sp>
+    </p:spTree>
+  </p:cSld>
+  <p:clrMapOvr>
+    <a:masterClrMapping/>
+  </p:clrMapOvr>
+  <p:transition spd="slow">
+    <p:cut/>
+  </p:transition>
+  <p:timing>
+    <p:tnLst>
+      <p:par>
+        <p:cTn id="1" dur="indefinite" restart="never" nodeType="tmRoot"/>
+      </p:par>
+    </p:tnLst>
+  </p:timing>
+</p:sld>
+</file>
+
+<file path=ppt/slides/slide15.xml><?xml version="1.0" encoding="utf-8"?>
+<p:sld xmlns:a="http://schemas.openxmlformats.org/drawingml/2006/main" xmlns:r="http://schemas.openxmlformats.org/officeDocument/2006/relationships" xmlns:p="http://schemas.openxmlformats.org/presentationml/2006/main">
+  <p:cSld>
+    <p:bg>
+      <p:bgPr>
+        <a:solidFill>
+          <a:schemeClr val="tx1"/>
+        </a:solidFill>
+        <a:effectLst/>
+      </p:bgPr>
+    </p:bg>
+    <p:spTree>
+      <p:nvGrpSpPr>
+        <p:cNvPr id="1" name="Shape 72"/>
+        <p:cNvGrpSpPr/>
+        <p:nvPr/>
+      </p:nvGrpSpPr>
+      <p:grpSpPr>
+        <a:xfrm>
+          <a:off x="0" y="0"/>
+          <a:ext cx="0" cy="0"/>
+          <a:chOff x="0" y="0"/>
+          <a:chExt cx="0" cy="0"/>
+        </a:xfrm>
+      </p:grpSpPr>
+      <p:sp>
+        <p:nvSpPr>
+          <p:cNvPr id="73" name="Shape 73"/>
+          <p:cNvSpPr txBox="1">
+            <a:spLocks noGrp="1"/>
+          </p:cNvSpPr>
+          <p:nvPr>
+            <p:ph type="title"/>
+          </p:nvPr>
+        </p:nvSpPr>
+        <p:spPr>
+          <a:xfrm>
+            <a:off x="460950" y="815373"/>
+            <a:ext cx="8222100" cy="3522520"/>
+          </a:xfrm>
+          <a:prstGeom prst="rect">
+            <a:avLst/>
+          </a:prstGeom>
+        </p:spPr>
+        <p:txBody>
+          <a:bodyPr lIns="91425" tIns="91425" rIns="91425" bIns="91425" anchor="ctr" anchorCtr="0">
+            <a:noAutofit/>
+          </a:bodyPr>
+          <a:lstStyle/>
+          <a:p>
+            <a:pPr lvl="0">
+              <a:spcBef>
+                <a:spcPts val="0"/>
+              </a:spcBef>
+              <a:buNone/>
+            </a:pPr>
+            <a:r>
+              <a:rPr lang="en" sz="3600" dirty="0" smtClean="0">
+                <a:solidFill>
+                  <a:schemeClr val="bg2"/>
+                </a:solidFill>
+              </a:rPr>
+              <a:t>TensorFlow</a:t>
+            </a:r>
+            <a:r>
+              <a:rPr lang="en" sz="3600" dirty="0" smtClean="0">
+                <a:solidFill>
+                  <a:srgbClr val="C00000"/>
+                </a:solidFill>
+              </a:rPr>
+              <a:t/>
+            </a:r>
+            <a:br>
+              <a:rPr lang="en" sz="3600" dirty="0" smtClean="0">
+                <a:solidFill>
+                  <a:srgbClr val="C00000"/>
+                </a:solidFill>
+              </a:rPr>
+            </a:br>
+            <a:r>
+              <a:rPr lang="en" sz="3600" dirty="0">
+                <a:solidFill>
+                  <a:srgbClr val="C00000"/>
+                </a:solidFill>
+              </a:rPr>
+              <a:t>	</a:t>
+            </a:r>
+            <a:r>
+              <a:rPr lang="en" sz="3600" dirty="0" smtClean="0">
+                <a:solidFill>
+                  <a:schemeClr val="accent6">
+                    <a:lumMod val="60000"/>
+                    <a:lumOff val="40000"/>
+                  </a:schemeClr>
+                </a:solidFill>
+              </a:rPr>
+              <a:t>Features</a:t>
+            </a:r>
+            <a:r>
+              <a:rPr lang="en" sz="3600" dirty="0" smtClean="0">
+                <a:solidFill>
+                  <a:srgbClr val="C00000"/>
+                </a:solidFill>
+              </a:rPr>
+              <a:t> </a:t>
+            </a:r>
+            <a:r>
+              <a:rPr lang="en" sz="3600" dirty="0" smtClean="0">
+                <a:solidFill>
+                  <a:schemeClr val="accent6">
+                    <a:lumMod val="60000"/>
+                    <a:lumOff val="40000"/>
+                  </a:schemeClr>
+                </a:solidFill>
+              </a:rPr>
+              <a:t/>
+            </a:r>
+            <a:br>
+              <a:rPr lang="en" sz="3600" dirty="0" smtClean="0">
+                <a:solidFill>
+                  <a:schemeClr val="accent6">
+                    <a:lumMod val="60000"/>
+                    <a:lumOff val="40000"/>
+                  </a:schemeClr>
+                </a:solidFill>
+              </a:rPr>
+            </a:br>
+            <a:r>
+              <a:rPr lang="en" sz="3600" dirty="0">
+                <a:solidFill>
+                  <a:schemeClr val="accent6">
+                    <a:lumMod val="60000"/>
+                    <a:lumOff val="40000"/>
+                  </a:schemeClr>
+                </a:solidFill>
+              </a:rPr>
+              <a:t>	</a:t>
+            </a:r>
+            <a:r>
+              <a:rPr lang="en" sz="3600" dirty="0" smtClean="0">
+                <a:solidFill>
+                  <a:schemeClr val="accent6">
+                    <a:lumMod val="60000"/>
+                    <a:lumOff val="40000"/>
+                  </a:schemeClr>
+                </a:solidFill>
+              </a:rPr>
+              <a:t>Keywords</a:t>
+            </a:r>
+            <a:br>
+              <a:rPr lang="en" sz="3600" dirty="0" smtClean="0">
+                <a:solidFill>
+                  <a:schemeClr val="accent6">
+                    <a:lumMod val="60000"/>
+                    <a:lumOff val="40000"/>
+                  </a:schemeClr>
+                </a:solidFill>
+              </a:rPr>
+            </a:br>
+            <a:r>
+              <a:rPr lang="en" sz="3600" dirty="0">
+                <a:solidFill>
+                  <a:schemeClr val="accent6">
+                    <a:lumMod val="60000"/>
+                    <a:lumOff val="40000"/>
+                  </a:schemeClr>
+                </a:solidFill>
+              </a:rPr>
+              <a:t>	</a:t>
+            </a:r>
+            <a:r>
+              <a:rPr lang="en" sz="3600" dirty="0" smtClean="0">
+                <a:solidFill>
+                  <a:srgbClr val="C00000"/>
+                </a:solidFill>
+              </a:rPr>
+              <a:t>TensorBoard</a:t>
+            </a:r>
+            <a:endParaRPr lang="en" sz="3600" dirty="0">
+              <a:solidFill>
+                <a:srgbClr val="C00000"/>
+              </a:solidFill>
+            </a:endParaRPr>
+          </a:p>
+        </p:txBody>
+      </p:sp>
+    </p:spTree>
+    <p:extLst>
+      <p:ext uri="{BB962C8B-B14F-4D97-AF65-F5344CB8AC3E}">
+        <p14:creationId xmlns:p14="http://schemas.microsoft.com/office/powerpoint/2010/main" val="4144083228"/>
+      </p:ext>
+    </p:extLst>
+  </p:cSld>
+  <p:clrMapOvr>
+    <a:masterClrMapping/>
+  </p:clrMapOvr>
+  <p:transition spd="slow">
+    <p:cut/>
+  </p:transition>
+  <p:timing>
+    <p:tnLst>
+      <p:par>
+        <p:cTn id="1" dur="indefinite" restart="never" nodeType="tmRoot"/>
+      </p:par>
+    </p:tnLst>
+  </p:timing>
+</p:sld>
+</file>
+
+<file path=ppt/slides/slide16.xml><?xml version="1.0" encoding="utf-8"?>
 <p:sld xmlns:a="http://schemas.openxmlformats.org/drawingml/2006/main" xmlns:r="http://schemas.openxmlformats.org/officeDocument/2006/relationships" xmlns:p="http://schemas.openxmlformats.org/presentationml/2006/main">
   <p:cSld>
     <p:bg>
@@ -6316,10 +8098,6 @@
           </p:nvPr>
         </p:nvSpPr>
         <p:spPr>
-          <a:xfrm>
-            <a:off x="490250" y="488250"/>
-            <a:ext cx="6227100" cy="4090800"/>
-          </a:xfrm>
           <a:prstGeom prst="rect">
             <a:avLst/>
           </a:prstGeom>
@@ -6354,185 +8132,7 @@
 </p:sld>
 </file>
 
-<file path=ppt/slides/slide11.xml><?xml version="1.0" encoding="utf-8"?>
-<p:sld xmlns:a="http://schemas.openxmlformats.org/drawingml/2006/main" xmlns:r="http://schemas.openxmlformats.org/officeDocument/2006/relationships" xmlns:p="http://schemas.openxmlformats.org/presentationml/2006/main">
-  <p:cSld>
-    <p:spTree>
-      <p:nvGrpSpPr>
-        <p:cNvPr id="1" name="Shape 114"/>
-        <p:cNvGrpSpPr/>
-        <p:nvPr/>
-      </p:nvGrpSpPr>
-      <p:grpSpPr>
-        <a:xfrm>
-          <a:off x="0" y="0"/>
-          <a:ext cx="0" cy="0"/>
-          <a:chOff x="0" y="0"/>
-          <a:chExt cx="0" cy="0"/>
-        </a:xfrm>
-      </p:grpSpPr>
-      <p:sp>
-        <p:nvSpPr>
-          <p:cNvPr id="115" name="Shape 115"/>
-          <p:cNvSpPr txBox="1">
-            <a:spLocks noGrp="1"/>
-          </p:cNvSpPr>
-          <p:nvPr>
-            <p:ph type="body" idx="1"/>
-          </p:nvPr>
-        </p:nvSpPr>
-        <p:spPr>
-          <a:xfrm>
-            <a:off x="471900" y="1919075"/>
-            <a:ext cx="3999900" cy="2710199"/>
-          </a:xfrm>
-          <a:prstGeom prst="rect">
-            <a:avLst/>
-          </a:prstGeom>
-        </p:spPr>
-        <p:txBody>
-          <a:bodyPr lIns="91425" tIns="91425" rIns="91425" bIns="91425" anchor="t" anchorCtr="0">
-            <a:noAutofit/>
-          </a:bodyPr>
-          <a:lstStyle/>
-          <a:p>
-            <a:pPr lvl="0" rtl="0">
-              <a:spcBef>
-                <a:spcPts val="0"/>
-              </a:spcBef>
-              <a:buNone/>
-            </a:pPr>
-            <a:r>
-              <a:rPr lang="en" sz="1800" b="1"/>
-              <a:t>I think this is what’s going to happen because…</a:t>
-            </a:r>
-          </a:p>
-          <a:p>
-            <a:pPr lvl="0">
-              <a:spcBef>
-                <a:spcPts val="0"/>
-              </a:spcBef>
-              <a:buNone/>
-            </a:pPr>
-            <a:r>
-              <a:rPr lang="en" sz="1600"/>
-              <a:t>Lorem ipsum dolor sit amet, consectetur adipiscing elit, sed do eiusmod tempor incididunt ut labore et dolore magna aliqua. Ut enim ad minim veniam, quis nostrud exercitation ullamco laboris nisi ut aliquip.</a:t>
-            </a:r>
-          </a:p>
-        </p:txBody>
-      </p:sp>
-      <p:sp>
-        <p:nvSpPr>
-          <p:cNvPr id="116" name="Shape 116"/>
-          <p:cNvSpPr txBox="1">
-            <a:spLocks noGrp="1"/>
-          </p:cNvSpPr>
-          <p:nvPr>
-            <p:ph type="body" idx="2"/>
-          </p:nvPr>
-        </p:nvSpPr>
-        <p:spPr>
-          <a:xfrm>
-            <a:off x="4694250" y="1919075"/>
-            <a:ext cx="3999900" cy="2710199"/>
-          </a:xfrm>
-          <a:prstGeom prst="rect">
-            <a:avLst/>
-          </a:prstGeom>
-        </p:spPr>
-        <p:txBody>
-          <a:bodyPr lIns="91425" tIns="91425" rIns="91425" bIns="91425" anchor="t" anchorCtr="0">
-            <a:noAutofit/>
-          </a:bodyPr>
-          <a:lstStyle/>
-          <a:p>
-            <a:pPr lvl="0" rtl="0">
-              <a:spcBef>
-                <a:spcPts val="0"/>
-              </a:spcBef>
-              <a:buNone/>
-            </a:pPr>
-            <a:r>
-              <a:rPr lang="en" sz="1800" b="1"/>
-              <a:t>Variables that may affect the outcome...</a:t>
-            </a:r>
-          </a:p>
-          <a:p>
-            <a:pPr marL="457200" lvl="0" indent="-330200" rtl="0">
-              <a:spcBef>
-                <a:spcPts val="0"/>
-              </a:spcBef>
-              <a:buSzPct val="100000"/>
-            </a:pPr>
-            <a:r>
-              <a:rPr lang="en" sz="1600"/>
-              <a:t>Lorem ipsum dolor sit amet, consectetur adipiscing elit</a:t>
-            </a:r>
-          </a:p>
-          <a:p>
-            <a:pPr marL="457200" lvl="0" indent="-330200">
-              <a:spcBef>
-                <a:spcPts val="0"/>
-              </a:spcBef>
-              <a:buSzPct val="100000"/>
-            </a:pPr>
-            <a:r>
-              <a:rPr lang="en" sz="1600"/>
-              <a:t>Sed do eiusmod tempor incididunt ut labore et dolore magna aliqua</a:t>
-            </a:r>
-          </a:p>
-        </p:txBody>
-      </p:sp>
-      <p:sp>
-        <p:nvSpPr>
-          <p:cNvPr id="117" name="Shape 117"/>
-          <p:cNvSpPr txBox="1">
-            <a:spLocks noGrp="1"/>
-          </p:cNvSpPr>
-          <p:nvPr>
-            <p:ph type="title"/>
-          </p:nvPr>
-        </p:nvSpPr>
-        <p:spPr>
-          <a:xfrm>
-            <a:off x="471900" y="738725"/>
-            <a:ext cx="8222100" cy="767700"/>
-          </a:xfrm>
-          <a:prstGeom prst="rect">
-            <a:avLst/>
-          </a:prstGeom>
-        </p:spPr>
-        <p:txBody>
-          <a:bodyPr lIns="91425" tIns="91425" rIns="91425" bIns="91425" anchor="b" anchorCtr="0">
-            <a:noAutofit/>
-          </a:bodyPr>
-          <a:lstStyle/>
-          <a:p>
-            <a:pPr lvl="0">
-              <a:spcBef>
-                <a:spcPts val="0"/>
-              </a:spcBef>
-              <a:buNone/>
-            </a:pPr>
-            <a:r>
-              <a:rPr lang="en"/>
-              <a:t>Hypothesis support</a:t>
-            </a:r>
-          </a:p>
-        </p:txBody>
-      </p:sp>
-    </p:spTree>
-  </p:cSld>
-  <p:clrMapOvr>
-    <a:masterClrMapping/>
-  </p:clrMapOvr>
-  <p:transition spd="slow">
-    <p:cut/>
-  </p:transition>
-</p:sld>
-</file>
-
-<file path=ppt/slides/slide12.xml><?xml version="1.0" encoding="utf-8"?>
+<file path=ppt/slides/slide17.xml><?xml version="1.0" encoding="utf-8"?>
 <p:sld xmlns:a="http://schemas.openxmlformats.org/drawingml/2006/main" xmlns:r="http://schemas.openxmlformats.org/officeDocument/2006/relationships" xmlns:p="http://schemas.openxmlformats.org/presentationml/2006/main">
   <p:cSld>
     <p:spTree>
@@ -6614,10 +8214,6 @@
           </p:nvPr>
         </p:nvSpPr>
         <p:spPr>
-          <a:xfrm>
-            <a:off x="57150" y="4696825"/>
-            <a:ext cx="8382000" cy="446700"/>
-          </a:xfrm>
           <a:prstGeom prst="rect">
             <a:avLst/>
           </a:prstGeom>
@@ -6655,7 +8251,7 @@
 </p:sld>
 </file>
 
-<file path=ppt/slides/slide13.xml><?xml version="1.0" encoding="utf-8"?>
+<file path=ppt/slides/slide18.xml><?xml version="1.0" encoding="utf-8"?>
 <p:sld xmlns:a="http://schemas.openxmlformats.org/drawingml/2006/main" xmlns:r="http://schemas.openxmlformats.org/officeDocument/2006/relationships" xmlns:p="http://schemas.openxmlformats.org/presentationml/2006/main">
   <p:cSld>
     <p:spTree>
@@ -6683,10 +8279,6 @@
           </p:nvPr>
         </p:nvSpPr>
         <p:spPr>
-          <a:xfrm>
-            <a:off x="471900" y="738725"/>
-            <a:ext cx="8222100" cy="767700"/>
-          </a:xfrm>
           <a:prstGeom prst="rect">
             <a:avLst/>
           </a:prstGeom>
@@ -6721,10 +8313,6 @@
           </p:nvPr>
         </p:nvSpPr>
         <p:spPr>
-          <a:xfrm>
-            <a:off x="471900" y="1919075"/>
-            <a:ext cx="8222100" cy="2710200"/>
-          </a:xfrm>
           <a:prstGeom prst="rect">
             <a:avLst/>
           </a:prstGeom>
@@ -6760,6 +8348,178 @@
 </file>
 
 <file path=ppt/slides/slide2.xml><?xml version="1.0" encoding="utf-8"?>
+<p:sld xmlns:a="http://schemas.openxmlformats.org/drawingml/2006/main" xmlns:r="http://schemas.openxmlformats.org/officeDocument/2006/relationships" xmlns:p="http://schemas.openxmlformats.org/presentationml/2006/main">
+  <p:cSld>
+    <p:bg>
+      <p:bgPr>
+        <a:solidFill>
+          <a:schemeClr val="tx1"/>
+        </a:solidFill>
+        <a:effectLst/>
+      </p:bgPr>
+    </p:bg>
+    <p:spTree>
+      <p:nvGrpSpPr>
+        <p:cNvPr id="1" name="Shape 72"/>
+        <p:cNvGrpSpPr/>
+        <p:nvPr/>
+      </p:nvGrpSpPr>
+      <p:grpSpPr>
+        <a:xfrm>
+          <a:off x="0" y="0"/>
+          <a:ext cx="0" cy="0"/>
+          <a:chOff x="0" y="0"/>
+          <a:chExt cx="0" cy="0"/>
+        </a:xfrm>
+      </p:grpSpPr>
+      <p:sp>
+        <p:nvSpPr>
+          <p:cNvPr id="73" name="Shape 73"/>
+          <p:cNvSpPr txBox="1">
+            <a:spLocks noGrp="1"/>
+          </p:cNvSpPr>
+          <p:nvPr>
+            <p:ph type="title"/>
+          </p:nvPr>
+        </p:nvSpPr>
+        <p:spPr>
+          <a:xfrm>
+            <a:off x="460950" y="815373"/>
+            <a:ext cx="8222100" cy="3522520"/>
+          </a:xfrm>
+          <a:prstGeom prst="rect">
+            <a:avLst/>
+          </a:prstGeom>
+        </p:spPr>
+        <p:txBody>
+          <a:bodyPr lIns="91425" tIns="91425" rIns="91425" bIns="91425" anchor="ctr" anchorCtr="0">
+            <a:noAutofit/>
+          </a:bodyPr>
+          <a:lstStyle/>
+          <a:p>
+            <a:pPr lvl="0">
+              <a:spcBef>
+                <a:spcPts val="0"/>
+              </a:spcBef>
+              <a:buNone/>
+            </a:pPr>
+            <a:r>
+              <a:rPr lang="en" sz="3600" dirty="0" smtClean="0">
+                <a:solidFill>
+                  <a:srgbClr val="C00000"/>
+                </a:solidFill>
+              </a:rPr>
+              <a:t>Machine Learning</a:t>
+            </a:r>
+            <a:r>
+              <a:rPr lang="en" sz="3600" dirty="0" smtClean="0">
+                <a:solidFill>
+                  <a:schemeClr val="accent6">
+                    <a:lumMod val="60000"/>
+                    <a:lumOff val="40000"/>
+                  </a:schemeClr>
+                </a:solidFill>
+              </a:rPr>
+              <a:t/>
+            </a:r>
+            <a:br>
+              <a:rPr lang="en" sz="3600" dirty="0" smtClean="0">
+                <a:solidFill>
+                  <a:schemeClr val="accent6">
+                    <a:lumMod val="60000"/>
+                    <a:lumOff val="40000"/>
+                  </a:schemeClr>
+                </a:solidFill>
+              </a:rPr>
+            </a:br>
+            <a:r>
+              <a:rPr lang="en" sz="3600" dirty="0" smtClean="0">
+                <a:solidFill>
+                  <a:schemeClr val="accent6">
+                    <a:lumMod val="60000"/>
+                    <a:lumOff val="40000"/>
+                  </a:schemeClr>
+                </a:solidFill>
+              </a:rPr>
+              <a:t>TensorFlow </a:t>
+            </a:r>
+            <a:br>
+              <a:rPr lang="en" sz="3600" dirty="0" smtClean="0">
+                <a:solidFill>
+                  <a:schemeClr val="accent6">
+                    <a:lumMod val="60000"/>
+                    <a:lumOff val="40000"/>
+                  </a:schemeClr>
+                </a:solidFill>
+              </a:rPr>
+            </a:br>
+            <a:r>
+              <a:rPr lang="en" sz="3600" dirty="0" smtClean="0">
+                <a:solidFill>
+                  <a:schemeClr val="accent6">
+                    <a:lumMod val="60000"/>
+                    <a:lumOff val="40000"/>
+                  </a:schemeClr>
+                </a:solidFill>
+              </a:rPr>
+              <a:t>References</a:t>
+            </a:r>
+            <a:br>
+              <a:rPr lang="en" sz="3600" dirty="0" smtClean="0">
+                <a:solidFill>
+                  <a:schemeClr val="accent6">
+                    <a:lumMod val="60000"/>
+                    <a:lumOff val="40000"/>
+                  </a:schemeClr>
+                </a:solidFill>
+              </a:rPr>
+            </a:br>
+            <a:r>
+              <a:rPr lang="en" sz="3600" dirty="0" smtClean="0">
+                <a:solidFill>
+                  <a:schemeClr val="accent6">
+                    <a:lumMod val="60000"/>
+                    <a:lumOff val="40000"/>
+                  </a:schemeClr>
+                </a:solidFill>
+              </a:rPr>
+              <a:t>Thanksjot!</a:t>
+            </a:r>
+            <a:endParaRPr lang="en" sz="3600" dirty="0">
+              <a:solidFill>
+                <a:schemeClr val="accent6">
+                  <a:lumMod val="60000"/>
+                  <a:lumOff val="40000"/>
+                </a:schemeClr>
+              </a:solidFill>
+            </a:endParaRPr>
+          </a:p>
+        </p:txBody>
+      </p:sp>
+    </p:spTree>
+    <p:extLst>
+      <p:ext uri="{BB962C8B-B14F-4D97-AF65-F5344CB8AC3E}">
+        <p14:creationId xmlns:p14="http://schemas.microsoft.com/office/powerpoint/2010/main" val="2895625116"/>
+      </p:ext>
+    </p:extLst>
+  </p:cSld>
+  <p:clrMapOvr>
+    <a:masterClrMapping/>
+  </p:clrMapOvr>
+  <p:transition spd="slow">
+    <p:cut/>
+  </p:transition>
+  <p:timing>
+    <p:tnLst>
+      <p:par>
+        <p:cTn id="1" dur="indefinite" restart="never" nodeType="tmRoot"/>
+      </p:par>
+    </p:tnLst>
+  </p:timing>
+</p:sld>
+</file>
+
+<file path=ppt/slides/slide3.xml><?xml version="1.0" encoding="utf-8"?>
 <p:sld xmlns:a="http://schemas.openxmlformats.org/drawingml/2006/main" xmlns:r="http://schemas.openxmlformats.org/officeDocument/2006/relationships" xmlns:p="http://schemas.openxmlformats.org/presentationml/2006/main">
   <p:cSld>
     <p:bg>
@@ -6816,8 +8576,12 @@
               <a:buNone/>
             </a:pPr>
             <a:r>
+              <a:rPr lang="en" sz="4400" dirty="0" smtClean="0"/>
+              <a:t>What is Machine </a:t>
+            </a:r>
+            <a:r>
               <a:rPr lang="en" sz="4400" dirty="0"/>
-              <a:t>Machine Learning?</a:t>
+              <a:t>Learning?</a:t>
             </a:r>
           </a:p>
         </p:txBody>
@@ -6829,13 +8593,13 @@
             <a:spLocks noGrp="1"/>
           </p:cNvSpPr>
           <p:nvPr>
-            <p:ph type="title"/>
+            <p:ph type="title" idx="4294967295"/>
           </p:nvPr>
         </p:nvSpPr>
         <p:spPr>
           <a:xfrm>
-            <a:off x="490250" y="1111828"/>
-            <a:ext cx="8143200" cy="2697600"/>
+            <a:off x="490250" y="1371601"/>
+            <a:ext cx="8142288" cy="2698750"/>
           </a:xfrm>
           <a:prstGeom prst="rect">
             <a:avLst/>
@@ -6850,14 +8614,9 @@
           </a:bodyPr>
           <a:lstStyle/>
           <a:p>
-            <a:pPr lvl="0">
-              <a:spcBef>
-                <a:spcPts val="0"/>
-              </a:spcBef>
-              <a:buNone/>
-            </a:pPr>
+            <a:pPr lvl="0"/>
             <a:r>
-              <a:rPr lang="en" sz="3800" dirty="0">
+              <a:rPr lang="en-US" sz="3600" dirty="0">
                 <a:solidFill>
                   <a:schemeClr val="accent6">
                     <a:lumMod val="60000"/>
@@ -6865,18 +8624,22 @@
                   </a:schemeClr>
                 </a:solidFill>
               </a:rPr>
-              <a:t>Computer Vision</a:t>
+              <a:t>Machine learning is a type of artificial intelligence (</a:t>
             </a:r>
-          </a:p>
-          <a:p>
-            <a:pPr lvl="0">
-              <a:spcBef>
-                <a:spcPts val="0"/>
-              </a:spcBef>
-              <a:buNone/>
-            </a:pPr>
             <a:r>
-              <a:rPr lang="en" sz="3800" dirty="0">
+              <a:rPr lang="en-US" sz="3600" u="sng" dirty="0">
+                <a:solidFill>
+                  <a:schemeClr val="accent6">
+                    <a:lumMod val="60000"/>
+                    <a:lumOff val="40000"/>
+                  </a:schemeClr>
+                </a:solidFill>
+                <a:hlinkClick r:id="rId3"/>
+              </a:rPr>
+              <a:t>AI</a:t>
+            </a:r>
+            <a:r>
+              <a:rPr lang="en-US" sz="3600" dirty="0">
                 <a:solidFill>
                   <a:schemeClr val="accent6">
                     <a:lumMod val="60000"/>
@@ -6884,27 +8647,16 @@
                   </a:schemeClr>
                 </a:solidFill>
               </a:rPr>
-              <a:t>NLP (Natural Language Processing)</a:t>
+              <a:t>) that provides computers with the ability to learn without being explicitly programmed</a:t>
             </a:r>
-          </a:p>
-          <a:p>
-            <a:pPr lvl="0" rtl="0">
-              <a:spcBef>
-                <a:spcPts val="0"/>
-              </a:spcBef>
-              <a:buNone/>
-            </a:pPr>
-            <a:r>
-              <a:rPr lang="en" sz="3800" dirty="0">
-                <a:solidFill>
-                  <a:schemeClr val="accent6">
-                    <a:lumMod val="60000"/>
-                    <a:lumOff val="40000"/>
-                  </a:schemeClr>
-                </a:solidFill>
-              </a:rPr>
-              <a:t>Deep Reinforcement Learning</a:t>
-            </a:r>
+            <a:endParaRPr lang="en" sz="3600" dirty="0">
+              <a:solidFill>
+                <a:schemeClr val="accent6">
+                  <a:lumMod val="60000"/>
+                  <a:lumOff val="40000"/>
+                </a:schemeClr>
+              </a:solidFill>
+            </a:endParaRPr>
           </a:p>
         </p:txBody>
       </p:sp>
@@ -6926,7 +8678,6171 @@
 </p:sld>
 </file>
 
-<file path=ppt/slides/slide3.xml><?xml version="1.0" encoding="utf-8"?>
+<file path=ppt/slides/slide4.xml><?xml version="1.0" encoding="utf-8"?>
+<p:sld xmlns:a="http://schemas.openxmlformats.org/drawingml/2006/main" xmlns:r="http://schemas.openxmlformats.org/officeDocument/2006/relationships" xmlns:p="http://schemas.openxmlformats.org/presentationml/2006/main">
+  <p:cSld>
+    <p:bg>
+      <p:bgPr>
+        <a:solidFill>
+          <a:schemeClr val="tx1"/>
+        </a:solidFill>
+        <a:effectLst/>
+      </p:bgPr>
+    </p:bg>
+    <p:spTree>
+      <p:nvGrpSpPr>
+        <p:cNvPr id="1" name="Shape 72"/>
+        <p:cNvGrpSpPr/>
+        <p:nvPr/>
+      </p:nvGrpSpPr>
+      <p:grpSpPr>
+        <a:xfrm>
+          <a:off x="0" y="0"/>
+          <a:ext cx="0" cy="0"/>
+          <a:chOff x="0" y="0"/>
+          <a:chExt cx="0" cy="0"/>
+        </a:xfrm>
+      </p:grpSpPr>
+      <p:sp>
+        <p:nvSpPr>
+          <p:cNvPr id="73" name="Shape 73"/>
+          <p:cNvSpPr txBox="1">
+            <a:spLocks noGrp="1"/>
+          </p:cNvSpPr>
+          <p:nvPr>
+            <p:ph type="title"/>
+          </p:nvPr>
+        </p:nvSpPr>
+        <p:spPr>
+          <a:prstGeom prst="rect">
+            <a:avLst/>
+          </a:prstGeom>
+        </p:spPr>
+        <p:txBody>
+          <a:bodyPr lIns="91425" tIns="91425" rIns="91425" bIns="91425" anchor="ctr" anchorCtr="0">
+            <a:noAutofit/>
+          </a:bodyPr>
+          <a:lstStyle/>
+          <a:p>
+            <a:pPr lvl="0">
+              <a:spcBef>
+                <a:spcPts val="0"/>
+              </a:spcBef>
+              <a:buNone/>
+            </a:pPr>
+            <a:r>
+              <a:rPr lang="en" sz="4400" dirty="0" smtClean="0"/>
+              <a:t>Then what?!!</a:t>
+            </a:r>
+            <a:endParaRPr lang="en" sz="4400" dirty="0"/>
+          </a:p>
+        </p:txBody>
+      </p:sp>
+    </p:spTree>
+    <p:extLst>
+      <p:ext uri="{BB962C8B-B14F-4D97-AF65-F5344CB8AC3E}">
+        <p14:creationId xmlns:p14="http://schemas.microsoft.com/office/powerpoint/2010/main" val="4033210893"/>
+      </p:ext>
+    </p:extLst>
+  </p:cSld>
+  <p:clrMapOvr>
+    <a:masterClrMapping/>
+  </p:clrMapOvr>
+  <p:transition spd="slow">
+    <p:cut/>
+  </p:transition>
+  <p:timing>
+    <p:tnLst>
+      <p:par>
+        <p:cTn id="1" dur="indefinite" restart="never" nodeType="tmRoot"/>
+      </p:par>
+    </p:tnLst>
+  </p:timing>
+</p:sld>
+</file>
+
+<file path=ppt/slides/slide5.xml><?xml version="1.0" encoding="utf-8"?>
+<p:sld xmlns:a="http://schemas.openxmlformats.org/drawingml/2006/main" xmlns:r="http://schemas.openxmlformats.org/officeDocument/2006/relationships" xmlns:p="http://schemas.openxmlformats.org/presentationml/2006/main">
+  <p:cSld>
+    <p:bg>
+      <p:bgPr>
+        <a:solidFill>
+          <a:schemeClr val="lt2"/>
+        </a:solidFill>
+        <a:effectLst/>
+      </p:bgPr>
+    </p:bg>
+    <p:spTree>
+      <p:nvGrpSpPr>
+        <p:cNvPr id="1" name="Shape 72"/>
+        <p:cNvGrpSpPr/>
+        <p:nvPr/>
+      </p:nvGrpSpPr>
+      <p:grpSpPr>
+        <a:xfrm>
+          <a:off x="0" y="0"/>
+          <a:ext cx="0" cy="0"/>
+          <a:chOff x="0" y="0"/>
+          <a:chExt cx="0" cy="0"/>
+        </a:xfrm>
+      </p:grpSpPr>
+      <p:sp>
+        <p:nvSpPr>
+          <p:cNvPr id="73" name="Shape 73"/>
+          <p:cNvSpPr txBox="1">
+            <a:spLocks noGrp="1"/>
+          </p:cNvSpPr>
+          <p:nvPr>
+            <p:ph type="title"/>
+          </p:nvPr>
+        </p:nvSpPr>
+        <p:spPr>
+          <a:xfrm>
+            <a:off x="490250" y="155864"/>
+            <a:ext cx="8143200" cy="955964"/>
+          </a:xfrm>
+          <a:prstGeom prst="rect">
+            <a:avLst/>
+          </a:prstGeom>
+        </p:spPr>
+        <p:txBody>
+          <a:bodyPr lIns="91425" tIns="91425" rIns="91425" bIns="91425" anchor="ctr" anchorCtr="0">
+            <a:noAutofit/>
+          </a:bodyPr>
+          <a:lstStyle/>
+          <a:p>
+            <a:pPr lvl="0">
+              <a:spcBef>
+                <a:spcPts val="0"/>
+              </a:spcBef>
+              <a:buNone/>
+            </a:pPr>
+            <a:r>
+              <a:rPr lang="en" sz="4400" dirty="0" smtClean="0"/>
+              <a:t>CIFAR-10 Dataset</a:t>
+            </a:r>
+            <a:endParaRPr lang="en" sz="4400" dirty="0"/>
+          </a:p>
+        </p:txBody>
+      </p:sp>
+      <p:sp>
+        <p:nvSpPr>
+          <p:cNvPr id="74" name="Shape 74"/>
+          <p:cNvSpPr txBox="1">
+            <a:spLocks noGrp="1"/>
+          </p:cNvSpPr>
+          <p:nvPr>
+            <p:ph type="title" idx="4294967295"/>
+          </p:nvPr>
+        </p:nvSpPr>
+        <p:spPr>
+          <a:xfrm>
+            <a:off x="5378353" y="1111828"/>
+            <a:ext cx="3255097" cy="3262744"/>
+          </a:xfrm>
+          <a:prstGeom prst="rect">
+            <a:avLst/>
+          </a:prstGeom>
+          <a:ln>
+            <a:noFill/>
+          </a:ln>
+        </p:spPr>
+        <p:txBody>
+          <a:bodyPr lIns="91425" tIns="91425" rIns="91425" bIns="91425" anchor="ctr" anchorCtr="0">
+            <a:noAutofit/>
+          </a:bodyPr>
+          <a:lstStyle/>
+          <a:p>
+            <a:pPr lvl="0"/>
+            <a:r>
+              <a:rPr lang="en-US" sz="2400" dirty="0" smtClean="0">
+                <a:solidFill>
+                  <a:schemeClr val="accent6">
+                    <a:lumMod val="60000"/>
+                    <a:lumOff val="40000"/>
+                  </a:schemeClr>
+                </a:solidFill>
+              </a:rPr>
+              <a:t>Training images </a:t>
+            </a:r>
+            <a:br>
+              <a:rPr lang="en-US" sz="2400" dirty="0" smtClean="0">
+                <a:solidFill>
+                  <a:schemeClr val="accent6">
+                    <a:lumMod val="60000"/>
+                    <a:lumOff val="40000"/>
+                  </a:schemeClr>
+                </a:solidFill>
+              </a:rPr>
+            </a:br>
+            <a:r>
+              <a:rPr lang="en-US" sz="2400" dirty="0" smtClean="0">
+                <a:solidFill>
+                  <a:schemeClr val="accent6">
+                    <a:lumMod val="60000"/>
+                    <a:lumOff val="40000"/>
+                  </a:schemeClr>
+                </a:solidFill>
+              </a:rPr>
+              <a:t>50000</a:t>
+            </a:r>
+            <a:br>
+              <a:rPr lang="en-US" sz="2400" dirty="0" smtClean="0">
+                <a:solidFill>
+                  <a:schemeClr val="accent6">
+                    <a:lumMod val="60000"/>
+                    <a:lumOff val="40000"/>
+                  </a:schemeClr>
+                </a:solidFill>
+              </a:rPr>
+            </a:br>
+            <a:r>
+              <a:rPr lang="en-US" sz="2400" dirty="0" smtClean="0">
+                <a:solidFill>
+                  <a:schemeClr val="accent6">
+                    <a:lumMod val="60000"/>
+                    <a:lumOff val="40000"/>
+                  </a:schemeClr>
+                </a:solidFill>
+              </a:rPr>
+              <a:t/>
+            </a:r>
+            <a:br>
+              <a:rPr lang="en-US" sz="2400" dirty="0" smtClean="0">
+                <a:solidFill>
+                  <a:schemeClr val="accent6">
+                    <a:lumMod val="60000"/>
+                    <a:lumOff val="40000"/>
+                  </a:schemeClr>
+                </a:solidFill>
+              </a:rPr>
+            </a:br>
+            <a:r>
+              <a:rPr lang="en-US" sz="2400" dirty="0" smtClean="0">
+                <a:solidFill>
+                  <a:schemeClr val="accent6">
+                    <a:lumMod val="60000"/>
+                    <a:lumOff val="40000"/>
+                  </a:schemeClr>
+                </a:solidFill>
+              </a:rPr>
+              <a:t>Test images</a:t>
+            </a:r>
+            <a:br>
+              <a:rPr lang="en-US" sz="2400" dirty="0" smtClean="0">
+                <a:solidFill>
+                  <a:schemeClr val="accent6">
+                    <a:lumMod val="60000"/>
+                    <a:lumOff val="40000"/>
+                  </a:schemeClr>
+                </a:solidFill>
+              </a:rPr>
+            </a:br>
+            <a:r>
+              <a:rPr lang="en-US" sz="2400" dirty="0" smtClean="0">
+                <a:solidFill>
+                  <a:schemeClr val="accent6">
+                    <a:lumMod val="60000"/>
+                    <a:lumOff val="40000"/>
+                  </a:schemeClr>
+                </a:solidFill>
+              </a:rPr>
+              <a:t>10000</a:t>
+            </a:r>
+            <a:br>
+              <a:rPr lang="en-US" sz="2400" dirty="0" smtClean="0">
+                <a:solidFill>
+                  <a:schemeClr val="accent6">
+                    <a:lumMod val="60000"/>
+                    <a:lumOff val="40000"/>
+                  </a:schemeClr>
+                </a:solidFill>
+              </a:rPr>
+            </a:br>
+            <a:r>
+              <a:rPr lang="en-US" sz="2400" dirty="0">
+                <a:solidFill>
+                  <a:schemeClr val="accent6">
+                    <a:lumMod val="60000"/>
+                    <a:lumOff val="40000"/>
+                  </a:schemeClr>
+                </a:solidFill>
+              </a:rPr>
+              <a:t/>
+            </a:r>
+            <a:br>
+              <a:rPr lang="en-US" sz="2400" dirty="0">
+                <a:solidFill>
+                  <a:schemeClr val="accent6">
+                    <a:lumMod val="60000"/>
+                    <a:lumOff val="40000"/>
+                  </a:schemeClr>
+                </a:solidFill>
+              </a:rPr>
+            </a:br>
+            <a:r>
+              <a:rPr lang="en-US" sz="2400" dirty="0" smtClean="0">
+                <a:solidFill>
+                  <a:schemeClr val="accent6">
+                    <a:lumMod val="60000"/>
+                    <a:lumOff val="40000"/>
+                  </a:schemeClr>
+                </a:solidFill>
+              </a:rPr>
+              <a:t>Labels</a:t>
+            </a:r>
+            <a:br>
+              <a:rPr lang="en-US" sz="2400" dirty="0" smtClean="0">
+                <a:solidFill>
+                  <a:schemeClr val="accent6">
+                    <a:lumMod val="60000"/>
+                    <a:lumOff val="40000"/>
+                  </a:schemeClr>
+                </a:solidFill>
+              </a:rPr>
+            </a:br>
+            <a:r>
+              <a:rPr lang="en-US" sz="2400" dirty="0" smtClean="0">
+                <a:solidFill>
+                  <a:schemeClr val="accent6">
+                    <a:lumMod val="60000"/>
+                    <a:lumOff val="40000"/>
+                  </a:schemeClr>
+                </a:solidFill>
+              </a:rPr>
+              <a:t>10</a:t>
+            </a:r>
+            <a:endParaRPr lang="en" sz="2400" dirty="0">
+              <a:solidFill>
+                <a:schemeClr val="accent6">
+                  <a:lumMod val="60000"/>
+                  <a:lumOff val="40000"/>
+                </a:schemeClr>
+              </a:solidFill>
+            </a:endParaRPr>
+          </a:p>
+        </p:txBody>
+      </p:sp>
+      <p:pic>
+        <p:nvPicPr>
+          <p:cNvPr id="2" name="Picture 1"/>
+          <p:cNvPicPr>
+            <a:picLocks noChangeAspect="1"/>
+          </p:cNvPicPr>
+          <p:nvPr/>
+        </p:nvPicPr>
+        <p:blipFill>
+          <a:blip r:embed="rId3"/>
+          <a:stretch>
+            <a:fillRect/>
+          </a:stretch>
+        </p:blipFill>
+        <p:spPr>
+          <a:xfrm>
+            <a:off x="490250" y="1111828"/>
+            <a:ext cx="4887191" cy="3805735"/>
+          </a:xfrm>
+          <a:prstGeom prst="rect">
+            <a:avLst/>
+          </a:prstGeom>
+        </p:spPr>
+      </p:pic>
+    </p:spTree>
+    <p:extLst>
+      <p:ext uri="{BB962C8B-B14F-4D97-AF65-F5344CB8AC3E}">
+        <p14:creationId xmlns:p14="http://schemas.microsoft.com/office/powerpoint/2010/main" val="1561608283"/>
+      </p:ext>
+    </p:extLst>
+  </p:cSld>
+  <p:clrMapOvr>
+    <a:masterClrMapping/>
+  </p:clrMapOvr>
+  <p:transition spd="slow">
+    <p:cut/>
+  </p:transition>
+  <p:timing>
+    <p:tnLst>
+      <p:par>
+        <p:cTn id="1" dur="indefinite" restart="never" nodeType="tmRoot"/>
+      </p:par>
+    </p:tnLst>
+  </p:timing>
+</p:sld>
+</file>
+
+<file path=ppt/slides/slide6.xml><?xml version="1.0" encoding="utf-8"?>
+<p:sld xmlns:a="http://schemas.openxmlformats.org/drawingml/2006/main" xmlns:r="http://schemas.openxmlformats.org/officeDocument/2006/relationships" xmlns:p="http://schemas.openxmlformats.org/presentationml/2006/main">
+  <p:cSld>
+    <p:bg>
+      <p:bgPr>
+        <a:solidFill>
+          <a:schemeClr val="lt2"/>
+        </a:solidFill>
+        <a:effectLst/>
+      </p:bgPr>
+    </p:bg>
+    <p:spTree>
+      <p:nvGrpSpPr>
+        <p:cNvPr id="1" name="Shape 72"/>
+        <p:cNvGrpSpPr/>
+        <p:nvPr/>
+      </p:nvGrpSpPr>
+      <p:grpSpPr>
+        <a:xfrm>
+          <a:off x="0" y="0"/>
+          <a:ext cx="0" cy="0"/>
+          <a:chOff x="0" y="0"/>
+          <a:chExt cx="0" cy="0"/>
+        </a:xfrm>
+      </p:grpSpPr>
+      <p:sp>
+        <p:nvSpPr>
+          <p:cNvPr id="73" name="Shape 73"/>
+          <p:cNvSpPr txBox="1">
+            <a:spLocks noGrp="1"/>
+          </p:cNvSpPr>
+          <p:nvPr>
+            <p:ph type="title"/>
+          </p:nvPr>
+        </p:nvSpPr>
+        <p:spPr>
+          <a:xfrm>
+            <a:off x="490250" y="155864"/>
+            <a:ext cx="8143200" cy="955964"/>
+          </a:xfrm>
+          <a:prstGeom prst="rect">
+            <a:avLst/>
+          </a:prstGeom>
+        </p:spPr>
+        <p:txBody>
+          <a:bodyPr lIns="91425" tIns="91425" rIns="91425" bIns="91425" anchor="ctr" anchorCtr="0">
+            <a:noAutofit/>
+          </a:bodyPr>
+          <a:lstStyle/>
+          <a:p>
+            <a:pPr lvl="0">
+              <a:spcBef>
+                <a:spcPts val="0"/>
+              </a:spcBef>
+              <a:buNone/>
+            </a:pPr>
+            <a:r>
+              <a:rPr lang="en" sz="4400" dirty="0" smtClean="0"/>
+              <a:t>K-NN (K-Nearest Neighbor(s))</a:t>
+            </a:r>
+            <a:endParaRPr lang="en" sz="4400" dirty="0"/>
+          </a:p>
+        </p:txBody>
+      </p:sp>
+      <mc:AlternateContent xmlns:mc="http://schemas.openxmlformats.org/markup-compatibility/2006">
+        <mc:Choice xmlns:a14="http://schemas.microsoft.com/office/drawing/2010/main" Requires="a14">
+          <p:sp>
+            <p:nvSpPr>
+              <p:cNvPr id="74" name="Shape 74"/>
+              <p:cNvSpPr txBox="1">
+                <a:spLocks noGrp="1"/>
+              </p:cNvSpPr>
+              <p:nvPr>
+                <p:ph type="title" idx="4294967295"/>
+              </p:nvPr>
+            </p:nvSpPr>
+            <p:spPr>
+              <a:xfrm>
+                <a:off x="490250" y="1111828"/>
+                <a:ext cx="8142288" cy="1485899"/>
+              </a:xfrm>
+              <a:prstGeom prst="rect">
+                <a:avLst/>
+              </a:prstGeom>
+              <a:ln>
+                <a:noFill/>
+              </a:ln>
+            </p:spPr>
+            <p:txBody>
+              <a:bodyPr lIns="91425" tIns="91425" rIns="91425" bIns="91425" anchor="ctr" anchorCtr="0">
+                <a:noAutofit/>
+              </a:bodyPr>
+              <a:lstStyle/>
+              <a:p>
+                <a:pPr lvl="0"/>
+                <a:r>
+                  <a:rPr lang="en" sz="2800" b="1" dirty="0" smtClean="0">
+                    <a:solidFill>
+                      <a:schemeClr val="accent6">
+                        <a:lumMod val="60000"/>
+                        <a:lumOff val="40000"/>
+                      </a:schemeClr>
+                    </a:solidFill>
+                  </a:rPr>
+                  <a:t>HOW DO WE COMPARE IMAGES?!!</a:t>
+                </a:r>
+                <a:br>
+                  <a:rPr lang="en" sz="2800" b="1" dirty="0" smtClean="0">
+                    <a:solidFill>
+                      <a:schemeClr val="accent6">
+                        <a:lumMod val="60000"/>
+                        <a:lumOff val="40000"/>
+                      </a:schemeClr>
+                    </a:solidFill>
+                  </a:rPr>
+                </a:br>
+                <a:r>
+                  <a:rPr lang="en" sz="2800" b="1" dirty="0" smtClean="0">
+                    <a:solidFill>
+                      <a:schemeClr val="accent6">
+                        <a:lumMod val="60000"/>
+                        <a:lumOff val="40000"/>
+                      </a:schemeClr>
+                    </a:solidFill>
+                  </a:rPr>
+                  <a:t>L</a:t>
+                </a:r>
+                <a:r>
+                  <a:rPr lang="fa-IR" sz="2800" b="1" dirty="0" smtClean="0">
+                    <a:solidFill>
+                      <a:schemeClr val="accent6">
+                        <a:lumMod val="60000"/>
+                        <a:lumOff val="40000"/>
+                      </a:schemeClr>
+                    </a:solidFill>
+                  </a:rPr>
+                  <a:t>1</a:t>
+                </a:r>
+                <a:r>
+                  <a:rPr lang="en" sz="2800" b="1" dirty="0" smtClean="0">
+                    <a:solidFill>
+                      <a:schemeClr val="accent6">
+                        <a:lumMod val="60000"/>
+                        <a:lumOff val="40000"/>
+                      </a:schemeClr>
+                    </a:solidFill>
+                  </a:rPr>
+                  <a:t> Distance: </a:t>
+                </a:r>
+                <a14:m>
+                  <m:oMath xmlns:m="http://schemas.openxmlformats.org/officeDocument/2006/math">
+                    <m:sSub>
+                      <m:sSubPr>
+                        <m:ctrlPr>
+                          <a:rPr lang="en-US" sz="2800" b="1" i="1" smtClean="0">
+                            <a:solidFill>
+                              <a:schemeClr val="accent6">
+                                <a:lumMod val="60000"/>
+                                <a:lumOff val="40000"/>
+                              </a:schemeClr>
+                            </a:solidFill>
+                            <a:latin typeface="Cambria Math" panose="02040503050406030204" pitchFamily="18" charset="0"/>
+                          </a:rPr>
+                        </m:ctrlPr>
+                      </m:sSubPr>
+                      <m:e>
+                        <m:r>
+                          <a:rPr lang="en-US" sz="2800" b="1" i="1" smtClean="0">
+                            <a:solidFill>
+                              <a:schemeClr val="accent6">
+                                <a:lumMod val="60000"/>
+                                <a:lumOff val="40000"/>
+                              </a:schemeClr>
+                            </a:solidFill>
+                            <a:latin typeface="Cambria Math" panose="02040503050406030204" pitchFamily="18" charset="0"/>
+                          </a:rPr>
+                          <m:t>𝒅</m:t>
+                        </m:r>
+                      </m:e>
+                      <m:sub>
+                        <m:r>
+                          <a:rPr lang="fa-IR" sz="2800" b="1" i="1" smtClean="0">
+                            <a:solidFill>
+                              <a:schemeClr val="accent6">
+                                <a:lumMod val="60000"/>
+                                <a:lumOff val="40000"/>
+                              </a:schemeClr>
+                            </a:solidFill>
+                            <a:latin typeface="Cambria Math" panose="02040503050406030204" pitchFamily="18" charset="0"/>
+                          </a:rPr>
+                          <m:t>𝟏</m:t>
+                        </m:r>
+                      </m:sub>
+                    </m:sSub>
+                    <m:d>
+                      <m:dPr>
+                        <m:ctrlPr>
+                          <a:rPr lang="en-US" sz="2800" b="1" i="1" smtClean="0">
+                            <a:solidFill>
+                              <a:schemeClr val="accent6">
+                                <a:lumMod val="60000"/>
+                                <a:lumOff val="40000"/>
+                              </a:schemeClr>
+                            </a:solidFill>
+                            <a:latin typeface="Cambria Math" panose="02040503050406030204" pitchFamily="18" charset="0"/>
+                          </a:rPr>
+                        </m:ctrlPr>
+                      </m:dPr>
+                      <m:e>
+                        <m:sSub>
+                          <m:sSubPr>
+                            <m:ctrlPr>
+                              <a:rPr lang="en-US" sz="2800" b="1" i="1" smtClean="0">
+                                <a:solidFill>
+                                  <a:schemeClr val="accent6">
+                                    <a:lumMod val="60000"/>
+                                    <a:lumOff val="40000"/>
+                                  </a:schemeClr>
+                                </a:solidFill>
+                                <a:latin typeface="Cambria Math" panose="02040503050406030204" pitchFamily="18" charset="0"/>
+                              </a:rPr>
+                            </m:ctrlPr>
+                          </m:sSubPr>
+                          <m:e>
+                            <m:r>
+                              <a:rPr lang="en-US" sz="2800" b="1" i="1" smtClean="0">
+                                <a:solidFill>
+                                  <a:schemeClr val="accent6">
+                                    <a:lumMod val="60000"/>
+                                    <a:lumOff val="40000"/>
+                                  </a:schemeClr>
+                                </a:solidFill>
+                                <a:latin typeface="Cambria Math" panose="02040503050406030204" pitchFamily="18" charset="0"/>
+                              </a:rPr>
+                              <m:t>𝑰</m:t>
+                            </m:r>
+                          </m:e>
+                          <m:sub>
+                            <m:r>
+                              <a:rPr lang="en-US" sz="2800" b="1" i="1" smtClean="0">
+                                <a:solidFill>
+                                  <a:schemeClr val="accent6">
+                                    <a:lumMod val="60000"/>
+                                    <a:lumOff val="40000"/>
+                                  </a:schemeClr>
+                                </a:solidFill>
+                                <a:latin typeface="Cambria Math" panose="02040503050406030204" pitchFamily="18" charset="0"/>
+                              </a:rPr>
+                              <m:t>𝟏</m:t>
+                            </m:r>
+                          </m:sub>
+                        </m:sSub>
+                        <m:r>
+                          <a:rPr lang="en-US" sz="2800" b="1" i="1" smtClean="0">
+                            <a:solidFill>
+                              <a:schemeClr val="accent6">
+                                <a:lumMod val="60000"/>
+                                <a:lumOff val="40000"/>
+                              </a:schemeClr>
+                            </a:solidFill>
+                            <a:latin typeface="Cambria Math" panose="02040503050406030204" pitchFamily="18" charset="0"/>
+                          </a:rPr>
+                          <m:t>, </m:t>
+                        </m:r>
+                        <m:sSub>
+                          <m:sSubPr>
+                            <m:ctrlPr>
+                              <a:rPr lang="en-US" sz="2800" b="1" i="1" smtClean="0">
+                                <a:solidFill>
+                                  <a:schemeClr val="accent6">
+                                    <a:lumMod val="60000"/>
+                                    <a:lumOff val="40000"/>
+                                  </a:schemeClr>
+                                </a:solidFill>
+                                <a:latin typeface="Cambria Math" panose="02040503050406030204" pitchFamily="18" charset="0"/>
+                              </a:rPr>
+                            </m:ctrlPr>
+                          </m:sSubPr>
+                          <m:e>
+                            <m:r>
+                              <a:rPr lang="en-US" sz="2800" b="1" i="1" smtClean="0">
+                                <a:solidFill>
+                                  <a:schemeClr val="accent6">
+                                    <a:lumMod val="60000"/>
+                                    <a:lumOff val="40000"/>
+                                  </a:schemeClr>
+                                </a:solidFill>
+                                <a:latin typeface="Cambria Math" panose="02040503050406030204" pitchFamily="18" charset="0"/>
+                              </a:rPr>
+                              <m:t>𝑰</m:t>
+                            </m:r>
+                          </m:e>
+                          <m:sub>
+                            <m:r>
+                              <a:rPr lang="en-US" sz="2800" b="1" i="1" smtClean="0">
+                                <a:solidFill>
+                                  <a:schemeClr val="accent6">
+                                    <a:lumMod val="60000"/>
+                                    <a:lumOff val="40000"/>
+                                  </a:schemeClr>
+                                </a:solidFill>
+                                <a:latin typeface="Cambria Math" panose="02040503050406030204" pitchFamily="18" charset="0"/>
+                              </a:rPr>
+                              <m:t>𝟐</m:t>
+                            </m:r>
+                          </m:sub>
+                        </m:sSub>
+                      </m:e>
+                    </m:d>
+                    <m:r>
+                      <a:rPr lang="en-US" sz="2800" b="1" i="1" smtClean="0">
+                        <a:solidFill>
+                          <a:schemeClr val="accent6">
+                            <a:lumMod val="60000"/>
+                            <a:lumOff val="40000"/>
+                          </a:schemeClr>
+                        </a:solidFill>
+                        <a:latin typeface="Cambria Math" panose="02040503050406030204" pitchFamily="18" charset="0"/>
+                      </a:rPr>
+                      <m:t>=∑|</m:t>
+                    </m:r>
+                    <m:sSub>
+                      <m:sSubPr>
+                        <m:ctrlPr>
+                          <a:rPr lang="en-US" sz="2800" b="1" i="1" smtClean="0">
+                            <a:solidFill>
+                              <a:schemeClr val="accent6">
+                                <a:lumMod val="60000"/>
+                                <a:lumOff val="40000"/>
+                              </a:schemeClr>
+                            </a:solidFill>
+                            <a:latin typeface="Cambria Math" panose="02040503050406030204" pitchFamily="18" charset="0"/>
+                          </a:rPr>
+                        </m:ctrlPr>
+                      </m:sSubPr>
+                      <m:e>
+                        <m:r>
+                          <a:rPr lang="en-US" sz="2800" b="1" i="1" smtClean="0">
+                            <a:solidFill>
+                              <a:schemeClr val="accent6">
+                                <a:lumMod val="60000"/>
+                                <a:lumOff val="40000"/>
+                              </a:schemeClr>
+                            </a:solidFill>
+                            <a:latin typeface="Cambria Math" panose="02040503050406030204" pitchFamily="18" charset="0"/>
+                          </a:rPr>
+                          <m:t>𝑰</m:t>
+                        </m:r>
+                      </m:e>
+                      <m:sub>
+                        <m:r>
+                          <a:rPr lang="en-US" sz="2800" b="1" i="1" smtClean="0">
+                            <a:solidFill>
+                              <a:schemeClr val="accent6">
+                                <a:lumMod val="60000"/>
+                                <a:lumOff val="40000"/>
+                              </a:schemeClr>
+                            </a:solidFill>
+                            <a:latin typeface="Cambria Math" panose="02040503050406030204" pitchFamily="18" charset="0"/>
+                          </a:rPr>
+                          <m:t>𝟏</m:t>
+                        </m:r>
+                      </m:sub>
+                    </m:sSub>
+                    <m:r>
+                      <a:rPr lang="en-US" sz="2800" b="1" i="1" smtClean="0">
+                        <a:solidFill>
+                          <a:schemeClr val="accent6">
+                            <a:lumMod val="60000"/>
+                            <a:lumOff val="40000"/>
+                          </a:schemeClr>
+                        </a:solidFill>
+                        <a:latin typeface="Cambria Math" panose="02040503050406030204" pitchFamily="18" charset="0"/>
+                      </a:rPr>
+                      <m:t>−</m:t>
+                    </m:r>
+                    <m:sSub>
+                      <m:sSubPr>
+                        <m:ctrlPr>
+                          <a:rPr lang="en-US" sz="2800" b="1" i="1" smtClean="0">
+                            <a:solidFill>
+                              <a:schemeClr val="accent6">
+                                <a:lumMod val="60000"/>
+                                <a:lumOff val="40000"/>
+                              </a:schemeClr>
+                            </a:solidFill>
+                            <a:latin typeface="Cambria Math" panose="02040503050406030204" pitchFamily="18" charset="0"/>
+                          </a:rPr>
+                        </m:ctrlPr>
+                      </m:sSubPr>
+                      <m:e>
+                        <m:r>
+                          <a:rPr lang="en-US" sz="2800" b="1" i="1" smtClean="0">
+                            <a:solidFill>
+                              <a:schemeClr val="accent6">
+                                <a:lumMod val="60000"/>
+                                <a:lumOff val="40000"/>
+                              </a:schemeClr>
+                            </a:solidFill>
+                            <a:latin typeface="Cambria Math" panose="02040503050406030204" pitchFamily="18" charset="0"/>
+                          </a:rPr>
+                          <m:t>𝑰</m:t>
+                        </m:r>
+                      </m:e>
+                      <m:sub>
+                        <m:r>
+                          <a:rPr lang="en-US" sz="2800" b="1" i="1" smtClean="0">
+                            <a:solidFill>
+                              <a:schemeClr val="accent6">
+                                <a:lumMod val="60000"/>
+                                <a:lumOff val="40000"/>
+                              </a:schemeClr>
+                            </a:solidFill>
+                            <a:latin typeface="Cambria Math" panose="02040503050406030204" pitchFamily="18" charset="0"/>
+                          </a:rPr>
+                          <m:t>𝟐</m:t>
+                        </m:r>
+                      </m:sub>
+                    </m:sSub>
+                    <m:r>
+                      <a:rPr lang="en-US" sz="2800" b="1" i="1" smtClean="0">
+                        <a:solidFill>
+                          <a:schemeClr val="accent6">
+                            <a:lumMod val="60000"/>
+                            <a:lumOff val="40000"/>
+                          </a:schemeClr>
+                        </a:solidFill>
+                        <a:latin typeface="Cambria Math" panose="02040503050406030204" pitchFamily="18" charset="0"/>
+                      </a:rPr>
+                      <m:t>|</m:t>
+                    </m:r>
+                  </m:oMath>
+                </a14:m>
+                <a:endParaRPr lang="en" sz="2800" b="1" dirty="0">
+                  <a:solidFill>
+                    <a:schemeClr val="accent6">
+                      <a:lumMod val="60000"/>
+                      <a:lumOff val="40000"/>
+                    </a:schemeClr>
+                  </a:solidFill>
+                </a:endParaRPr>
+              </a:p>
+            </p:txBody>
+          </p:sp>
+        </mc:Choice>
+        <mc:Fallback>
+          <p:sp>
+            <p:nvSpPr>
+              <p:cNvPr id="74" name="Shape 74"/>
+              <p:cNvSpPr txBox="1">
+                <a:spLocks noGrp="1" noRot="1" noChangeAspect="1" noMove="1" noResize="1" noEditPoints="1" noAdjustHandles="1" noChangeArrowheads="1" noChangeShapeType="1" noTextEdit="1"/>
+              </p:cNvSpPr>
+              <p:nvPr>
+                <p:ph type="title" idx="4294967295"/>
+              </p:nvPr>
+            </p:nvSpPr>
+            <p:spPr>
+              <a:xfrm>
+                <a:off x="490250" y="1111828"/>
+                <a:ext cx="8142288" cy="1485899"/>
+              </a:xfrm>
+              <a:prstGeom prst="rect">
+                <a:avLst/>
+              </a:prstGeom>
+              <a:blipFill>
+                <a:blip r:embed="rId3"/>
+                <a:stretch>
+                  <a:fillRect l="-1497"/>
+                </a:stretch>
+              </a:blipFill>
+              <a:ln>
+                <a:noFill/>
+              </a:ln>
+            </p:spPr>
+            <p:txBody>
+              <a:bodyPr/>
+              <a:lstStyle/>
+              <a:p>
+                <a:r>
+                  <a:rPr lang="en-US">
+                    <a:noFill/>
+                  </a:rPr>
+                  <a:t> </a:t>
+                </a:r>
+              </a:p>
+            </p:txBody>
+          </p:sp>
+        </mc:Fallback>
+      </mc:AlternateContent>
+      <p:graphicFrame>
+        <p:nvGraphicFramePr>
+          <p:cNvPr id="2" name="Table 1"/>
+          <p:cNvGraphicFramePr>
+            <a:graphicFrameLocks noGrp="1"/>
+          </p:cNvGraphicFramePr>
+          <p:nvPr>
+            <p:extLst>
+              <p:ext uri="{D42A27DB-BD31-4B8C-83A1-F6EECF244321}">
+                <p14:modId xmlns:p14="http://schemas.microsoft.com/office/powerpoint/2010/main" val="1018798357"/>
+              </p:ext>
+            </p:extLst>
+          </p:nvPr>
+        </p:nvGraphicFramePr>
+        <p:xfrm>
+          <a:off x="459989" y="2597727"/>
+          <a:ext cx="2481552" cy="2265216"/>
+        </p:xfrm>
+        <a:graphic>
+          <a:graphicData uri="http://schemas.openxmlformats.org/drawingml/2006/table">
+            <a:tbl>
+              <a:tblPr firstRow="1" bandRow="1">
+                <a:tableStyleId>{5940675A-B579-460E-94D1-54222C63F5DA}</a:tableStyleId>
+              </a:tblPr>
+              <a:tblGrid>
+                <a:gridCol w="620388">
+                  <a:extLst>
+                    <a:ext uri="{9D8B030D-6E8A-4147-A177-3AD203B41FA5}">
+                      <a16:colId xmlns:a16="http://schemas.microsoft.com/office/drawing/2014/main" val="1695102178"/>
+                    </a:ext>
+                  </a:extLst>
+                </a:gridCol>
+                <a:gridCol w="620388">
+                  <a:extLst>
+                    <a:ext uri="{9D8B030D-6E8A-4147-A177-3AD203B41FA5}">
+                      <a16:colId xmlns:a16="http://schemas.microsoft.com/office/drawing/2014/main" val="1933516619"/>
+                    </a:ext>
+                  </a:extLst>
+                </a:gridCol>
+                <a:gridCol w="620388">
+                  <a:extLst>
+                    <a:ext uri="{9D8B030D-6E8A-4147-A177-3AD203B41FA5}">
+                      <a16:colId xmlns:a16="http://schemas.microsoft.com/office/drawing/2014/main" val="651864567"/>
+                    </a:ext>
+                  </a:extLst>
+                </a:gridCol>
+                <a:gridCol w="620388">
+                  <a:extLst>
+                    <a:ext uri="{9D8B030D-6E8A-4147-A177-3AD203B41FA5}">
+                      <a16:colId xmlns:a16="http://schemas.microsoft.com/office/drawing/2014/main" val="3372922170"/>
+                    </a:ext>
+                  </a:extLst>
+                </a:gridCol>
+              </a:tblGrid>
+              <a:tr h="566304">
+                <a:tc>
+                  <a:txBody>
+                    <a:bodyPr/>
+                    <a:lstStyle/>
+                    <a:p>
+                      <a:pPr algn="ctr"/>
+                      <a:r>
+                        <a:rPr lang="en-US" dirty="0" smtClean="0">
+                          <a:ln>
+                            <a:solidFill>
+                              <a:schemeClr val="bg1"/>
+                            </a:solidFill>
+                          </a:ln>
+                          <a:solidFill>
+                            <a:schemeClr val="accent6">
+                              <a:lumMod val="60000"/>
+                              <a:lumOff val="40000"/>
+                            </a:schemeClr>
+                          </a:solidFill>
+                        </a:rPr>
+                        <a:t>56</a:t>
+                      </a:r>
+                      <a:endParaRPr lang="en-US" dirty="0">
+                        <a:ln>
+                          <a:solidFill>
+                            <a:schemeClr val="bg1"/>
+                          </a:solidFill>
+                        </a:ln>
+                        <a:solidFill>
+                          <a:schemeClr val="accent6">
+                            <a:lumMod val="60000"/>
+                            <a:lumOff val="40000"/>
+                          </a:schemeClr>
+                        </a:solidFill>
+                      </a:endParaRPr>
+                    </a:p>
+                  </a:txBody>
+                  <a:tcPr anchor="ctr">
+                    <a:lnL w="12700" cap="flat" cmpd="sng" algn="ctr">
+                      <a:solidFill>
+                        <a:schemeClr val="accent6">
+                          <a:lumMod val="60000"/>
+                          <a:lumOff val="40000"/>
+                        </a:schemeClr>
+                      </a:solidFill>
+                      <a:prstDash val="solid"/>
+                      <a:round/>
+                      <a:headEnd type="none" w="med" len="med"/>
+                      <a:tailEnd type="none" w="med" len="med"/>
+                    </a:lnL>
+                    <a:lnR w="12700" cap="flat" cmpd="sng" algn="ctr">
+                      <a:solidFill>
+                        <a:schemeClr val="accent6">
+                          <a:lumMod val="60000"/>
+                          <a:lumOff val="40000"/>
+                        </a:schemeClr>
+                      </a:solidFill>
+                      <a:prstDash val="solid"/>
+                      <a:round/>
+                      <a:headEnd type="none" w="med" len="med"/>
+                      <a:tailEnd type="none" w="med" len="med"/>
+                    </a:lnR>
+                    <a:lnT w="12700" cap="flat" cmpd="sng" algn="ctr">
+                      <a:solidFill>
+                        <a:schemeClr val="accent6">
+                          <a:lumMod val="60000"/>
+                          <a:lumOff val="40000"/>
+                        </a:schemeClr>
+                      </a:solidFill>
+                      <a:prstDash val="solid"/>
+                      <a:round/>
+                      <a:headEnd type="none" w="med" len="med"/>
+                      <a:tailEnd type="none" w="med" len="med"/>
+                    </a:lnT>
+                    <a:lnB w="12700" cap="flat" cmpd="sng" algn="ctr">
+                      <a:solidFill>
+                        <a:schemeClr val="accent6">
+                          <a:lumMod val="60000"/>
+                          <a:lumOff val="40000"/>
+                        </a:schemeClr>
+                      </a:solidFill>
+                      <a:prstDash val="solid"/>
+                      <a:round/>
+                      <a:headEnd type="none" w="med" len="med"/>
+                      <a:tailEnd type="none" w="med" len="med"/>
+                    </a:lnB>
+                    <a:lnTlToBr w="12700" cmpd="sng">
+                      <a:noFill/>
+                      <a:prstDash val="solid"/>
+                    </a:lnTlToBr>
+                    <a:lnBlToTr w="12700" cmpd="sng">
+                      <a:noFill/>
+                      <a:prstDash val="solid"/>
+                    </a:lnBlToTr>
+                    <a:solidFill>
+                      <a:schemeClr val="tx2"/>
+                    </a:solidFill>
+                  </a:tcPr>
+                </a:tc>
+                <a:tc>
+                  <a:txBody>
+                    <a:bodyPr/>
+                    <a:lstStyle/>
+                    <a:p>
+                      <a:pPr algn="ctr"/>
+                      <a:r>
+                        <a:rPr lang="en-US" dirty="0" smtClean="0">
+                          <a:ln>
+                            <a:solidFill>
+                              <a:schemeClr val="bg1"/>
+                            </a:solidFill>
+                          </a:ln>
+                          <a:solidFill>
+                            <a:schemeClr val="accent6">
+                              <a:lumMod val="60000"/>
+                              <a:lumOff val="40000"/>
+                            </a:schemeClr>
+                          </a:solidFill>
+                        </a:rPr>
+                        <a:t>32</a:t>
+                      </a:r>
+                      <a:endParaRPr lang="en-US" dirty="0">
+                        <a:ln>
+                          <a:solidFill>
+                            <a:schemeClr val="bg1"/>
+                          </a:solidFill>
+                        </a:ln>
+                        <a:solidFill>
+                          <a:schemeClr val="accent6">
+                            <a:lumMod val="60000"/>
+                            <a:lumOff val="40000"/>
+                          </a:schemeClr>
+                        </a:solidFill>
+                      </a:endParaRPr>
+                    </a:p>
+                  </a:txBody>
+                  <a:tcPr anchor="ctr">
+                    <a:lnL w="12700" cap="flat" cmpd="sng" algn="ctr">
+                      <a:solidFill>
+                        <a:schemeClr val="accent6">
+                          <a:lumMod val="60000"/>
+                          <a:lumOff val="40000"/>
+                        </a:schemeClr>
+                      </a:solidFill>
+                      <a:prstDash val="solid"/>
+                      <a:round/>
+                      <a:headEnd type="none" w="med" len="med"/>
+                      <a:tailEnd type="none" w="med" len="med"/>
+                    </a:lnL>
+                    <a:lnR w="12700" cap="flat" cmpd="sng" algn="ctr">
+                      <a:solidFill>
+                        <a:schemeClr val="accent6">
+                          <a:lumMod val="60000"/>
+                          <a:lumOff val="40000"/>
+                        </a:schemeClr>
+                      </a:solidFill>
+                      <a:prstDash val="solid"/>
+                      <a:round/>
+                      <a:headEnd type="none" w="med" len="med"/>
+                      <a:tailEnd type="none" w="med" len="med"/>
+                    </a:lnR>
+                    <a:lnT w="12700" cap="flat" cmpd="sng" algn="ctr">
+                      <a:solidFill>
+                        <a:schemeClr val="accent6">
+                          <a:lumMod val="60000"/>
+                          <a:lumOff val="40000"/>
+                        </a:schemeClr>
+                      </a:solidFill>
+                      <a:prstDash val="solid"/>
+                      <a:round/>
+                      <a:headEnd type="none" w="med" len="med"/>
+                      <a:tailEnd type="none" w="med" len="med"/>
+                    </a:lnT>
+                    <a:lnB w="12700" cap="flat" cmpd="sng" algn="ctr">
+                      <a:solidFill>
+                        <a:schemeClr val="accent6">
+                          <a:lumMod val="60000"/>
+                          <a:lumOff val="40000"/>
+                        </a:schemeClr>
+                      </a:solidFill>
+                      <a:prstDash val="solid"/>
+                      <a:round/>
+                      <a:headEnd type="none" w="med" len="med"/>
+                      <a:tailEnd type="none" w="med" len="med"/>
+                    </a:lnB>
+                    <a:lnTlToBr w="12700" cmpd="sng">
+                      <a:noFill/>
+                      <a:prstDash val="solid"/>
+                    </a:lnTlToBr>
+                    <a:lnBlToTr w="12700" cmpd="sng">
+                      <a:noFill/>
+                      <a:prstDash val="solid"/>
+                    </a:lnBlToTr>
+                    <a:solidFill>
+                      <a:schemeClr val="tx2"/>
+                    </a:solidFill>
+                  </a:tcPr>
+                </a:tc>
+                <a:tc>
+                  <a:txBody>
+                    <a:bodyPr/>
+                    <a:lstStyle/>
+                    <a:p>
+                      <a:pPr algn="ctr"/>
+                      <a:r>
+                        <a:rPr lang="en-US" dirty="0" smtClean="0">
+                          <a:ln>
+                            <a:solidFill>
+                              <a:schemeClr val="bg1"/>
+                            </a:solidFill>
+                          </a:ln>
+                          <a:solidFill>
+                            <a:schemeClr val="accent6">
+                              <a:lumMod val="60000"/>
+                              <a:lumOff val="40000"/>
+                            </a:schemeClr>
+                          </a:solidFill>
+                        </a:rPr>
+                        <a:t>10</a:t>
+                      </a:r>
+                      <a:endParaRPr lang="en-US" dirty="0">
+                        <a:ln>
+                          <a:solidFill>
+                            <a:schemeClr val="bg1"/>
+                          </a:solidFill>
+                        </a:ln>
+                        <a:solidFill>
+                          <a:schemeClr val="accent6">
+                            <a:lumMod val="60000"/>
+                            <a:lumOff val="40000"/>
+                          </a:schemeClr>
+                        </a:solidFill>
+                      </a:endParaRPr>
+                    </a:p>
+                  </a:txBody>
+                  <a:tcPr anchor="ctr">
+                    <a:lnL w="12700" cap="flat" cmpd="sng" algn="ctr">
+                      <a:solidFill>
+                        <a:schemeClr val="accent6">
+                          <a:lumMod val="60000"/>
+                          <a:lumOff val="40000"/>
+                        </a:schemeClr>
+                      </a:solidFill>
+                      <a:prstDash val="solid"/>
+                      <a:round/>
+                      <a:headEnd type="none" w="med" len="med"/>
+                      <a:tailEnd type="none" w="med" len="med"/>
+                    </a:lnL>
+                    <a:lnR w="12700" cap="flat" cmpd="sng" algn="ctr">
+                      <a:solidFill>
+                        <a:schemeClr val="accent6">
+                          <a:lumMod val="60000"/>
+                          <a:lumOff val="40000"/>
+                        </a:schemeClr>
+                      </a:solidFill>
+                      <a:prstDash val="solid"/>
+                      <a:round/>
+                      <a:headEnd type="none" w="med" len="med"/>
+                      <a:tailEnd type="none" w="med" len="med"/>
+                    </a:lnR>
+                    <a:lnT w="12700" cap="flat" cmpd="sng" algn="ctr">
+                      <a:solidFill>
+                        <a:schemeClr val="accent6">
+                          <a:lumMod val="60000"/>
+                          <a:lumOff val="40000"/>
+                        </a:schemeClr>
+                      </a:solidFill>
+                      <a:prstDash val="solid"/>
+                      <a:round/>
+                      <a:headEnd type="none" w="med" len="med"/>
+                      <a:tailEnd type="none" w="med" len="med"/>
+                    </a:lnT>
+                    <a:lnB w="12700" cap="flat" cmpd="sng" algn="ctr">
+                      <a:solidFill>
+                        <a:schemeClr val="accent6">
+                          <a:lumMod val="60000"/>
+                          <a:lumOff val="40000"/>
+                        </a:schemeClr>
+                      </a:solidFill>
+                      <a:prstDash val="solid"/>
+                      <a:round/>
+                      <a:headEnd type="none" w="med" len="med"/>
+                      <a:tailEnd type="none" w="med" len="med"/>
+                    </a:lnB>
+                    <a:lnTlToBr w="12700" cmpd="sng">
+                      <a:noFill/>
+                      <a:prstDash val="solid"/>
+                    </a:lnTlToBr>
+                    <a:lnBlToTr w="12700" cmpd="sng">
+                      <a:noFill/>
+                      <a:prstDash val="solid"/>
+                    </a:lnBlToTr>
+                    <a:solidFill>
+                      <a:schemeClr val="tx2"/>
+                    </a:solidFill>
+                  </a:tcPr>
+                </a:tc>
+                <a:tc>
+                  <a:txBody>
+                    <a:bodyPr/>
+                    <a:lstStyle/>
+                    <a:p>
+                      <a:pPr algn="ctr"/>
+                      <a:r>
+                        <a:rPr lang="en-US" dirty="0" smtClean="0">
+                          <a:ln>
+                            <a:solidFill>
+                              <a:schemeClr val="bg1"/>
+                            </a:solidFill>
+                          </a:ln>
+                          <a:solidFill>
+                            <a:schemeClr val="accent6">
+                              <a:lumMod val="60000"/>
+                              <a:lumOff val="40000"/>
+                            </a:schemeClr>
+                          </a:solidFill>
+                        </a:rPr>
+                        <a:t>18</a:t>
+                      </a:r>
+                      <a:endParaRPr lang="en-US" dirty="0">
+                        <a:ln>
+                          <a:solidFill>
+                            <a:schemeClr val="bg1"/>
+                          </a:solidFill>
+                        </a:ln>
+                        <a:solidFill>
+                          <a:schemeClr val="accent6">
+                            <a:lumMod val="60000"/>
+                            <a:lumOff val="40000"/>
+                          </a:schemeClr>
+                        </a:solidFill>
+                      </a:endParaRPr>
+                    </a:p>
+                  </a:txBody>
+                  <a:tcPr anchor="ctr">
+                    <a:lnL w="12700" cap="flat" cmpd="sng" algn="ctr">
+                      <a:solidFill>
+                        <a:schemeClr val="accent6">
+                          <a:lumMod val="60000"/>
+                          <a:lumOff val="40000"/>
+                        </a:schemeClr>
+                      </a:solidFill>
+                      <a:prstDash val="solid"/>
+                      <a:round/>
+                      <a:headEnd type="none" w="med" len="med"/>
+                      <a:tailEnd type="none" w="med" len="med"/>
+                    </a:lnL>
+                    <a:lnR w="12700" cap="flat" cmpd="sng" algn="ctr">
+                      <a:solidFill>
+                        <a:schemeClr val="accent6">
+                          <a:lumMod val="60000"/>
+                          <a:lumOff val="40000"/>
+                        </a:schemeClr>
+                      </a:solidFill>
+                      <a:prstDash val="solid"/>
+                      <a:round/>
+                      <a:headEnd type="none" w="med" len="med"/>
+                      <a:tailEnd type="none" w="med" len="med"/>
+                    </a:lnR>
+                    <a:lnT w="12700" cap="flat" cmpd="sng" algn="ctr">
+                      <a:solidFill>
+                        <a:schemeClr val="accent6">
+                          <a:lumMod val="60000"/>
+                          <a:lumOff val="40000"/>
+                        </a:schemeClr>
+                      </a:solidFill>
+                      <a:prstDash val="solid"/>
+                      <a:round/>
+                      <a:headEnd type="none" w="med" len="med"/>
+                      <a:tailEnd type="none" w="med" len="med"/>
+                    </a:lnT>
+                    <a:lnB w="12700" cap="flat" cmpd="sng" algn="ctr">
+                      <a:solidFill>
+                        <a:schemeClr val="accent6">
+                          <a:lumMod val="60000"/>
+                          <a:lumOff val="40000"/>
+                        </a:schemeClr>
+                      </a:solidFill>
+                      <a:prstDash val="solid"/>
+                      <a:round/>
+                      <a:headEnd type="none" w="med" len="med"/>
+                      <a:tailEnd type="none" w="med" len="med"/>
+                    </a:lnB>
+                    <a:lnTlToBr w="12700" cmpd="sng">
+                      <a:noFill/>
+                      <a:prstDash val="solid"/>
+                    </a:lnTlToBr>
+                    <a:lnBlToTr w="12700" cmpd="sng">
+                      <a:noFill/>
+                      <a:prstDash val="solid"/>
+                    </a:lnBlToTr>
+                    <a:solidFill>
+                      <a:schemeClr val="tx2"/>
+                    </a:solidFill>
+                  </a:tcPr>
+                </a:tc>
+                <a:extLst>
+                  <a:ext uri="{0D108BD9-81ED-4DB2-BD59-A6C34878D82A}">
+                    <a16:rowId xmlns:a16="http://schemas.microsoft.com/office/drawing/2014/main" val="384331260"/>
+                  </a:ext>
+                </a:extLst>
+              </a:tr>
+              <a:tr h="566304">
+                <a:tc>
+                  <a:txBody>
+                    <a:bodyPr/>
+                    <a:lstStyle/>
+                    <a:p>
+                      <a:pPr algn="ctr"/>
+                      <a:r>
+                        <a:rPr lang="en-US" dirty="0" smtClean="0">
+                          <a:ln>
+                            <a:solidFill>
+                              <a:schemeClr val="bg1"/>
+                            </a:solidFill>
+                          </a:ln>
+                          <a:solidFill>
+                            <a:schemeClr val="accent6">
+                              <a:lumMod val="60000"/>
+                              <a:lumOff val="40000"/>
+                            </a:schemeClr>
+                          </a:solidFill>
+                        </a:rPr>
+                        <a:t>90</a:t>
+                      </a:r>
+                      <a:endParaRPr lang="en-US" dirty="0">
+                        <a:ln>
+                          <a:solidFill>
+                            <a:schemeClr val="bg1"/>
+                          </a:solidFill>
+                        </a:ln>
+                        <a:solidFill>
+                          <a:schemeClr val="accent6">
+                            <a:lumMod val="60000"/>
+                            <a:lumOff val="40000"/>
+                          </a:schemeClr>
+                        </a:solidFill>
+                      </a:endParaRPr>
+                    </a:p>
+                  </a:txBody>
+                  <a:tcPr anchor="ctr">
+                    <a:lnL w="12700" cap="flat" cmpd="sng" algn="ctr">
+                      <a:solidFill>
+                        <a:schemeClr val="accent6">
+                          <a:lumMod val="60000"/>
+                          <a:lumOff val="40000"/>
+                        </a:schemeClr>
+                      </a:solidFill>
+                      <a:prstDash val="solid"/>
+                      <a:round/>
+                      <a:headEnd type="none" w="med" len="med"/>
+                      <a:tailEnd type="none" w="med" len="med"/>
+                    </a:lnL>
+                    <a:lnR w="12700" cap="flat" cmpd="sng" algn="ctr">
+                      <a:solidFill>
+                        <a:schemeClr val="accent6">
+                          <a:lumMod val="60000"/>
+                          <a:lumOff val="40000"/>
+                        </a:schemeClr>
+                      </a:solidFill>
+                      <a:prstDash val="solid"/>
+                      <a:round/>
+                      <a:headEnd type="none" w="med" len="med"/>
+                      <a:tailEnd type="none" w="med" len="med"/>
+                    </a:lnR>
+                    <a:lnT w="12700" cap="flat" cmpd="sng" algn="ctr">
+                      <a:solidFill>
+                        <a:schemeClr val="accent6">
+                          <a:lumMod val="60000"/>
+                          <a:lumOff val="40000"/>
+                        </a:schemeClr>
+                      </a:solidFill>
+                      <a:prstDash val="solid"/>
+                      <a:round/>
+                      <a:headEnd type="none" w="med" len="med"/>
+                      <a:tailEnd type="none" w="med" len="med"/>
+                    </a:lnT>
+                    <a:lnB w="12700" cap="flat" cmpd="sng" algn="ctr">
+                      <a:solidFill>
+                        <a:schemeClr val="accent6">
+                          <a:lumMod val="60000"/>
+                          <a:lumOff val="40000"/>
+                        </a:schemeClr>
+                      </a:solidFill>
+                      <a:prstDash val="solid"/>
+                      <a:round/>
+                      <a:headEnd type="none" w="med" len="med"/>
+                      <a:tailEnd type="none" w="med" len="med"/>
+                    </a:lnB>
+                    <a:lnTlToBr w="12700" cmpd="sng">
+                      <a:noFill/>
+                      <a:prstDash val="solid"/>
+                    </a:lnTlToBr>
+                    <a:lnBlToTr w="12700" cmpd="sng">
+                      <a:noFill/>
+                      <a:prstDash val="solid"/>
+                    </a:lnBlToTr>
+                    <a:solidFill>
+                      <a:schemeClr val="tx2"/>
+                    </a:solidFill>
+                  </a:tcPr>
+                </a:tc>
+                <a:tc>
+                  <a:txBody>
+                    <a:bodyPr/>
+                    <a:lstStyle/>
+                    <a:p>
+                      <a:pPr algn="ctr"/>
+                      <a:r>
+                        <a:rPr lang="en-US" dirty="0" smtClean="0">
+                          <a:ln>
+                            <a:solidFill>
+                              <a:schemeClr val="bg1"/>
+                            </a:solidFill>
+                          </a:ln>
+                          <a:solidFill>
+                            <a:schemeClr val="accent6">
+                              <a:lumMod val="60000"/>
+                              <a:lumOff val="40000"/>
+                            </a:schemeClr>
+                          </a:solidFill>
+                        </a:rPr>
+                        <a:t>23</a:t>
+                      </a:r>
+                      <a:endParaRPr lang="en-US" dirty="0">
+                        <a:ln>
+                          <a:solidFill>
+                            <a:schemeClr val="bg1"/>
+                          </a:solidFill>
+                        </a:ln>
+                        <a:solidFill>
+                          <a:schemeClr val="accent6">
+                            <a:lumMod val="60000"/>
+                            <a:lumOff val="40000"/>
+                          </a:schemeClr>
+                        </a:solidFill>
+                      </a:endParaRPr>
+                    </a:p>
+                  </a:txBody>
+                  <a:tcPr anchor="ctr">
+                    <a:lnL w="12700" cap="flat" cmpd="sng" algn="ctr">
+                      <a:solidFill>
+                        <a:schemeClr val="accent6">
+                          <a:lumMod val="60000"/>
+                          <a:lumOff val="40000"/>
+                        </a:schemeClr>
+                      </a:solidFill>
+                      <a:prstDash val="solid"/>
+                      <a:round/>
+                      <a:headEnd type="none" w="med" len="med"/>
+                      <a:tailEnd type="none" w="med" len="med"/>
+                    </a:lnL>
+                    <a:lnR w="12700" cap="flat" cmpd="sng" algn="ctr">
+                      <a:solidFill>
+                        <a:schemeClr val="accent6">
+                          <a:lumMod val="60000"/>
+                          <a:lumOff val="40000"/>
+                        </a:schemeClr>
+                      </a:solidFill>
+                      <a:prstDash val="solid"/>
+                      <a:round/>
+                      <a:headEnd type="none" w="med" len="med"/>
+                      <a:tailEnd type="none" w="med" len="med"/>
+                    </a:lnR>
+                    <a:lnT w="12700" cap="flat" cmpd="sng" algn="ctr">
+                      <a:solidFill>
+                        <a:schemeClr val="accent6">
+                          <a:lumMod val="60000"/>
+                          <a:lumOff val="40000"/>
+                        </a:schemeClr>
+                      </a:solidFill>
+                      <a:prstDash val="solid"/>
+                      <a:round/>
+                      <a:headEnd type="none" w="med" len="med"/>
+                      <a:tailEnd type="none" w="med" len="med"/>
+                    </a:lnT>
+                    <a:lnB w="12700" cap="flat" cmpd="sng" algn="ctr">
+                      <a:solidFill>
+                        <a:schemeClr val="accent6">
+                          <a:lumMod val="60000"/>
+                          <a:lumOff val="40000"/>
+                        </a:schemeClr>
+                      </a:solidFill>
+                      <a:prstDash val="solid"/>
+                      <a:round/>
+                      <a:headEnd type="none" w="med" len="med"/>
+                      <a:tailEnd type="none" w="med" len="med"/>
+                    </a:lnB>
+                    <a:lnTlToBr w="12700" cmpd="sng">
+                      <a:noFill/>
+                      <a:prstDash val="solid"/>
+                    </a:lnTlToBr>
+                    <a:lnBlToTr w="12700" cmpd="sng">
+                      <a:noFill/>
+                      <a:prstDash val="solid"/>
+                    </a:lnBlToTr>
+                    <a:solidFill>
+                      <a:schemeClr val="tx2"/>
+                    </a:solidFill>
+                  </a:tcPr>
+                </a:tc>
+                <a:tc>
+                  <a:txBody>
+                    <a:bodyPr/>
+                    <a:lstStyle/>
+                    <a:p>
+                      <a:pPr algn="ctr"/>
+                      <a:r>
+                        <a:rPr lang="en-US" dirty="0" smtClean="0">
+                          <a:ln>
+                            <a:solidFill>
+                              <a:schemeClr val="bg1"/>
+                            </a:solidFill>
+                          </a:ln>
+                          <a:solidFill>
+                            <a:schemeClr val="accent6">
+                              <a:lumMod val="60000"/>
+                              <a:lumOff val="40000"/>
+                            </a:schemeClr>
+                          </a:solidFill>
+                        </a:rPr>
+                        <a:t>128</a:t>
+                      </a:r>
+                      <a:endParaRPr lang="en-US" dirty="0">
+                        <a:ln>
+                          <a:solidFill>
+                            <a:schemeClr val="bg1"/>
+                          </a:solidFill>
+                        </a:ln>
+                        <a:solidFill>
+                          <a:schemeClr val="accent6">
+                            <a:lumMod val="60000"/>
+                            <a:lumOff val="40000"/>
+                          </a:schemeClr>
+                        </a:solidFill>
+                      </a:endParaRPr>
+                    </a:p>
+                  </a:txBody>
+                  <a:tcPr anchor="ctr">
+                    <a:lnL w="12700" cap="flat" cmpd="sng" algn="ctr">
+                      <a:solidFill>
+                        <a:schemeClr val="accent6">
+                          <a:lumMod val="60000"/>
+                          <a:lumOff val="40000"/>
+                        </a:schemeClr>
+                      </a:solidFill>
+                      <a:prstDash val="solid"/>
+                      <a:round/>
+                      <a:headEnd type="none" w="med" len="med"/>
+                      <a:tailEnd type="none" w="med" len="med"/>
+                    </a:lnL>
+                    <a:lnR w="12700" cap="flat" cmpd="sng" algn="ctr">
+                      <a:solidFill>
+                        <a:schemeClr val="accent6">
+                          <a:lumMod val="60000"/>
+                          <a:lumOff val="40000"/>
+                        </a:schemeClr>
+                      </a:solidFill>
+                      <a:prstDash val="solid"/>
+                      <a:round/>
+                      <a:headEnd type="none" w="med" len="med"/>
+                      <a:tailEnd type="none" w="med" len="med"/>
+                    </a:lnR>
+                    <a:lnT w="12700" cap="flat" cmpd="sng" algn="ctr">
+                      <a:solidFill>
+                        <a:schemeClr val="accent6">
+                          <a:lumMod val="60000"/>
+                          <a:lumOff val="40000"/>
+                        </a:schemeClr>
+                      </a:solidFill>
+                      <a:prstDash val="solid"/>
+                      <a:round/>
+                      <a:headEnd type="none" w="med" len="med"/>
+                      <a:tailEnd type="none" w="med" len="med"/>
+                    </a:lnT>
+                    <a:lnB w="12700" cap="flat" cmpd="sng" algn="ctr">
+                      <a:solidFill>
+                        <a:schemeClr val="accent6">
+                          <a:lumMod val="60000"/>
+                          <a:lumOff val="40000"/>
+                        </a:schemeClr>
+                      </a:solidFill>
+                      <a:prstDash val="solid"/>
+                      <a:round/>
+                      <a:headEnd type="none" w="med" len="med"/>
+                      <a:tailEnd type="none" w="med" len="med"/>
+                    </a:lnB>
+                    <a:lnTlToBr w="12700" cmpd="sng">
+                      <a:noFill/>
+                      <a:prstDash val="solid"/>
+                    </a:lnTlToBr>
+                    <a:lnBlToTr w="12700" cmpd="sng">
+                      <a:noFill/>
+                      <a:prstDash val="solid"/>
+                    </a:lnBlToTr>
+                    <a:solidFill>
+                      <a:schemeClr val="tx2"/>
+                    </a:solidFill>
+                  </a:tcPr>
+                </a:tc>
+                <a:tc>
+                  <a:txBody>
+                    <a:bodyPr/>
+                    <a:lstStyle/>
+                    <a:p>
+                      <a:pPr algn="ctr"/>
+                      <a:r>
+                        <a:rPr lang="en-US" dirty="0" smtClean="0">
+                          <a:ln>
+                            <a:solidFill>
+                              <a:schemeClr val="bg1"/>
+                            </a:solidFill>
+                          </a:ln>
+                          <a:solidFill>
+                            <a:schemeClr val="accent6">
+                              <a:lumMod val="60000"/>
+                              <a:lumOff val="40000"/>
+                            </a:schemeClr>
+                          </a:solidFill>
+                        </a:rPr>
+                        <a:t>133</a:t>
+                      </a:r>
+                      <a:endParaRPr lang="en-US" dirty="0">
+                        <a:ln>
+                          <a:solidFill>
+                            <a:schemeClr val="bg1"/>
+                          </a:solidFill>
+                        </a:ln>
+                        <a:solidFill>
+                          <a:schemeClr val="accent6">
+                            <a:lumMod val="60000"/>
+                            <a:lumOff val="40000"/>
+                          </a:schemeClr>
+                        </a:solidFill>
+                      </a:endParaRPr>
+                    </a:p>
+                  </a:txBody>
+                  <a:tcPr anchor="ctr">
+                    <a:lnL w="12700" cap="flat" cmpd="sng" algn="ctr">
+                      <a:solidFill>
+                        <a:schemeClr val="accent6">
+                          <a:lumMod val="60000"/>
+                          <a:lumOff val="40000"/>
+                        </a:schemeClr>
+                      </a:solidFill>
+                      <a:prstDash val="solid"/>
+                      <a:round/>
+                      <a:headEnd type="none" w="med" len="med"/>
+                      <a:tailEnd type="none" w="med" len="med"/>
+                    </a:lnL>
+                    <a:lnR w="12700" cap="flat" cmpd="sng" algn="ctr">
+                      <a:solidFill>
+                        <a:schemeClr val="accent6">
+                          <a:lumMod val="60000"/>
+                          <a:lumOff val="40000"/>
+                        </a:schemeClr>
+                      </a:solidFill>
+                      <a:prstDash val="solid"/>
+                      <a:round/>
+                      <a:headEnd type="none" w="med" len="med"/>
+                      <a:tailEnd type="none" w="med" len="med"/>
+                    </a:lnR>
+                    <a:lnT w="12700" cap="flat" cmpd="sng" algn="ctr">
+                      <a:solidFill>
+                        <a:schemeClr val="accent6">
+                          <a:lumMod val="60000"/>
+                          <a:lumOff val="40000"/>
+                        </a:schemeClr>
+                      </a:solidFill>
+                      <a:prstDash val="solid"/>
+                      <a:round/>
+                      <a:headEnd type="none" w="med" len="med"/>
+                      <a:tailEnd type="none" w="med" len="med"/>
+                    </a:lnT>
+                    <a:lnB w="12700" cap="flat" cmpd="sng" algn="ctr">
+                      <a:solidFill>
+                        <a:schemeClr val="accent6">
+                          <a:lumMod val="60000"/>
+                          <a:lumOff val="40000"/>
+                        </a:schemeClr>
+                      </a:solidFill>
+                      <a:prstDash val="solid"/>
+                      <a:round/>
+                      <a:headEnd type="none" w="med" len="med"/>
+                      <a:tailEnd type="none" w="med" len="med"/>
+                    </a:lnB>
+                    <a:lnTlToBr w="12700" cmpd="sng">
+                      <a:noFill/>
+                      <a:prstDash val="solid"/>
+                    </a:lnTlToBr>
+                    <a:lnBlToTr w="12700" cmpd="sng">
+                      <a:noFill/>
+                      <a:prstDash val="solid"/>
+                    </a:lnBlToTr>
+                    <a:solidFill>
+                      <a:schemeClr val="tx2"/>
+                    </a:solidFill>
+                  </a:tcPr>
+                </a:tc>
+                <a:extLst>
+                  <a:ext uri="{0D108BD9-81ED-4DB2-BD59-A6C34878D82A}">
+                    <a16:rowId xmlns:a16="http://schemas.microsoft.com/office/drawing/2014/main" val="1648259702"/>
+                  </a:ext>
+                </a:extLst>
+              </a:tr>
+              <a:tr h="566304">
+                <a:tc>
+                  <a:txBody>
+                    <a:bodyPr/>
+                    <a:lstStyle/>
+                    <a:p>
+                      <a:pPr algn="ctr"/>
+                      <a:r>
+                        <a:rPr lang="en-US" dirty="0" smtClean="0">
+                          <a:ln>
+                            <a:solidFill>
+                              <a:schemeClr val="bg1"/>
+                            </a:solidFill>
+                          </a:ln>
+                          <a:solidFill>
+                            <a:schemeClr val="accent6">
+                              <a:lumMod val="60000"/>
+                              <a:lumOff val="40000"/>
+                            </a:schemeClr>
+                          </a:solidFill>
+                        </a:rPr>
+                        <a:t>24</a:t>
+                      </a:r>
+                      <a:endParaRPr lang="en-US" dirty="0">
+                        <a:ln>
+                          <a:solidFill>
+                            <a:schemeClr val="bg1"/>
+                          </a:solidFill>
+                        </a:ln>
+                        <a:solidFill>
+                          <a:schemeClr val="accent6">
+                            <a:lumMod val="60000"/>
+                            <a:lumOff val="40000"/>
+                          </a:schemeClr>
+                        </a:solidFill>
+                      </a:endParaRPr>
+                    </a:p>
+                  </a:txBody>
+                  <a:tcPr anchor="ctr">
+                    <a:lnL w="12700" cap="flat" cmpd="sng" algn="ctr">
+                      <a:solidFill>
+                        <a:schemeClr val="accent6">
+                          <a:lumMod val="60000"/>
+                          <a:lumOff val="40000"/>
+                        </a:schemeClr>
+                      </a:solidFill>
+                      <a:prstDash val="solid"/>
+                      <a:round/>
+                      <a:headEnd type="none" w="med" len="med"/>
+                      <a:tailEnd type="none" w="med" len="med"/>
+                    </a:lnL>
+                    <a:lnR w="12700" cap="flat" cmpd="sng" algn="ctr">
+                      <a:solidFill>
+                        <a:schemeClr val="accent6">
+                          <a:lumMod val="60000"/>
+                          <a:lumOff val="40000"/>
+                        </a:schemeClr>
+                      </a:solidFill>
+                      <a:prstDash val="solid"/>
+                      <a:round/>
+                      <a:headEnd type="none" w="med" len="med"/>
+                      <a:tailEnd type="none" w="med" len="med"/>
+                    </a:lnR>
+                    <a:lnT w="12700" cap="flat" cmpd="sng" algn="ctr">
+                      <a:solidFill>
+                        <a:schemeClr val="accent6">
+                          <a:lumMod val="60000"/>
+                          <a:lumOff val="40000"/>
+                        </a:schemeClr>
+                      </a:solidFill>
+                      <a:prstDash val="solid"/>
+                      <a:round/>
+                      <a:headEnd type="none" w="med" len="med"/>
+                      <a:tailEnd type="none" w="med" len="med"/>
+                    </a:lnT>
+                    <a:lnB w="12700" cap="flat" cmpd="sng" algn="ctr">
+                      <a:solidFill>
+                        <a:schemeClr val="accent6">
+                          <a:lumMod val="60000"/>
+                          <a:lumOff val="40000"/>
+                        </a:schemeClr>
+                      </a:solidFill>
+                      <a:prstDash val="solid"/>
+                      <a:round/>
+                      <a:headEnd type="none" w="med" len="med"/>
+                      <a:tailEnd type="none" w="med" len="med"/>
+                    </a:lnB>
+                    <a:lnTlToBr w="12700" cmpd="sng">
+                      <a:noFill/>
+                      <a:prstDash val="solid"/>
+                    </a:lnTlToBr>
+                    <a:lnBlToTr w="12700" cmpd="sng">
+                      <a:noFill/>
+                      <a:prstDash val="solid"/>
+                    </a:lnBlToTr>
+                    <a:solidFill>
+                      <a:schemeClr val="tx2"/>
+                    </a:solidFill>
+                  </a:tcPr>
+                </a:tc>
+                <a:tc>
+                  <a:txBody>
+                    <a:bodyPr/>
+                    <a:lstStyle/>
+                    <a:p>
+                      <a:pPr algn="ctr"/>
+                      <a:r>
+                        <a:rPr lang="en-US" dirty="0" smtClean="0">
+                          <a:ln>
+                            <a:solidFill>
+                              <a:schemeClr val="bg1"/>
+                            </a:solidFill>
+                          </a:ln>
+                          <a:solidFill>
+                            <a:schemeClr val="accent6">
+                              <a:lumMod val="60000"/>
+                              <a:lumOff val="40000"/>
+                            </a:schemeClr>
+                          </a:solidFill>
+                        </a:rPr>
+                        <a:t>26</a:t>
+                      </a:r>
+                      <a:endParaRPr lang="en-US" dirty="0">
+                        <a:ln>
+                          <a:solidFill>
+                            <a:schemeClr val="bg1"/>
+                          </a:solidFill>
+                        </a:ln>
+                        <a:solidFill>
+                          <a:schemeClr val="accent6">
+                            <a:lumMod val="60000"/>
+                            <a:lumOff val="40000"/>
+                          </a:schemeClr>
+                        </a:solidFill>
+                      </a:endParaRPr>
+                    </a:p>
+                  </a:txBody>
+                  <a:tcPr anchor="ctr">
+                    <a:lnL w="12700" cap="flat" cmpd="sng" algn="ctr">
+                      <a:solidFill>
+                        <a:schemeClr val="accent6">
+                          <a:lumMod val="60000"/>
+                          <a:lumOff val="40000"/>
+                        </a:schemeClr>
+                      </a:solidFill>
+                      <a:prstDash val="solid"/>
+                      <a:round/>
+                      <a:headEnd type="none" w="med" len="med"/>
+                      <a:tailEnd type="none" w="med" len="med"/>
+                    </a:lnL>
+                    <a:lnR w="12700" cap="flat" cmpd="sng" algn="ctr">
+                      <a:solidFill>
+                        <a:schemeClr val="accent6">
+                          <a:lumMod val="60000"/>
+                          <a:lumOff val="40000"/>
+                        </a:schemeClr>
+                      </a:solidFill>
+                      <a:prstDash val="solid"/>
+                      <a:round/>
+                      <a:headEnd type="none" w="med" len="med"/>
+                      <a:tailEnd type="none" w="med" len="med"/>
+                    </a:lnR>
+                    <a:lnT w="12700" cap="flat" cmpd="sng" algn="ctr">
+                      <a:solidFill>
+                        <a:schemeClr val="accent6">
+                          <a:lumMod val="60000"/>
+                          <a:lumOff val="40000"/>
+                        </a:schemeClr>
+                      </a:solidFill>
+                      <a:prstDash val="solid"/>
+                      <a:round/>
+                      <a:headEnd type="none" w="med" len="med"/>
+                      <a:tailEnd type="none" w="med" len="med"/>
+                    </a:lnT>
+                    <a:lnB w="12700" cap="flat" cmpd="sng" algn="ctr">
+                      <a:solidFill>
+                        <a:schemeClr val="accent6">
+                          <a:lumMod val="60000"/>
+                          <a:lumOff val="40000"/>
+                        </a:schemeClr>
+                      </a:solidFill>
+                      <a:prstDash val="solid"/>
+                      <a:round/>
+                      <a:headEnd type="none" w="med" len="med"/>
+                      <a:tailEnd type="none" w="med" len="med"/>
+                    </a:lnB>
+                    <a:lnTlToBr w="12700" cmpd="sng">
+                      <a:noFill/>
+                      <a:prstDash val="solid"/>
+                    </a:lnTlToBr>
+                    <a:lnBlToTr w="12700" cmpd="sng">
+                      <a:noFill/>
+                      <a:prstDash val="solid"/>
+                    </a:lnBlToTr>
+                    <a:solidFill>
+                      <a:schemeClr val="tx2"/>
+                    </a:solidFill>
+                  </a:tcPr>
+                </a:tc>
+                <a:tc>
+                  <a:txBody>
+                    <a:bodyPr/>
+                    <a:lstStyle/>
+                    <a:p>
+                      <a:pPr algn="ctr"/>
+                      <a:r>
+                        <a:rPr lang="en-US" dirty="0" smtClean="0">
+                          <a:ln>
+                            <a:solidFill>
+                              <a:schemeClr val="bg1"/>
+                            </a:solidFill>
+                          </a:ln>
+                          <a:solidFill>
+                            <a:schemeClr val="accent6">
+                              <a:lumMod val="60000"/>
+                              <a:lumOff val="40000"/>
+                            </a:schemeClr>
+                          </a:solidFill>
+                        </a:rPr>
+                        <a:t>178</a:t>
+                      </a:r>
+                      <a:endParaRPr lang="en-US" dirty="0">
+                        <a:ln>
+                          <a:solidFill>
+                            <a:schemeClr val="bg1"/>
+                          </a:solidFill>
+                        </a:ln>
+                        <a:solidFill>
+                          <a:schemeClr val="accent6">
+                            <a:lumMod val="60000"/>
+                            <a:lumOff val="40000"/>
+                          </a:schemeClr>
+                        </a:solidFill>
+                      </a:endParaRPr>
+                    </a:p>
+                  </a:txBody>
+                  <a:tcPr anchor="ctr">
+                    <a:lnL w="12700" cap="flat" cmpd="sng" algn="ctr">
+                      <a:solidFill>
+                        <a:schemeClr val="accent6">
+                          <a:lumMod val="60000"/>
+                          <a:lumOff val="40000"/>
+                        </a:schemeClr>
+                      </a:solidFill>
+                      <a:prstDash val="solid"/>
+                      <a:round/>
+                      <a:headEnd type="none" w="med" len="med"/>
+                      <a:tailEnd type="none" w="med" len="med"/>
+                    </a:lnL>
+                    <a:lnR w="12700" cap="flat" cmpd="sng" algn="ctr">
+                      <a:solidFill>
+                        <a:schemeClr val="accent6">
+                          <a:lumMod val="60000"/>
+                          <a:lumOff val="40000"/>
+                        </a:schemeClr>
+                      </a:solidFill>
+                      <a:prstDash val="solid"/>
+                      <a:round/>
+                      <a:headEnd type="none" w="med" len="med"/>
+                      <a:tailEnd type="none" w="med" len="med"/>
+                    </a:lnR>
+                    <a:lnT w="12700" cap="flat" cmpd="sng" algn="ctr">
+                      <a:solidFill>
+                        <a:schemeClr val="accent6">
+                          <a:lumMod val="60000"/>
+                          <a:lumOff val="40000"/>
+                        </a:schemeClr>
+                      </a:solidFill>
+                      <a:prstDash val="solid"/>
+                      <a:round/>
+                      <a:headEnd type="none" w="med" len="med"/>
+                      <a:tailEnd type="none" w="med" len="med"/>
+                    </a:lnT>
+                    <a:lnB w="12700" cap="flat" cmpd="sng" algn="ctr">
+                      <a:solidFill>
+                        <a:schemeClr val="accent6">
+                          <a:lumMod val="60000"/>
+                          <a:lumOff val="40000"/>
+                        </a:schemeClr>
+                      </a:solidFill>
+                      <a:prstDash val="solid"/>
+                      <a:round/>
+                      <a:headEnd type="none" w="med" len="med"/>
+                      <a:tailEnd type="none" w="med" len="med"/>
+                    </a:lnB>
+                    <a:lnTlToBr w="12700" cmpd="sng">
+                      <a:noFill/>
+                      <a:prstDash val="solid"/>
+                    </a:lnTlToBr>
+                    <a:lnBlToTr w="12700" cmpd="sng">
+                      <a:noFill/>
+                      <a:prstDash val="solid"/>
+                    </a:lnBlToTr>
+                    <a:solidFill>
+                      <a:schemeClr val="tx2"/>
+                    </a:solidFill>
+                  </a:tcPr>
+                </a:tc>
+                <a:tc>
+                  <a:txBody>
+                    <a:bodyPr/>
+                    <a:lstStyle/>
+                    <a:p>
+                      <a:pPr algn="ctr"/>
+                      <a:r>
+                        <a:rPr lang="en-US" dirty="0" smtClean="0">
+                          <a:ln>
+                            <a:solidFill>
+                              <a:schemeClr val="bg1"/>
+                            </a:solidFill>
+                          </a:ln>
+                          <a:solidFill>
+                            <a:schemeClr val="accent6">
+                              <a:lumMod val="60000"/>
+                              <a:lumOff val="40000"/>
+                            </a:schemeClr>
+                          </a:solidFill>
+                        </a:rPr>
+                        <a:t>200</a:t>
+                      </a:r>
+                      <a:endParaRPr lang="en-US" dirty="0">
+                        <a:ln>
+                          <a:solidFill>
+                            <a:schemeClr val="bg1"/>
+                          </a:solidFill>
+                        </a:ln>
+                        <a:solidFill>
+                          <a:schemeClr val="accent6">
+                            <a:lumMod val="60000"/>
+                            <a:lumOff val="40000"/>
+                          </a:schemeClr>
+                        </a:solidFill>
+                      </a:endParaRPr>
+                    </a:p>
+                  </a:txBody>
+                  <a:tcPr anchor="ctr">
+                    <a:lnL w="12700" cap="flat" cmpd="sng" algn="ctr">
+                      <a:solidFill>
+                        <a:schemeClr val="accent6">
+                          <a:lumMod val="60000"/>
+                          <a:lumOff val="40000"/>
+                        </a:schemeClr>
+                      </a:solidFill>
+                      <a:prstDash val="solid"/>
+                      <a:round/>
+                      <a:headEnd type="none" w="med" len="med"/>
+                      <a:tailEnd type="none" w="med" len="med"/>
+                    </a:lnL>
+                    <a:lnR w="12700" cap="flat" cmpd="sng" algn="ctr">
+                      <a:solidFill>
+                        <a:schemeClr val="accent6">
+                          <a:lumMod val="60000"/>
+                          <a:lumOff val="40000"/>
+                        </a:schemeClr>
+                      </a:solidFill>
+                      <a:prstDash val="solid"/>
+                      <a:round/>
+                      <a:headEnd type="none" w="med" len="med"/>
+                      <a:tailEnd type="none" w="med" len="med"/>
+                    </a:lnR>
+                    <a:lnT w="12700" cap="flat" cmpd="sng" algn="ctr">
+                      <a:solidFill>
+                        <a:schemeClr val="accent6">
+                          <a:lumMod val="60000"/>
+                          <a:lumOff val="40000"/>
+                        </a:schemeClr>
+                      </a:solidFill>
+                      <a:prstDash val="solid"/>
+                      <a:round/>
+                      <a:headEnd type="none" w="med" len="med"/>
+                      <a:tailEnd type="none" w="med" len="med"/>
+                    </a:lnT>
+                    <a:lnB w="12700" cap="flat" cmpd="sng" algn="ctr">
+                      <a:solidFill>
+                        <a:schemeClr val="accent6">
+                          <a:lumMod val="60000"/>
+                          <a:lumOff val="40000"/>
+                        </a:schemeClr>
+                      </a:solidFill>
+                      <a:prstDash val="solid"/>
+                      <a:round/>
+                      <a:headEnd type="none" w="med" len="med"/>
+                      <a:tailEnd type="none" w="med" len="med"/>
+                    </a:lnB>
+                    <a:lnTlToBr w="12700" cmpd="sng">
+                      <a:noFill/>
+                      <a:prstDash val="solid"/>
+                    </a:lnTlToBr>
+                    <a:lnBlToTr w="12700" cmpd="sng">
+                      <a:noFill/>
+                      <a:prstDash val="solid"/>
+                    </a:lnBlToTr>
+                    <a:solidFill>
+                      <a:schemeClr val="tx2"/>
+                    </a:solidFill>
+                  </a:tcPr>
+                </a:tc>
+                <a:extLst>
+                  <a:ext uri="{0D108BD9-81ED-4DB2-BD59-A6C34878D82A}">
+                    <a16:rowId xmlns:a16="http://schemas.microsoft.com/office/drawing/2014/main" val="2122595915"/>
+                  </a:ext>
+                </a:extLst>
+              </a:tr>
+              <a:tr h="566304">
+                <a:tc>
+                  <a:txBody>
+                    <a:bodyPr/>
+                    <a:lstStyle/>
+                    <a:p>
+                      <a:pPr algn="ctr"/>
+                      <a:r>
+                        <a:rPr lang="en-US" dirty="0" smtClean="0">
+                          <a:ln>
+                            <a:solidFill>
+                              <a:schemeClr val="bg1"/>
+                            </a:solidFill>
+                          </a:ln>
+                          <a:solidFill>
+                            <a:schemeClr val="accent6">
+                              <a:lumMod val="60000"/>
+                              <a:lumOff val="40000"/>
+                            </a:schemeClr>
+                          </a:solidFill>
+                        </a:rPr>
+                        <a:t>2</a:t>
+                      </a:r>
+                      <a:endParaRPr lang="en-US" dirty="0">
+                        <a:ln>
+                          <a:solidFill>
+                            <a:schemeClr val="bg1"/>
+                          </a:solidFill>
+                        </a:ln>
+                        <a:solidFill>
+                          <a:schemeClr val="accent6">
+                            <a:lumMod val="60000"/>
+                            <a:lumOff val="40000"/>
+                          </a:schemeClr>
+                        </a:solidFill>
+                      </a:endParaRPr>
+                    </a:p>
+                  </a:txBody>
+                  <a:tcPr anchor="ctr">
+                    <a:lnL w="12700" cap="flat" cmpd="sng" algn="ctr">
+                      <a:solidFill>
+                        <a:schemeClr val="accent6">
+                          <a:lumMod val="60000"/>
+                          <a:lumOff val="40000"/>
+                        </a:schemeClr>
+                      </a:solidFill>
+                      <a:prstDash val="solid"/>
+                      <a:round/>
+                      <a:headEnd type="none" w="med" len="med"/>
+                      <a:tailEnd type="none" w="med" len="med"/>
+                    </a:lnL>
+                    <a:lnR w="12700" cap="flat" cmpd="sng" algn="ctr">
+                      <a:solidFill>
+                        <a:schemeClr val="accent6">
+                          <a:lumMod val="60000"/>
+                          <a:lumOff val="40000"/>
+                        </a:schemeClr>
+                      </a:solidFill>
+                      <a:prstDash val="solid"/>
+                      <a:round/>
+                      <a:headEnd type="none" w="med" len="med"/>
+                      <a:tailEnd type="none" w="med" len="med"/>
+                    </a:lnR>
+                    <a:lnT w="12700" cap="flat" cmpd="sng" algn="ctr">
+                      <a:solidFill>
+                        <a:schemeClr val="accent6">
+                          <a:lumMod val="60000"/>
+                          <a:lumOff val="40000"/>
+                        </a:schemeClr>
+                      </a:solidFill>
+                      <a:prstDash val="solid"/>
+                      <a:round/>
+                      <a:headEnd type="none" w="med" len="med"/>
+                      <a:tailEnd type="none" w="med" len="med"/>
+                    </a:lnT>
+                    <a:lnB w="12700" cap="flat" cmpd="sng" algn="ctr">
+                      <a:solidFill>
+                        <a:schemeClr val="accent6">
+                          <a:lumMod val="60000"/>
+                          <a:lumOff val="40000"/>
+                        </a:schemeClr>
+                      </a:solidFill>
+                      <a:prstDash val="solid"/>
+                      <a:round/>
+                      <a:headEnd type="none" w="med" len="med"/>
+                      <a:tailEnd type="none" w="med" len="med"/>
+                    </a:lnB>
+                    <a:lnTlToBr w="12700" cmpd="sng">
+                      <a:noFill/>
+                      <a:prstDash val="solid"/>
+                    </a:lnTlToBr>
+                    <a:lnBlToTr w="12700" cmpd="sng">
+                      <a:noFill/>
+                      <a:prstDash val="solid"/>
+                    </a:lnBlToTr>
+                    <a:solidFill>
+                      <a:schemeClr val="tx2"/>
+                    </a:solidFill>
+                  </a:tcPr>
+                </a:tc>
+                <a:tc>
+                  <a:txBody>
+                    <a:bodyPr/>
+                    <a:lstStyle/>
+                    <a:p>
+                      <a:pPr algn="ctr"/>
+                      <a:r>
+                        <a:rPr lang="en-US" dirty="0" smtClean="0">
+                          <a:ln>
+                            <a:solidFill>
+                              <a:schemeClr val="bg1"/>
+                            </a:solidFill>
+                          </a:ln>
+                          <a:solidFill>
+                            <a:schemeClr val="accent6">
+                              <a:lumMod val="60000"/>
+                              <a:lumOff val="40000"/>
+                            </a:schemeClr>
+                          </a:solidFill>
+                        </a:rPr>
+                        <a:t>0</a:t>
+                      </a:r>
+                      <a:endParaRPr lang="en-US" dirty="0">
+                        <a:ln>
+                          <a:solidFill>
+                            <a:schemeClr val="bg1"/>
+                          </a:solidFill>
+                        </a:ln>
+                        <a:solidFill>
+                          <a:schemeClr val="accent6">
+                            <a:lumMod val="60000"/>
+                            <a:lumOff val="40000"/>
+                          </a:schemeClr>
+                        </a:solidFill>
+                      </a:endParaRPr>
+                    </a:p>
+                  </a:txBody>
+                  <a:tcPr anchor="ctr">
+                    <a:lnL w="12700" cap="flat" cmpd="sng" algn="ctr">
+                      <a:solidFill>
+                        <a:schemeClr val="accent6">
+                          <a:lumMod val="60000"/>
+                          <a:lumOff val="40000"/>
+                        </a:schemeClr>
+                      </a:solidFill>
+                      <a:prstDash val="solid"/>
+                      <a:round/>
+                      <a:headEnd type="none" w="med" len="med"/>
+                      <a:tailEnd type="none" w="med" len="med"/>
+                    </a:lnL>
+                    <a:lnR w="12700" cap="flat" cmpd="sng" algn="ctr">
+                      <a:solidFill>
+                        <a:schemeClr val="accent6">
+                          <a:lumMod val="60000"/>
+                          <a:lumOff val="40000"/>
+                        </a:schemeClr>
+                      </a:solidFill>
+                      <a:prstDash val="solid"/>
+                      <a:round/>
+                      <a:headEnd type="none" w="med" len="med"/>
+                      <a:tailEnd type="none" w="med" len="med"/>
+                    </a:lnR>
+                    <a:lnT w="12700" cap="flat" cmpd="sng" algn="ctr">
+                      <a:solidFill>
+                        <a:schemeClr val="accent6">
+                          <a:lumMod val="60000"/>
+                          <a:lumOff val="40000"/>
+                        </a:schemeClr>
+                      </a:solidFill>
+                      <a:prstDash val="solid"/>
+                      <a:round/>
+                      <a:headEnd type="none" w="med" len="med"/>
+                      <a:tailEnd type="none" w="med" len="med"/>
+                    </a:lnT>
+                    <a:lnB w="12700" cap="flat" cmpd="sng" algn="ctr">
+                      <a:solidFill>
+                        <a:schemeClr val="accent6">
+                          <a:lumMod val="60000"/>
+                          <a:lumOff val="40000"/>
+                        </a:schemeClr>
+                      </a:solidFill>
+                      <a:prstDash val="solid"/>
+                      <a:round/>
+                      <a:headEnd type="none" w="med" len="med"/>
+                      <a:tailEnd type="none" w="med" len="med"/>
+                    </a:lnB>
+                    <a:lnTlToBr w="12700" cmpd="sng">
+                      <a:noFill/>
+                      <a:prstDash val="solid"/>
+                    </a:lnTlToBr>
+                    <a:lnBlToTr w="12700" cmpd="sng">
+                      <a:noFill/>
+                      <a:prstDash val="solid"/>
+                    </a:lnBlToTr>
+                    <a:solidFill>
+                      <a:schemeClr val="tx2"/>
+                    </a:solidFill>
+                  </a:tcPr>
+                </a:tc>
+                <a:tc>
+                  <a:txBody>
+                    <a:bodyPr/>
+                    <a:lstStyle/>
+                    <a:p>
+                      <a:pPr algn="ctr"/>
+                      <a:r>
+                        <a:rPr lang="en-US" dirty="0" smtClean="0">
+                          <a:ln>
+                            <a:solidFill>
+                              <a:schemeClr val="bg1"/>
+                            </a:solidFill>
+                          </a:ln>
+                          <a:solidFill>
+                            <a:schemeClr val="accent6">
+                              <a:lumMod val="60000"/>
+                              <a:lumOff val="40000"/>
+                            </a:schemeClr>
+                          </a:solidFill>
+                        </a:rPr>
+                        <a:t>255</a:t>
+                      </a:r>
+                      <a:endParaRPr lang="en-US" dirty="0">
+                        <a:ln>
+                          <a:solidFill>
+                            <a:schemeClr val="bg1"/>
+                          </a:solidFill>
+                        </a:ln>
+                        <a:solidFill>
+                          <a:schemeClr val="accent6">
+                            <a:lumMod val="60000"/>
+                            <a:lumOff val="40000"/>
+                          </a:schemeClr>
+                        </a:solidFill>
+                      </a:endParaRPr>
+                    </a:p>
+                  </a:txBody>
+                  <a:tcPr anchor="ctr">
+                    <a:lnL w="12700" cap="flat" cmpd="sng" algn="ctr">
+                      <a:solidFill>
+                        <a:schemeClr val="accent6">
+                          <a:lumMod val="60000"/>
+                          <a:lumOff val="40000"/>
+                        </a:schemeClr>
+                      </a:solidFill>
+                      <a:prstDash val="solid"/>
+                      <a:round/>
+                      <a:headEnd type="none" w="med" len="med"/>
+                      <a:tailEnd type="none" w="med" len="med"/>
+                    </a:lnL>
+                    <a:lnR w="12700" cap="flat" cmpd="sng" algn="ctr">
+                      <a:solidFill>
+                        <a:schemeClr val="accent6">
+                          <a:lumMod val="60000"/>
+                          <a:lumOff val="40000"/>
+                        </a:schemeClr>
+                      </a:solidFill>
+                      <a:prstDash val="solid"/>
+                      <a:round/>
+                      <a:headEnd type="none" w="med" len="med"/>
+                      <a:tailEnd type="none" w="med" len="med"/>
+                    </a:lnR>
+                    <a:lnT w="12700" cap="flat" cmpd="sng" algn="ctr">
+                      <a:solidFill>
+                        <a:schemeClr val="accent6">
+                          <a:lumMod val="60000"/>
+                          <a:lumOff val="40000"/>
+                        </a:schemeClr>
+                      </a:solidFill>
+                      <a:prstDash val="solid"/>
+                      <a:round/>
+                      <a:headEnd type="none" w="med" len="med"/>
+                      <a:tailEnd type="none" w="med" len="med"/>
+                    </a:lnT>
+                    <a:lnB w="12700" cap="flat" cmpd="sng" algn="ctr">
+                      <a:solidFill>
+                        <a:schemeClr val="accent6">
+                          <a:lumMod val="60000"/>
+                          <a:lumOff val="40000"/>
+                        </a:schemeClr>
+                      </a:solidFill>
+                      <a:prstDash val="solid"/>
+                      <a:round/>
+                      <a:headEnd type="none" w="med" len="med"/>
+                      <a:tailEnd type="none" w="med" len="med"/>
+                    </a:lnB>
+                    <a:lnTlToBr w="12700" cmpd="sng">
+                      <a:noFill/>
+                      <a:prstDash val="solid"/>
+                    </a:lnTlToBr>
+                    <a:lnBlToTr w="12700" cmpd="sng">
+                      <a:noFill/>
+                      <a:prstDash val="solid"/>
+                    </a:lnBlToTr>
+                    <a:solidFill>
+                      <a:schemeClr val="tx2"/>
+                    </a:solidFill>
+                  </a:tcPr>
+                </a:tc>
+                <a:tc>
+                  <a:txBody>
+                    <a:bodyPr/>
+                    <a:lstStyle/>
+                    <a:p>
+                      <a:pPr algn="ctr"/>
+                      <a:r>
+                        <a:rPr lang="en-US" dirty="0" smtClean="0">
+                          <a:ln>
+                            <a:solidFill>
+                              <a:schemeClr val="bg1"/>
+                            </a:solidFill>
+                          </a:ln>
+                          <a:solidFill>
+                            <a:schemeClr val="accent6">
+                              <a:lumMod val="60000"/>
+                              <a:lumOff val="40000"/>
+                            </a:schemeClr>
+                          </a:solidFill>
+                        </a:rPr>
+                        <a:t>220</a:t>
+                      </a:r>
+                      <a:endParaRPr lang="en-US" dirty="0">
+                        <a:ln>
+                          <a:solidFill>
+                            <a:schemeClr val="bg1"/>
+                          </a:solidFill>
+                        </a:ln>
+                        <a:solidFill>
+                          <a:schemeClr val="accent6">
+                            <a:lumMod val="60000"/>
+                            <a:lumOff val="40000"/>
+                          </a:schemeClr>
+                        </a:solidFill>
+                      </a:endParaRPr>
+                    </a:p>
+                  </a:txBody>
+                  <a:tcPr anchor="ctr">
+                    <a:lnL w="12700" cap="flat" cmpd="sng" algn="ctr">
+                      <a:solidFill>
+                        <a:schemeClr val="accent6">
+                          <a:lumMod val="60000"/>
+                          <a:lumOff val="40000"/>
+                        </a:schemeClr>
+                      </a:solidFill>
+                      <a:prstDash val="solid"/>
+                      <a:round/>
+                      <a:headEnd type="none" w="med" len="med"/>
+                      <a:tailEnd type="none" w="med" len="med"/>
+                    </a:lnL>
+                    <a:lnR w="12700" cap="flat" cmpd="sng" algn="ctr">
+                      <a:solidFill>
+                        <a:schemeClr val="accent6">
+                          <a:lumMod val="60000"/>
+                          <a:lumOff val="40000"/>
+                        </a:schemeClr>
+                      </a:solidFill>
+                      <a:prstDash val="solid"/>
+                      <a:round/>
+                      <a:headEnd type="none" w="med" len="med"/>
+                      <a:tailEnd type="none" w="med" len="med"/>
+                    </a:lnR>
+                    <a:lnT w="12700" cap="flat" cmpd="sng" algn="ctr">
+                      <a:solidFill>
+                        <a:schemeClr val="accent6">
+                          <a:lumMod val="60000"/>
+                          <a:lumOff val="40000"/>
+                        </a:schemeClr>
+                      </a:solidFill>
+                      <a:prstDash val="solid"/>
+                      <a:round/>
+                      <a:headEnd type="none" w="med" len="med"/>
+                      <a:tailEnd type="none" w="med" len="med"/>
+                    </a:lnT>
+                    <a:lnB w="12700" cap="flat" cmpd="sng" algn="ctr">
+                      <a:solidFill>
+                        <a:schemeClr val="accent6">
+                          <a:lumMod val="60000"/>
+                          <a:lumOff val="40000"/>
+                        </a:schemeClr>
+                      </a:solidFill>
+                      <a:prstDash val="solid"/>
+                      <a:round/>
+                      <a:headEnd type="none" w="med" len="med"/>
+                      <a:tailEnd type="none" w="med" len="med"/>
+                    </a:lnB>
+                    <a:lnTlToBr w="12700" cmpd="sng">
+                      <a:noFill/>
+                      <a:prstDash val="solid"/>
+                    </a:lnTlToBr>
+                    <a:lnBlToTr w="12700" cmpd="sng">
+                      <a:noFill/>
+                      <a:prstDash val="solid"/>
+                    </a:lnBlToTr>
+                    <a:solidFill>
+                      <a:schemeClr val="tx2"/>
+                    </a:solidFill>
+                  </a:tcPr>
+                </a:tc>
+                <a:extLst>
+                  <a:ext uri="{0D108BD9-81ED-4DB2-BD59-A6C34878D82A}">
+                    <a16:rowId xmlns:a16="http://schemas.microsoft.com/office/drawing/2014/main" val="3450723913"/>
+                  </a:ext>
+                </a:extLst>
+              </a:tr>
+            </a:tbl>
+          </a:graphicData>
+        </a:graphic>
+      </p:graphicFrame>
+      <p:cxnSp>
+        <p:nvCxnSpPr>
+          <p:cNvPr id="4" name="Straight Connector 3"/>
+          <p:cNvCxnSpPr/>
+          <p:nvPr/>
+        </p:nvCxnSpPr>
+        <p:spPr>
+          <a:xfrm>
+            <a:off x="3002972" y="3730335"/>
+            <a:ext cx="207818" cy="0"/>
+          </a:xfrm>
+          <a:prstGeom prst="line">
+            <a:avLst/>
+          </a:prstGeom>
+        </p:spPr>
+        <p:style>
+          <a:lnRef idx="3">
+            <a:schemeClr val="accent4"/>
+          </a:lnRef>
+          <a:fillRef idx="0">
+            <a:schemeClr val="accent4"/>
+          </a:fillRef>
+          <a:effectRef idx="2">
+            <a:schemeClr val="accent4"/>
+          </a:effectRef>
+          <a:fontRef idx="minor">
+            <a:schemeClr val="tx1"/>
+          </a:fontRef>
+        </p:style>
+      </p:cxnSp>
+      <p:graphicFrame>
+        <p:nvGraphicFramePr>
+          <p:cNvPr id="8" name="Table 7"/>
+          <p:cNvGraphicFramePr>
+            <a:graphicFrameLocks noGrp="1"/>
+          </p:cNvGraphicFramePr>
+          <p:nvPr>
+            <p:extLst>
+              <p:ext uri="{D42A27DB-BD31-4B8C-83A1-F6EECF244321}">
+                <p14:modId xmlns:p14="http://schemas.microsoft.com/office/powerpoint/2010/main" val="3506395381"/>
+              </p:ext>
+            </p:extLst>
+          </p:nvPr>
+        </p:nvGraphicFramePr>
+        <p:xfrm>
+          <a:off x="3271953" y="2597727"/>
+          <a:ext cx="2481552" cy="2265216"/>
+        </p:xfrm>
+        <a:graphic>
+          <a:graphicData uri="http://schemas.openxmlformats.org/drawingml/2006/table">
+            <a:tbl>
+              <a:tblPr firstRow="1" bandRow="1">
+                <a:tableStyleId>{5940675A-B579-460E-94D1-54222C63F5DA}</a:tableStyleId>
+              </a:tblPr>
+              <a:tblGrid>
+                <a:gridCol w="620388">
+                  <a:extLst>
+                    <a:ext uri="{9D8B030D-6E8A-4147-A177-3AD203B41FA5}">
+                      <a16:colId xmlns:a16="http://schemas.microsoft.com/office/drawing/2014/main" val="1695102178"/>
+                    </a:ext>
+                  </a:extLst>
+                </a:gridCol>
+                <a:gridCol w="620388">
+                  <a:extLst>
+                    <a:ext uri="{9D8B030D-6E8A-4147-A177-3AD203B41FA5}">
+                      <a16:colId xmlns:a16="http://schemas.microsoft.com/office/drawing/2014/main" val="1933516619"/>
+                    </a:ext>
+                  </a:extLst>
+                </a:gridCol>
+                <a:gridCol w="620388">
+                  <a:extLst>
+                    <a:ext uri="{9D8B030D-6E8A-4147-A177-3AD203B41FA5}">
+                      <a16:colId xmlns:a16="http://schemas.microsoft.com/office/drawing/2014/main" val="651864567"/>
+                    </a:ext>
+                  </a:extLst>
+                </a:gridCol>
+                <a:gridCol w="620388">
+                  <a:extLst>
+                    <a:ext uri="{9D8B030D-6E8A-4147-A177-3AD203B41FA5}">
+                      <a16:colId xmlns:a16="http://schemas.microsoft.com/office/drawing/2014/main" val="3372922170"/>
+                    </a:ext>
+                  </a:extLst>
+                </a:gridCol>
+              </a:tblGrid>
+              <a:tr h="566304">
+                <a:tc>
+                  <a:txBody>
+                    <a:bodyPr/>
+                    <a:lstStyle/>
+                    <a:p>
+                      <a:pPr algn="ctr"/>
+                      <a:r>
+                        <a:rPr lang="en-US" dirty="0" smtClean="0">
+                          <a:ln>
+                            <a:solidFill>
+                              <a:schemeClr val="bg1"/>
+                            </a:solidFill>
+                          </a:ln>
+                          <a:solidFill>
+                            <a:schemeClr val="accent6">
+                              <a:lumMod val="60000"/>
+                              <a:lumOff val="40000"/>
+                            </a:schemeClr>
+                          </a:solidFill>
+                        </a:rPr>
+                        <a:t>10</a:t>
+                      </a:r>
+                      <a:endParaRPr lang="en-US" dirty="0">
+                        <a:ln>
+                          <a:solidFill>
+                            <a:schemeClr val="bg1"/>
+                          </a:solidFill>
+                        </a:ln>
+                        <a:solidFill>
+                          <a:schemeClr val="accent6">
+                            <a:lumMod val="60000"/>
+                            <a:lumOff val="40000"/>
+                          </a:schemeClr>
+                        </a:solidFill>
+                      </a:endParaRPr>
+                    </a:p>
+                  </a:txBody>
+                  <a:tcPr anchor="ctr">
+                    <a:lnL w="12700" cap="flat" cmpd="sng" algn="ctr">
+                      <a:solidFill>
+                        <a:schemeClr val="accent6">
+                          <a:lumMod val="60000"/>
+                          <a:lumOff val="40000"/>
+                        </a:schemeClr>
+                      </a:solidFill>
+                      <a:prstDash val="solid"/>
+                      <a:round/>
+                      <a:headEnd type="none" w="med" len="med"/>
+                      <a:tailEnd type="none" w="med" len="med"/>
+                    </a:lnL>
+                    <a:lnR w="12700" cap="flat" cmpd="sng" algn="ctr">
+                      <a:solidFill>
+                        <a:schemeClr val="accent6">
+                          <a:lumMod val="60000"/>
+                          <a:lumOff val="40000"/>
+                        </a:schemeClr>
+                      </a:solidFill>
+                      <a:prstDash val="solid"/>
+                      <a:round/>
+                      <a:headEnd type="none" w="med" len="med"/>
+                      <a:tailEnd type="none" w="med" len="med"/>
+                    </a:lnR>
+                    <a:lnT w="12700" cap="flat" cmpd="sng" algn="ctr">
+                      <a:solidFill>
+                        <a:schemeClr val="accent6">
+                          <a:lumMod val="60000"/>
+                          <a:lumOff val="40000"/>
+                        </a:schemeClr>
+                      </a:solidFill>
+                      <a:prstDash val="solid"/>
+                      <a:round/>
+                      <a:headEnd type="none" w="med" len="med"/>
+                      <a:tailEnd type="none" w="med" len="med"/>
+                    </a:lnT>
+                    <a:lnB w="12700" cap="flat" cmpd="sng" algn="ctr">
+                      <a:solidFill>
+                        <a:schemeClr val="accent6">
+                          <a:lumMod val="60000"/>
+                          <a:lumOff val="40000"/>
+                        </a:schemeClr>
+                      </a:solidFill>
+                      <a:prstDash val="solid"/>
+                      <a:round/>
+                      <a:headEnd type="none" w="med" len="med"/>
+                      <a:tailEnd type="none" w="med" len="med"/>
+                    </a:lnB>
+                    <a:lnTlToBr w="12700" cmpd="sng">
+                      <a:noFill/>
+                      <a:prstDash val="solid"/>
+                    </a:lnTlToBr>
+                    <a:lnBlToTr w="12700" cmpd="sng">
+                      <a:noFill/>
+                      <a:prstDash val="solid"/>
+                    </a:lnBlToTr>
+                    <a:solidFill>
+                      <a:schemeClr val="tx2"/>
+                    </a:solidFill>
+                  </a:tcPr>
+                </a:tc>
+                <a:tc>
+                  <a:txBody>
+                    <a:bodyPr/>
+                    <a:lstStyle/>
+                    <a:p>
+                      <a:pPr algn="ctr"/>
+                      <a:r>
+                        <a:rPr lang="en-US" dirty="0" smtClean="0">
+                          <a:ln>
+                            <a:solidFill>
+                              <a:schemeClr val="bg1"/>
+                            </a:solidFill>
+                          </a:ln>
+                          <a:solidFill>
+                            <a:schemeClr val="accent6">
+                              <a:lumMod val="60000"/>
+                              <a:lumOff val="40000"/>
+                            </a:schemeClr>
+                          </a:solidFill>
+                        </a:rPr>
+                        <a:t>20</a:t>
+                      </a:r>
+                      <a:endParaRPr lang="en-US" dirty="0">
+                        <a:ln>
+                          <a:solidFill>
+                            <a:schemeClr val="bg1"/>
+                          </a:solidFill>
+                        </a:ln>
+                        <a:solidFill>
+                          <a:schemeClr val="accent6">
+                            <a:lumMod val="60000"/>
+                            <a:lumOff val="40000"/>
+                          </a:schemeClr>
+                        </a:solidFill>
+                      </a:endParaRPr>
+                    </a:p>
+                  </a:txBody>
+                  <a:tcPr anchor="ctr">
+                    <a:lnL w="12700" cap="flat" cmpd="sng" algn="ctr">
+                      <a:solidFill>
+                        <a:schemeClr val="accent6">
+                          <a:lumMod val="60000"/>
+                          <a:lumOff val="40000"/>
+                        </a:schemeClr>
+                      </a:solidFill>
+                      <a:prstDash val="solid"/>
+                      <a:round/>
+                      <a:headEnd type="none" w="med" len="med"/>
+                      <a:tailEnd type="none" w="med" len="med"/>
+                    </a:lnL>
+                    <a:lnR w="12700" cap="flat" cmpd="sng" algn="ctr">
+                      <a:solidFill>
+                        <a:schemeClr val="accent6">
+                          <a:lumMod val="60000"/>
+                          <a:lumOff val="40000"/>
+                        </a:schemeClr>
+                      </a:solidFill>
+                      <a:prstDash val="solid"/>
+                      <a:round/>
+                      <a:headEnd type="none" w="med" len="med"/>
+                      <a:tailEnd type="none" w="med" len="med"/>
+                    </a:lnR>
+                    <a:lnT w="12700" cap="flat" cmpd="sng" algn="ctr">
+                      <a:solidFill>
+                        <a:schemeClr val="accent6">
+                          <a:lumMod val="60000"/>
+                          <a:lumOff val="40000"/>
+                        </a:schemeClr>
+                      </a:solidFill>
+                      <a:prstDash val="solid"/>
+                      <a:round/>
+                      <a:headEnd type="none" w="med" len="med"/>
+                      <a:tailEnd type="none" w="med" len="med"/>
+                    </a:lnT>
+                    <a:lnB w="12700" cap="flat" cmpd="sng" algn="ctr">
+                      <a:solidFill>
+                        <a:schemeClr val="accent6">
+                          <a:lumMod val="60000"/>
+                          <a:lumOff val="40000"/>
+                        </a:schemeClr>
+                      </a:solidFill>
+                      <a:prstDash val="solid"/>
+                      <a:round/>
+                      <a:headEnd type="none" w="med" len="med"/>
+                      <a:tailEnd type="none" w="med" len="med"/>
+                    </a:lnB>
+                    <a:lnTlToBr w="12700" cmpd="sng">
+                      <a:noFill/>
+                      <a:prstDash val="solid"/>
+                    </a:lnTlToBr>
+                    <a:lnBlToTr w="12700" cmpd="sng">
+                      <a:noFill/>
+                      <a:prstDash val="solid"/>
+                    </a:lnBlToTr>
+                    <a:solidFill>
+                      <a:schemeClr val="tx2"/>
+                    </a:solidFill>
+                  </a:tcPr>
+                </a:tc>
+                <a:tc>
+                  <a:txBody>
+                    <a:bodyPr/>
+                    <a:lstStyle/>
+                    <a:p>
+                      <a:pPr algn="ctr"/>
+                      <a:r>
+                        <a:rPr lang="en-US" dirty="0" smtClean="0">
+                          <a:ln>
+                            <a:solidFill>
+                              <a:schemeClr val="bg1"/>
+                            </a:solidFill>
+                          </a:ln>
+                          <a:solidFill>
+                            <a:schemeClr val="accent6">
+                              <a:lumMod val="60000"/>
+                              <a:lumOff val="40000"/>
+                            </a:schemeClr>
+                          </a:solidFill>
+                        </a:rPr>
+                        <a:t>24</a:t>
+                      </a:r>
+                      <a:endParaRPr lang="en-US" dirty="0">
+                        <a:ln>
+                          <a:solidFill>
+                            <a:schemeClr val="bg1"/>
+                          </a:solidFill>
+                        </a:ln>
+                        <a:solidFill>
+                          <a:schemeClr val="accent6">
+                            <a:lumMod val="60000"/>
+                            <a:lumOff val="40000"/>
+                          </a:schemeClr>
+                        </a:solidFill>
+                      </a:endParaRPr>
+                    </a:p>
+                  </a:txBody>
+                  <a:tcPr anchor="ctr">
+                    <a:lnL w="12700" cap="flat" cmpd="sng" algn="ctr">
+                      <a:solidFill>
+                        <a:schemeClr val="accent6">
+                          <a:lumMod val="60000"/>
+                          <a:lumOff val="40000"/>
+                        </a:schemeClr>
+                      </a:solidFill>
+                      <a:prstDash val="solid"/>
+                      <a:round/>
+                      <a:headEnd type="none" w="med" len="med"/>
+                      <a:tailEnd type="none" w="med" len="med"/>
+                    </a:lnL>
+                    <a:lnR w="12700" cap="flat" cmpd="sng" algn="ctr">
+                      <a:solidFill>
+                        <a:schemeClr val="accent6">
+                          <a:lumMod val="60000"/>
+                          <a:lumOff val="40000"/>
+                        </a:schemeClr>
+                      </a:solidFill>
+                      <a:prstDash val="solid"/>
+                      <a:round/>
+                      <a:headEnd type="none" w="med" len="med"/>
+                      <a:tailEnd type="none" w="med" len="med"/>
+                    </a:lnR>
+                    <a:lnT w="12700" cap="flat" cmpd="sng" algn="ctr">
+                      <a:solidFill>
+                        <a:schemeClr val="accent6">
+                          <a:lumMod val="60000"/>
+                          <a:lumOff val="40000"/>
+                        </a:schemeClr>
+                      </a:solidFill>
+                      <a:prstDash val="solid"/>
+                      <a:round/>
+                      <a:headEnd type="none" w="med" len="med"/>
+                      <a:tailEnd type="none" w="med" len="med"/>
+                    </a:lnT>
+                    <a:lnB w="12700" cap="flat" cmpd="sng" algn="ctr">
+                      <a:solidFill>
+                        <a:schemeClr val="accent6">
+                          <a:lumMod val="60000"/>
+                          <a:lumOff val="40000"/>
+                        </a:schemeClr>
+                      </a:solidFill>
+                      <a:prstDash val="solid"/>
+                      <a:round/>
+                      <a:headEnd type="none" w="med" len="med"/>
+                      <a:tailEnd type="none" w="med" len="med"/>
+                    </a:lnB>
+                    <a:lnTlToBr w="12700" cmpd="sng">
+                      <a:noFill/>
+                      <a:prstDash val="solid"/>
+                    </a:lnTlToBr>
+                    <a:lnBlToTr w="12700" cmpd="sng">
+                      <a:noFill/>
+                      <a:prstDash val="solid"/>
+                    </a:lnBlToTr>
+                    <a:solidFill>
+                      <a:schemeClr val="tx2"/>
+                    </a:solidFill>
+                  </a:tcPr>
+                </a:tc>
+                <a:tc>
+                  <a:txBody>
+                    <a:bodyPr/>
+                    <a:lstStyle/>
+                    <a:p>
+                      <a:pPr algn="ctr"/>
+                      <a:r>
+                        <a:rPr lang="en-US" dirty="0" smtClean="0">
+                          <a:ln>
+                            <a:solidFill>
+                              <a:schemeClr val="bg1"/>
+                            </a:solidFill>
+                          </a:ln>
+                          <a:solidFill>
+                            <a:schemeClr val="accent6">
+                              <a:lumMod val="60000"/>
+                              <a:lumOff val="40000"/>
+                            </a:schemeClr>
+                          </a:solidFill>
+                        </a:rPr>
+                        <a:t>17</a:t>
+                      </a:r>
+                      <a:endParaRPr lang="en-US" dirty="0">
+                        <a:ln>
+                          <a:solidFill>
+                            <a:schemeClr val="bg1"/>
+                          </a:solidFill>
+                        </a:ln>
+                        <a:solidFill>
+                          <a:schemeClr val="accent6">
+                            <a:lumMod val="60000"/>
+                            <a:lumOff val="40000"/>
+                          </a:schemeClr>
+                        </a:solidFill>
+                      </a:endParaRPr>
+                    </a:p>
+                  </a:txBody>
+                  <a:tcPr anchor="ctr">
+                    <a:lnL w="12700" cap="flat" cmpd="sng" algn="ctr">
+                      <a:solidFill>
+                        <a:schemeClr val="accent6">
+                          <a:lumMod val="60000"/>
+                          <a:lumOff val="40000"/>
+                        </a:schemeClr>
+                      </a:solidFill>
+                      <a:prstDash val="solid"/>
+                      <a:round/>
+                      <a:headEnd type="none" w="med" len="med"/>
+                      <a:tailEnd type="none" w="med" len="med"/>
+                    </a:lnL>
+                    <a:lnR w="12700" cap="flat" cmpd="sng" algn="ctr">
+                      <a:solidFill>
+                        <a:schemeClr val="accent6">
+                          <a:lumMod val="60000"/>
+                          <a:lumOff val="40000"/>
+                        </a:schemeClr>
+                      </a:solidFill>
+                      <a:prstDash val="solid"/>
+                      <a:round/>
+                      <a:headEnd type="none" w="med" len="med"/>
+                      <a:tailEnd type="none" w="med" len="med"/>
+                    </a:lnR>
+                    <a:lnT w="12700" cap="flat" cmpd="sng" algn="ctr">
+                      <a:solidFill>
+                        <a:schemeClr val="accent6">
+                          <a:lumMod val="60000"/>
+                          <a:lumOff val="40000"/>
+                        </a:schemeClr>
+                      </a:solidFill>
+                      <a:prstDash val="solid"/>
+                      <a:round/>
+                      <a:headEnd type="none" w="med" len="med"/>
+                      <a:tailEnd type="none" w="med" len="med"/>
+                    </a:lnT>
+                    <a:lnB w="12700" cap="flat" cmpd="sng" algn="ctr">
+                      <a:solidFill>
+                        <a:schemeClr val="accent6">
+                          <a:lumMod val="60000"/>
+                          <a:lumOff val="40000"/>
+                        </a:schemeClr>
+                      </a:solidFill>
+                      <a:prstDash val="solid"/>
+                      <a:round/>
+                      <a:headEnd type="none" w="med" len="med"/>
+                      <a:tailEnd type="none" w="med" len="med"/>
+                    </a:lnB>
+                    <a:lnTlToBr w="12700" cmpd="sng">
+                      <a:noFill/>
+                      <a:prstDash val="solid"/>
+                    </a:lnTlToBr>
+                    <a:lnBlToTr w="12700" cmpd="sng">
+                      <a:noFill/>
+                      <a:prstDash val="solid"/>
+                    </a:lnBlToTr>
+                    <a:solidFill>
+                      <a:schemeClr val="tx2"/>
+                    </a:solidFill>
+                  </a:tcPr>
+                </a:tc>
+                <a:extLst>
+                  <a:ext uri="{0D108BD9-81ED-4DB2-BD59-A6C34878D82A}">
+                    <a16:rowId xmlns:a16="http://schemas.microsoft.com/office/drawing/2014/main" val="384331260"/>
+                  </a:ext>
+                </a:extLst>
+              </a:tr>
+              <a:tr h="566304">
+                <a:tc>
+                  <a:txBody>
+                    <a:bodyPr/>
+                    <a:lstStyle/>
+                    <a:p>
+                      <a:pPr algn="ctr"/>
+                      <a:r>
+                        <a:rPr lang="en-US" dirty="0" smtClean="0">
+                          <a:ln>
+                            <a:solidFill>
+                              <a:schemeClr val="bg1"/>
+                            </a:solidFill>
+                          </a:ln>
+                          <a:solidFill>
+                            <a:schemeClr val="accent6">
+                              <a:lumMod val="60000"/>
+                              <a:lumOff val="40000"/>
+                            </a:schemeClr>
+                          </a:solidFill>
+                        </a:rPr>
+                        <a:t>8</a:t>
+                      </a:r>
+                      <a:endParaRPr lang="en-US" dirty="0">
+                        <a:ln>
+                          <a:solidFill>
+                            <a:schemeClr val="bg1"/>
+                          </a:solidFill>
+                        </a:ln>
+                        <a:solidFill>
+                          <a:schemeClr val="accent6">
+                            <a:lumMod val="60000"/>
+                            <a:lumOff val="40000"/>
+                          </a:schemeClr>
+                        </a:solidFill>
+                      </a:endParaRPr>
+                    </a:p>
+                  </a:txBody>
+                  <a:tcPr anchor="ctr">
+                    <a:lnL w="12700" cap="flat" cmpd="sng" algn="ctr">
+                      <a:solidFill>
+                        <a:schemeClr val="accent6">
+                          <a:lumMod val="60000"/>
+                          <a:lumOff val="40000"/>
+                        </a:schemeClr>
+                      </a:solidFill>
+                      <a:prstDash val="solid"/>
+                      <a:round/>
+                      <a:headEnd type="none" w="med" len="med"/>
+                      <a:tailEnd type="none" w="med" len="med"/>
+                    </a:lnL>
+                    <a:lnR w="12700" cap="flat" cmpd="sng" algn="ctr">
+                      <a:solidFill>
+                        <a:schemeClr val="accent6">
+                          <a:lumMod val="60000"/>
+                          <a:lumOff val="40000"/>
+                        </a:schemeClr>
+                      </a:solidFill>
+                      <a:prstDash val="solid"/>
+                      <a:round/>
+                      <a:headEnd type="none" w="med" len="med"/>
+                      <a:tailEnd type="none" w="med" len="med"/>
+                    </a:lnR>
+                    <a:lnT w="12700" cap="flat" cmpd="sng" algn="ctr">
+                      <a:solidFill>
+                        <a:schemeClr val="accent6">
+                          <a:lumMod val="60000"/>
+                          <a:lumOff val="40000"/>
+                        </a:schemeClr>
+                      </a:solidFill>
+                      <a:prstDash val="solid"/>
+                      <a:round/>
+                      <a:headEnd type="none" w="med" len="med"/>
+                      <a:tailEnd type="none" w="med" len="med"/>
+                    </a:lnT>
+                    <a:lnB w="12700" cap="flat" cmpd="sng" algn="ctr">
+                      <a:solidFill>
+                        <a:schemeClr val="accent6">
+                          <a:lumMod val="60000"/>
+                          <a:lumOff val="40000"/>
+                        </a:schemeClr>
+                      </a:solidFill>
+                      <a:prstDash val="solid"/>
+                      <a:round/>
+                      <a:headEnd type="none" w="med" len="med"/>
+                      <a:tailEnd type="none" w="med" len="med"/>
+                    </a:lnB>
+                    <a:lnTlToBr w="12700" cmpd="sng">
+                      <a:noFill/>
+                      <a:prstDash val="solid"/>
+                    </a:lnTlToBr>
+                    <a:lnBlToTr w="12700" cmpd="sng">
+                      <a:noFill/>
+                      <a:prstDash val="solid"/>
+                    </a:lnBlToTr>
+                    <a:solidFill>
+                      <a:schemeClr val="tx2"/>
+                    </a:solidFill>
+                  </a:tcPr>
+                </a:tc>
+                <a:tc>
+                  <a:txBody>
+                    <a:bodyPr/>
+                    <a:lstStyle/>
+                    <a:p>
+                      <a:pPr algn="ctr"/>
+                      <a:r>
+                        <a:rPr lang="en-US" dirty="0" smtClean="0">
+                          <a:ln>
+                            <a:solidFill>
+                              <a:schemeClr val="bg1"/>
+                            </a:solidFill>
+                          </a:ln>
+                          <a:solidFill>
+                            <a:schemeClr val="accent6">
+                              <a:lumMod val="60000"/>
+                              <a:lumOff val="40000"/>
+                            </a:schemeClr>
+                          </a:solidFill>
+                        </a:rPr>
+                        <a:t>10</a:t>
+                      </a:r>
+                      <a:endParaRPr lang="en-US" dirty="0">
+                        <a:ln>
+                          <a:solidFill>
+                            <a:schemeClr val="bg1"/>
+                          </a:solidFill>
+                        </a:ln>
+                        <a:solidFill>
+                          <a:schemeClr val="accent6">
+                            <a:lumMod val="60000"/>
+                            <a:lumOff val="40000"/>
+                          </a:schemeClr>
+                        </a:solidFill>
+                      </a:endParaRPr>
+                    </a:p>
+                  </a:txBody>
+                  <a:tcPr anchor="ctr">
+                    <a:lnL w="12700" cap="flat" cmpd="sng" algn="ctr">
+                      <a:solidFill>
+                        <a:schemeClr val="accent6">
+                          <a:lumMod val="60000"/>
+                          <a:lumOff val="40000"/>
+                        </a:schemeClr>
+                      </a:solidFill>
+                      <a:prstDash val="solid"/>
+                      <a:round/>
+                      <a:headEnd type="none" w="med" len="med"/>
+                      <a:tailEnd type="none" w="med" len="med"/>
+                    </a:lnL>
+                    <a:lnR w="12700" cap="flat" cmpd="sng" algn="ctr">
+                      <a:solidFill>
+                        <a:schemeClr val="accent6">
+                          <a:lumMod val="60000"/>
+                          <a:lumOff val="40000"/>
+                        </a:schemeClr>
+                      </a:solidFill>
+                      <a:prstDash val="solid"/>
+                      <a:round/>
+                      <a:headEnd type="none" w="med" len="med"/>
+                      <a:tailEnd type="none" w="med" len="med"/>
+                    </a:lnR>
+                    <a:lnT w="12700" cap="flat" cmpd="sng" algn="ctr">
+                      <a:solidFill>
+                        <a:schemeClr val="accent6">
+                          <a:lumMod val="60000"/>
+                          <a:lumOff val="40000"/>
+                        </a:schemeClr>
+                      </a:solidFill>
+                      <a:prstDash val="solid"/>
+                      <a:round/>
+                      <a:headEnd type="none" w="med" len="med"/>
+                      <a:tailEnd type="none" w="med" len="med"/>
+                    </a:lnT>
+                    <a:lnB w="12700" cap="flat" cmpd="sng" algn="ctr">
+                      <a:solidFill>
+                        <a:schemeClr val="accent6">
+                          <a:lumMod val="60000"/>
+                          <a:lumOff val="40000"/>
+                        </a:schemeClr>
+                      </a:solidFill>
+                      <a:prstDash val="solid"/>
+                      <a:round/>
+                      <a:headEnd type="none" w="med" len="med"/>
+                      <a:tailEnd type="none" w="med" len="med"/>
+                    </a:lnB>
+                    <a:lnTlToBr w="12700" cmpd="sng">
+                      <a:noFill/>
+                      <a:prstDash val="solid"/>
+                    </a:lnTlToBr>
+                    <a:lnBlToTr w="12700" cmpd="sng">
+                      <a:noFill/>
+                      <a:prstDash val="solid"/>
+                    </a:lnBlToTr>
+                    <a:solidFill>
+                      <a:schemeClr val="tx2"/>
+                    </a:solidFill>
+                  </a:tcPr>
+                </a:tc>
+                <a:tc>
+                  <a:txBody>
+                    <a:bodyPr/>
+                    <a:lstStyle/>
+                    <a:p>
+                      <a:pPr algn="ctr"/>
+                      <a:r>
+                        <a:rPr lang="en-US" dirty="0" smtClean="0">
+                          <a:ln>
+                            <a:solidFill>
+                              <a:schemeClr val="bg1"/>
+                            </a:solidFill>
+                          </a:ln>
+                          <a:solidFill>
+                            <a:schemeClr val="accent6">
+                              <a:lumMod val="60000"/>
+                              <a:lumOff val="40000"/>
+                            </a:schemeClr>
+                          </a:solidFill>
+                        </a:rPr>
+                        <a:t>89</a:t>
+                      </a:r>
+                      <a:endParaRPr lang="en-US" dirty="0">
+                        <a:ln>
+                          <a:solidFill>
+                            <a:schemeClr val="bg1"/>
+                          </a:solidFill>
+                        </a:ln>
+                        <a:solidFill>
+                          <a:schemeClr val="accent6">
+                            <a:lumMod val="60000"/>
+                            <a:lumOff val="40000"/>
+                          </a:schemeClr>
+                        </a:solidFill>
+                      </a:endParaRPr>
+                    </a:p>
+                  </a:txBody>
+                  <a:tcPr anchor="ctr">
+                    <a:lnL w="12700" cap="flat" cmpd="sng" algn="ctr">
+                      <a:solidFill>
+                        <a:schemeClr val="accent6">
+                          <a:lumMod val="60000"/>
+                          <a:lumOff val="40000"/>
+                        </a:schemeClr>
+                      </a:solidFill>
+                      <a:prstDash val="solid"/>
+                      <a:round/>
+                      <a:headEnd type="none" w="med" len="med"/>
+                      <a:tailEnd type="none" w="med" len="med"/>
+                    </a:lnL>
+                    <a:lnR w="12700" cap="flat" cmpd="sng" algn="ctr">
+                      <a:solidFill>
+                        <a:schemeClr val="accent6">
+                          <a:lumMod val="60000"/>
+                          <a:lumOff val="40000"/>
+                        </a:schemeClr>
+                      </a:solidFill>
+                      <a:prstDash val="solid"/>
+                      <a:round/>
+                      <a:headEnd type="none" w="med" len="med"/>
+                      <a:tailEnd type="none" w="med" len="med"/>
+                    </a:lnR>
+                    <a:lnT w="12700" cap="flat" cmpd="sng" algn="ctr">
+                      <a:solidFill>
+                        <a:schemeClr val="accent6">
+                          <a:lumMod val="60000"/>
+                          <a:lumOff val="40000"/>
+                        </a:schemeClr>
+                      </a:solidFill>
+                      <a:prstDash val="solid"/>
+                      <a:round/>
+                      <a:headEnd type="none" w="med" len="med"/>
+                      <a:tailEnd type="none" w="med" len="med"/>
+                    </a:lnT>
+                    <a:lnB w="12700" cap="flat" cmpd="sng" algn="ctr">
+                      <a:solidFill>
+                        <a:schemeClr val="accent6">
+                          <a:lumMod val="60000"/>
+                          <a:lumOff val="40000"/>
+                        </a:schemeClr>
+                      </a:solidFill>
+                      <a:prstDash val="solid"/>
+                      <a:round/>
+                      <a:headEnd type="none" w="med" len="med"/>
+                      <a:tailEnd type="none" w="med" len="med"/>
+                    </a:lnB>
+                    <a:lnTlToBr w="12700" cmpd="sng">
+                      <a:noFill/>
+                      <a:prstDash val="solid"/>
+                    </a:lnTlToBr>
+                    <a:lnBlToTr w="12700" cmpd="sng">
+                      <a:noFill/>
+                      <a:prstDash val="solid"/>
+                    </a:lnBlToTr>
+                    <a:solidFill>
+                      <a:schemeClr val="tx2"/>
+                    </a:solidFill>
+                  </a:tcPr>
+                </a:tc>
+                <a:tc>
+                  <a:txBody>
+                    <a:bodyPr/>
+                    <a:lstStyle/>
+                    <a:p>
+                      <a:pPr algn="ctr"/>
+                      <a:r>
+                        <a:rPr lang="en-US" dirty="0" smtClean="0">
+                          <a:ln>
+                            <a:solidFill>
+                              <a:schemeClr val="bg1"/>
+                            </a:solidFill>
+                          </a:ln>
+                          <a:solidFill>
+                            <a:schemeClr val="accent6">
+                              <a:lumMod val="60000"/>
+                              <a:lumOff val="40000"/>
+                            </a:schemeClr>
+                          </a:solidFill>
+                        </a:rPr>
+                        <a:t>100</a:t>
+                      </a:r>
+                      <a:endParaRPr lang="en-US" dirty="0">
+                        <a:ln>
+                          <a:solidFill>
+                            <a:schemeClr val="bg1"/>
+                          </a:solidFill>
+                        </a:ln>
+                        <a:solidFill>
+                          <a:schemeClr val="accent6">
+                            <a:lumMod val="60000"/>
+                            <a:lumOff val="40000"/>
+                          </a:schemeClr>
+                        </a:solidFill>
+                      </a:endParaRPr>
+                    </a:p>
+                  </a:txBody>
+                  <a:tcPr anchor="ctr">
+                    <a:lnL w="12700" cap="flat" cmpd="sng" algn="ctr">
+                      <a:solidFill>
+                        <a:schemeClr val="accent6">
+                          <a:lumMod val="60000"/>
+                          <a:lumOff val="40000"/>
+                        </a:schemeClr>
+                      </a:solidFill>
+                      <a:prstDash val="solid"/>
+                      <a:round/>
+                      <a:headEnd type="none" w="med" len="med"/>
+                      <a:tailEnd type="none" w="med" len="med"/>
+                    </a:lnL>
+                    <a:lnR w="12700" cap="flat" cmpd="sng" algn="ctr">
+                      <a:solidFill>
+                        <a:schemeClr val="accent6">
+                          <a:lumMod val="60000"/>
+                          <a:lumOff val="40000"/>
+                        </a:schemeClr>
+                      </a:solidFill>
+                      <a:prstDash val="solid"/>
+                      <a:round/>
+                      <a:headEnd type="none" w="med" len="med"/>
+                      <a:tailEnd type="none" w="med" len="med"/>
+                    </a:lnR>
+                    <a:lnT w="12700" cap="flat" cmpd="sng" algn="ctr">
+                      <a:solidFill>
+                        <a:schemeClr val="accent6">
+                          <a:lumMod val="60000"/>
+                          <a:lumOff val="40000"/>
+                        </a:schemeClr>
+                      </a:solidFill>
+                      <a:prstDash val="solid"/>
+                      <a:round/>
+                      <a:headEnd type="none" w="med" len="med"/>
+                      <a:tailEnd type="none" w="med" len="med"/>
+                    </a:lnT>
+                    <a:lnB w="12700" cap="flat" cmpd="sng" algn="ctr">
+                      <a:solidFill>
+                        <a:schemeClr val="accent6">
+                          <a:lumMod val="60000"/>
+                          <a:lumOff val="40000"/>
+                        </a:schemeClr>
+                      </a:solidFill>
+                      <a:prstDash val="solid"/>
+                      <a:round/>
+                      <a:headEnd type="none" w="med" len="med"/>
+                      <a:tailEnd type="none" w="med" len="med"/>
+                    </a:lnB>
+                    <a:lnTlToBr w="12700" cmpd="sng">
+                      <a:noFill/>
+                      <a:prstDash val="solid"/>
+                    </a:lnTlToBr>
+                    <a:lnBlToTr w="12700" cmpd="sng">
+                      <a:noFill/>
+                      <a:prstDash val="solid"/>
+                    </a:lnBlToTr>
+                    <a:solidFill>
+                      <a:schemeClr val="tx2"/>
+                    </a:solidFill>
+                  </a:tcPr>
+                </a:tc>
+                <a:extLst>
+                  <a:ext uri="{0D108BD9-81ED-4DB2-BD59-A6C34878D82A}">
+                    <a16:rowId xmlns:a16="http://schemas.microsoft.com/office/drawing/2014/main" val="1648259702"/>
+                  </a:ext>
+                </a:extLst>
+              </a:tr>
+              <a:tr h="566304">
+                <a:tc>
+                  <a:txBody>
+                    <a:bodyPr/>
+                    <a:lstStyle/>
+                    <a:p>
+                      <a:pPr algn="ctr"/>
+                      <a:r>
+                        <a:rPr lang="en-US" dirty="0" smtClean="0">
+                          <a:ln>
+                            <a:solidFill>
+                              <a:schemeClr val="bg1"/>
+                            </a:solidFill>
+                          </a:ln>
+                          <a:solidFill>
+                            <a:schemeClr val="accent6">
+                              <a:lumMod val="60000"/>
+                              <a:lumOff val="40000"/>
+                            </a:schemeClr>
+                          </a:solidFill>
+                        </a:rPr>
+                        <a:t>12</a:t>
+                      </a:r>
+                      <a:endParaRPr lang="en-US" dirty="0">
+                        <a:ln>
+                          <a:solidFill>
+                            <a:schemeClr val="bg1"/>
+                          </a:solidFill>
+                        </a:ln>
+                        <a:solidFill>
+                          <a:schemeClr val="accent6">
+                            <a:lumMod val="60000"/>
+                            <a:lumOff val="40000"/>
+                          </a:schemeClr>
+                        </a:solidFill>
+                      </a:endParaRPr>
+                    </a:p>
+                  </a:txBody>
+                  <a:tcPr anchor="ctr">
+                    <a:lnL w="12700" cap="flat" cmpd="sng" algn="ctr">
+                      <a:solidFill>
+                        <a:schemeClr val="accent6">
+                          <a:lumMod val="60000"/>
+                          <a:lumOff val="40000"/>
+                        </a:schemeClr>
+                      </a:solidFill>
+                      <a:prstDash val="solid"/>
+                      <a:round/>
+                      <a:headEnd type="none" w="med" len="med"/>
+                      <a:tailEnd type="none" w="med" len="med"/>
+                    </a:lnL>
+                    <a:lnR w="12700" cap="flat" cmpd="sng" algn="ctr">
+                      <a:solidFill>
+                        <a:schemeClr val="accent6">
+                          <a:lumMod val="60000"/>
+                          <a:lumOff val="40000"/>
+                        </a:schemeClr>
+                      </a:solidFill>
+                      <a:prstDash val="solid"/>
+                      <a:round/>
+                      <a:headEnd type="none" w="med" len="med"/>
+                      <a:tailEnd type="none" w="med" len="med"/>
+                    </a:lnR>
+                    <a:lnT w="12700" cap="flat" cmpd="sng" algn="ctr">
+                      <a:solidFill>
+                        <a:schemeClr val="accent6">
+                          <a:lumMod val="60000"/>
+                          <a:lumOff val="40000"/>
+                        </a:schemeClr>
+                      </a:solidFill>
+                      <a:prstDash val="solid"/>
+                      <a:round/>
+                      <a:headEnd type="none" w="med" len="med"/>
+                      <a:tailEnd type="none" w="med" len="med"/>
+                    </a:lnT>
+                    <a:lnB w="12700" cap="flat" cmpd="sng" algn="ctr">
+                      <a:solidFill>
+                        <a:schemeClr val="accent6">
+                          <a:lumMod val="60000"/>
+                          <a:lumOff val="40000"/>
+                        </a:schemeClr>
+                      </a:solidFill>
+                      <a:prstDash val="solid"/>
+                      <a:round/>
+                      <a:headEnd type="none" w="med" len="med"/>
+                      <a:tailEnd type="none" w="med" len="med"/>
+                    </a:lnB>
+                    <a:lnTlToBr w="12700" cmpd="sng">
+                      <a:noFill/>
+                      <a:prstDash val="solid"/>
+                    </a:lnTlToBr>
+                    <a:lnBlToTr w="12700" cmpd="sng">
+                      <a:noFill/>
+                      <a:prstDash val="solid"/>
+                    </a:lnBlToTr>
+                    <a:solidFill>
+                      <a:schemeClr val="tx2"/>
+                    </a:solidFill>
+                  </a:tcPr>
+                </a:tc>
+                <a:tc>
+                  <a:txBody>
+                    <a:bodyPr/>
+                    <a:lstStyle/>
+                    <a:p>
+                      <a:pPr algn="ctr"/>
+                      <a:r>
+                        <a:rPr lang="en-US" dirty="0" smtClean="0">
+                          <a:ln>
+                            <a:solidFill>
+                              <a:schemeClr val="bg1"/>
+                            </a:solidFill>
+                          </a:ln>
+                          <a:solidFill>
+                            <a:schemeClr val="accent6">
+                              <a:lumMod val="60000"/>
+                              <a:lumOff val="40000"/>
+                            </a:schemeClr>
+                          </a:solidFill>
+                        </a:rPr>
+                        <a:t>16</a:t>
+                      </a:r>
+                      <a:endParaRPr lang="en-US" dirty="0">
+                        <a:ln>
+                          <a:solidFill>
+                            <a:schemeClr val="bg1"/>
+                          </a:solidFill>
+                        </a:ln>
+                        <a:solidFill>
+                          <a:schemeClr val="accent6">
+                            <a:lumMod val="60000"/>
+                            <a:lumOff val="40000"/>
+                          </a:schemeClr>
+                        </a:solidFill>
+                      </a:endParaRPr>
+                    </a:p>
+                  </a:txBody>
+                  <a:tcPr anchor="ctr">
+                    <a:lnL w="12700" cap="flat" cmpd="sng" algn="ctr">
+                      <a:solidFill>
+                        <a:schemeClr val="accent6">
+                          <a:lumMod val="60000"/>
+                          <a:lumOff val="40000"/>
+                        </a:schemeClr>
+                      </a:solidFill>
+                      <a:prstDash val="solid"/>
+                      <a:round/>
+                      <a:headEnd type="none" w="med" len="med"/>
+                      <a:tailEnd type="none" w="med" len="med"/>
+                    </a:lnL>
+                    <a:lnR w="12700" cap="flat" cmpd="sng" algn="ctr">
+                      <a:solidFill>
+                        <a:schemeClr val="accent6">
+                          <a:lumMod val="60000"/>
+                          <a:lumOff val="40000"/>
+                        </a:schemeClr>
+                      </a:solidFill>
+                      <a:prstDash val="solid"/>
+                      <a:round/>
+                      <a:headEnd type="none" w="med" len="med"/>
+                      <a:tailEnd type="none" w="med" len="med"/>
+                    </a:lnR>
+                    <a:lnT w="12700" cap="flat" cmpd="sng" algn="ctr">
+                      <a:solidFill>
+                        <a:schemeClr val="accent6">
+                          <a:lumMod val="60000"/>
+                          <a:lumOff val="40000"/>
+                        </a:schemeClr>
+                      </a:solidFill>
+                      <a:prstDash val="solid"/>
+                      <a:round/>
+                      <a:headEnd type="none" w="med" len="med"/>
+                      <a:tailEnd type="none" w="med" len="med"/>
+                    </a:lnT>
+                    <a:lnB w="12700" cap="flat" cmpd="sng" algn="ctr">
+                      <a:solidFill>
+                        <a:schemeClr val="accent6">
+                          <a:lumMod val="60000"/>
+                          <a:lumOff val="40000"/>
+                        </a:schemeClr>
+                      </a:solidFill>
+                      <a:prstDash val="solid"/>
+                      <a:round/>
+                      <a:headEnd type="none" w="med" len="med"/>
+                      <a:tailEnd type="none" w="med" len="med"/>
+                    </a:lnB>
+                    <a:lnTlToBr w="12700" cmpd="sng">
+                      <a:noFill/>
+                      <a:prstDash val="solid"/>
+                    </a:lnTlToBr>
+                    <a:lnBlToTr w="12700" cmpd="sng">
+                      <a:noFill/>
+                      <a:prstDash val="solid"/>
+                    </a:lnBlToTr>
+                    <a:solidFill>
+                      <a:schemeClr val="tx2"/>
+                    </a:solidFill>
+                  </a:tcPr>
+                </a:tc>
+                <a:tc>
+                  <a:txBody>
+                    <a:bodyPr/>
+                    <a:lstStyle/>
+                    <a:p>
+                      <a:pPr algn="ctr"/>
+                      <a:r>
+                        <a:rPr lang="en-US" dirty="0" smtClean="0">
+                          <a:ln>
+                            <a:solidFill>
+                              <a:schemeClr val="bg1"/>
+                            </a:solidFill>
+                          </a:ln>
+                          <a:solidFill>
+                            <a:schemeClr val="accent6">
+                              <a:lumMod val="60000"/>
+                              <a:lumOff val="40000"/>
+                            </a:schemeClr>
+                          </a:solidFill>
+                        </a:rPr>
+                        <a:t>178</a:t>
+                      </a:r>
+                      <a:endParaRPr lang="en-US" dirty="0">
+                        <a:ln>
+                          <a:solidFill>
+                            <a:schemeClr val="bg1"/>
+                          </a:solidFill>
+                        </a:ln>
+                        <a:solidFill>
+                          <a:schemeClr val="accent6">
+                            <a:lumMod val="60000"/>
+                            <a:lumOff val="40000"/>
+                          </a:schemeClr>
+                        </a:solidFill>
+                      </a:endParaRPr>
+                    </a:p>
+                  </a:txBody>
+                  <a:tcPr anchor="ctr">
+                    <a:lnL w="12700" cap="flat" cmpd="sng" algn="ctr">
+                      <a:solidFill>
+                        <a:schemeClr val="accent6">
+                          <a:lumMod val="60000"/>
+                          <a:lumOff val="40000"/>
+                        </a:schemeClr>
+                      </a:solidFill>
+                      <a:prstDash val="solid"/>
+                      <a:round/>
+                      <a:headEnd type="none" w="med" len="med"/>
+                      <a:tailEnd type="none" w="med" len="med"/>
+                    </a:lnL>
+                    <a:lnR w="12700" cap="flat" cmpd="sng" algn="ctr">
+                      <a:solidFill>
+                        <a:schemeClr val="accent6">
+                          <a:lumMod val="60000"/>
+                          <a:lumOff val="40000"/>
+                        </a:schemeClr>
+                      </a:solidFill>
+                      <a:prstDash val="solid"/>
+                      <a:round/>
+                      <a:headEnd type="none" w="med" len="med"/>
+                      <a:tailEnd type="none" w="med" len="med"/>
+                    </a:lnR>
+                    <a:lnT w="12700" cap="flat" cmpd="sng" algn="ctr">
+                      <a:solidFill>
+                        <a:schemeClr val="accent6">
+                          <a:lumMod val="60000"/>
+                          <a:lumOff val="40000"/>
+                        </a:schemeClr>
+                      </a:solidFill>
+                      <a:prstDash val="solid"/>
+                      <a:round/>
+                      <a:headEnd type="none" w="med" len="med"/>
+                      <a:tailEnd type="none" w="med" len="med"/>
+                    </a:lnT>
+                    <a:lnB w="12700" cap="flat" cmpd="sng" algn="ctr">
+                      <a:solidFill>
+                        <a:schemeClr val="accent6">
+                          <a:lumMod val="60000"/>
+                          <a:lumOff val="40000"/>
+                        </a:schemeClr>
+                      </a:solidFill>
+                      <a:prstDash val="solid"/>
+                      <a:round/>
+                      <a:headEnd type="none" w="med" len="med"/>
+                      <a:tailEnd type="none" w="med" len="med"/>
+                    </a:lnB>
+                    <a:lnTlToBr w="12700" cmpd="sng">
+                      <a:noFill/>
+                      <a:prstDash val="solid"/>
+                    </a:lnTlToBr>
+                    <a:lnBlToTr w="12700" cmpd="sng">
+                      <a:noFill/>
+                      <a:prstDash val="solid"/>
+                    </a:lnBlToTr>
+                    <a:solidFill>
+                      <a:schemeClr val="tx2"/>
+                    </a:solidFill>
+                  </a:tcPr>
+                </a:tc>
+                <a:tc>
+                  <a:txBody>
+                    <a:bodyPr/>
+                    <a:lstStyle/>
+                    <a:p>
+                      <a:pPr algn="ctr"/>
+                      <a:r>
+                        <a:rPr lang="en-US" dirty="0" smtClean="0">
+                          <a:ln>
+                            <a:solidFill>
+                              <a:schemeClr val="bg1"/>
+                            </a:solidFill>
+                          </a:ln>
+                          <a:solidFill>
+                            <a:schemeClr val="accent6">
+                              <a:lumMod val="60000"/>
+                              <a:lumOff val="40000"/>
+                            </a:schemeClr>
+                          </a:solidFill>
+                        </a:rPr>
+                        <a:t>170</a:t>
+                      </a:r>
+                      <a:endParaRPr lang="en-US" dirty="0">
+                        <a:ln>
+                          <a:solidFill>
+                            <a:schemeClr val="bg1"/>
+                          </a:solidFill>
+                        </a:ln>
+                        <a:solidFill>
+                          <a:schemeClr val="accent6">
+                            <a:lumMod val="60000"/>
+                            <a:lumOff val="40000"/>
+                          </a:schemeClr>
+                        </a:solidFill>
+                      </a:endParaRPr>
+                    </a:p>
+                  </a:txBody>
+                  <a:tcPr anchor="ctr">
+                    <a:lnL w="12700" cap="flat" cmpd="sng" algn="ctr">
+                      <a:solidFill>
+                        <a:schemeClr val="accent6">
+                          <a:lumMod val="60000"/>
+                          <a:lumOff val="40000"/>
+                        </a:schemeClr>
+                      </a:solidFill>
+                      <a:prstDash val="solid"/>
+                      <a:round/>
+                      <a:headEnd type="none" w="med" len="med"/>
+                      <a:tailEnd type="none" w="med" len="med"/>
+                    </a:lnL>
+                    <a:lnR w="12700" cap="flat" cmpd="sng" algn="ctr">
+                      <a:solidFill>
+                        <a:schemeClr val="accent6">
+                          <a:lumMod val="60000"/>
+                          <a:lumOff val="40000"/>
+                        </a:schemeClr>
+                      </a:solidFill>
+                      <a:prstDash val="solid"/>
+                      <a:round/>
+                      <a:headEnd type="none" w="med" len="med"/>
+                      <a:tailEnd type="none" w="med" len="med"/>
+                    </a:lnR>
+                    <a:lnT w="12700" cap="flat" cmpd="sng" algn="ctr">
+                      <a:solidFill>
+                        <a:schemeClr val="accent6">
+                          <a:lumMod val="60000"/>
+                          <a:lumOff val="40000"/>
+                        </a:schemeClr>
+                      </a:solidFill>
+                      <a:prstDash val="solid"/>
+                      <a:round/>
+                      <a:headEnd type="none" w="med" len="med"/>
+                      <a:tailEnd type="none" w="med" len="med"/>
+                    </a:lnT>
+                    <a:lnB w="12700" cap="flat" cmpd="sng" algn="ctr">
+                      <a:solidFill>
+                        <a:schemeClr val="accent6">
+                          <a:lumMod val="60000"/>
+                          <a:lumOff val="40000"/>
+                        </a:schemeClr>
+                      </a:solidFill>
+                      <a:prstDash val="solid"/>
+                      <a:round/>
+                      <a:headEnd type="none" w="med" len="med"/>
+                      <a:tailEnd type="none" w="med" len="med"/>
+                    </a:lnB>
+                    <a:lnTlToBr w="12700" cmpd="sng">
+                      <a:noFill/>
+                      <a:prstDash val="solid"/>
+                    </a:lnTlToBr>
+                    <a:lnBlToTr w="12700" cmpd="sng">
+                      <a:noFill/>
+                      <a:prstDash val="solid"/>
+                    </a:lnBlToTr>
+                    <a:solidFill>
+                      <a:schemeClr val="tx2"/>
+                    </a:solidFill>
+                  </a:tcPr>
+                </a:tc>
+                <a:extLst>
+                  <a:ext uri="{0D108BD9-81ED-4DB2-BD59-A6C34878D82A}">
+                    <a16:rowId xmlns:a16="http://schemas.microsoft.com/office/drawing/2014/main" val="2122595915"/>
+                  </a:ext>
+                </a:extLst>
+              </a:tr>
+              <a:tr h="566304">
+                <a:tc>
+                  <a:txBody>
+                    <a:bodyPr/>
+                    <a:lstStyle/>
+                    <a:p>
+                      <a:pPr algn="ctr"/>
+                      <a:r>
+                        <a:rPr lang="en-US" dirty="0" smtClean="0">
+                          <a:ln>
+                            <a:solidFill>
+                              <a:schemeClr val="bg1"/>
+                            </a:solidFill>
+                          </a:ln>
+                          <a:solidFill>
+                            <a:schemeClr val="accent6">
+                              <a:lumMod val="60000"/>
+                              <a:lumOff val="40000"/>
+                            </a:schemeClr>
+                          </a:solidFill>
+                        </a:rPr>
+                        <a:t>4</a:t>
+                      </a:r>
+                      <a:endParaRPr lang="en-US" dirty="0">
+                        <a:ln>
+                          <a:solidFill>
+                            <a:schemeClr val="bg1"/>
+                          </a:solidFill>
+                        </a:ln>
+                        <a:solidFill>
+                          <a:schemeClr val="accent6">
+                            <a:lumMod val="60000"/>
+                            <a:lumOff val="40000"/>
+                          </a:schemeClr>
+                        </a:solidFill>
+                      </a:endParaRPr>
+                    </a:p>
+                  </a:txBody>
+                  <a:tcPr anchor="ctr">
+                    <a:lnL w="12700" cap="flat" cmpd="sng" algn="ctr">
+                      <a:solidFill>
+                        <a:schemeClr val="accent6">
+                          <a:lumMod val="60000"/>
+                          <a:lumOff val="40000"/>
+                        </a:schemeClr>
+                      </a:solidFill>
+                      <a:prstDash val="solid"/>
+                      <a:round/>
+                      <a:headEnd type="none" w="med" len="med"/>
+                      <a:tailEnd type="none" w="med" len="med"/>
+                    </a:lnL>
+                    <a:lnR w="12700" cap="flat" cmpd="sng" algn="ctr">
+                      <a:solidFill>
+                        <a:schemeClr val="accent6">
+                          <a:lumMod val="60000"/>
+                          <a:lumOff val="40000"/>
+                        </a:schemeClr>
+                      </a:solidFill>
+                      <a:prstDash val="solid"/>
+                      <a:round/>
+                      <a:headEnd type="none" w="med" len="med"/>
+                      <a:tailEnd type="none" w="med" len="med"/>
+                    </a:lnR>
+                    <a:lnT w="12700" cap="flat" cmpd="sng" algn="ctr">
+                      <a:solidFill>
+                        <a:schemeClr val="accent6">
+                          <a:lumMod val="60000"/>
+                          <a:lumOff val="40000"/>
+                        </a:schemeClr>
+                      </a:solidFill>
+                      <a:prstDash val="solid"/>
+                      <a:round/>
+                      <a:headEnd type="none" w="med" len="med"/>
+                      <a:tailEnd type="none" w="med" len="med"/>
+                    </a:lnT>
+                    <a:lnB w="12700" cap="flat" cmpd="sng" algn="ctr">
+                      <a:solidFill>
+                        <a:schemeClr val="accent6">
+                          <a:lumMod val="60000"/>
+                          <a:lumOff val="40000"/>
+                        </a:schemeClr>
+                      </a:solidFill>
+                      <a:prstDash val="solid"/>
+                      <a:round/>
+                      <a:headEnd type="none" w="med" len="med"/>
+                      <a:tailEnd type="none" w="med" len="med"/>
+                    </a:lnB>
+                    <a:lnTlToBr w="12700" cmpd="sng">
+                      <a:noFill/>
+                      <a:prstDash val="solid"/>
+                    </a:lnTlToBr>
+                    <a:lnBlToTr w="12700" cmpd="sng">
+                      <a:noFill/>
+                      <a:prstDash val="solid"/>
+                    </a:lnBlToTr>
+                    <a:solidFill>
+                      <a:schemeClr val="tx2"/>
+                    </a:solidFill>
+                  </a:tcPr>
+                </a:tc>
+                <a:tc>
+                  <a:txBody>
+                    <a:bodyPr/>
+                    <a:lstStyle/>
+                    <a:p>
+                      <a:pPr algn="ctr"/>
+                      <a:r>
+                        <a:rPr lang="en-US" dirty="0" smtClean="0">
+                          <a:ln>
+                            <a:solidFill>
+                              <a:schemeClr val="bg1"/>
+                            </a:solidFill>
+                          </a:ln>
+                          <a:solidFill>
+                            <a:schemeClr val="accent6">
+                              <a:lumMod val="60000"/>
+                              <a:lumOff val="40000"/>
+                            </a:schemeClr>
+                          </a:solidFill>
+                        </a:rPr>
+                        <a:t>32</a:t>
+                      </a:r>
+                      <a:endParaRPr lang="en-US" dirty="0">
+                        <a:ln>
+                          <a:solidFill>
+                            <a:schemeClr val="bg1"/>
+                          </a:solidFill>
+                        </a:ln>
+                        <a:solidFill>
+                          <a:schemeClr val="accent6">
+                            <a:lumMod val="60000"/>
+                            <a:lumOff val="40000"/>
+                          </a:schemeClr>
+                        </a:solidFill>
+                      </a:endParaRPr>
+                    </a:p>
+                  </a:txBody>
+                  <a:tcPr anchor="ctr">
+                    <a:lnL w="12700" cap="flat" cmpd="sng" algn="ctr">
+                      <a:solidFill>
+                        <a:schemeClr val="accent6">
+                          <a:lumMod val="60000"/>
+                          <a:lumOff val="40000"/>
+                        </a:schemeClr>
+                      </a:solidFill>
+                      <a:prstDash val="solid"/>
+                      <a:round/>
+                      <a:headEnd type="none" w="med" len="med"/>
+                      <a:tailEnd type="none" w="med" len="med"/>
+                    </a:lnL>
+                    <a:lnR w="12700" cap="flat" cmpd="sng" algn="ctr">
+                      <a:solidFill>
+                        <a:schemeClr val="accent6">
+                          <a:lumMod val="60000"/>
+                          <a:lumOff val="40000"/>
+                        </a:schemeClr>
+                      </a:solidFill>
+                      <a:prstDash val="solid"/>
+                      <a:round/>
+                      <a:headEnd type="none" w="med" len="med"/>
+                      <a:tailEnd type="none" w="med" len="med"/>
+                    </a:lnR>
+                    <a:lnT w="12700" cap="flat" cmpd="sng" algn="ctr">
+                      <a:solidFill>
+                        <a:schemeClr val="accent6">
+                          <a:lumMod val="60000"/>
+                          <a:lumOff val="40000"/>
+                        </a:schemeClr>
+                      </a:solidFill>
+                      <a:prstDash val="solid"/>
+                      <a:round/>
+                      <a:headEnd type="none" w="med" len="med"/>
+                      <a:tailEnd type="none" w="med" len="med"/>
+                    </a:lnT>
+                    <a:lnB w="12700" cap="flat" cmpd="sng" algn="ctr">
+                      <a:solidFill>
+                        <a:schemeClr val="accent6">
+                          <a:lumMod val="60000"/>
+                          <a:lumOff val="40000"/>
+                        </a:schemeClr>
+                      </a:solidFill>
+                      <a:prstDash val="solid"/>
+                      <a:round/>
+                      <a:headEnd type="none" w="med" len="med"/>
+                      <a:tailEnd type="none" w="med" len="med"/>
+                    </a:lnB>
+                    <a:lnTlToBr w="12700" cmpd="sng">
+                      <a:noFill/>
+                      <a:prstDash val="solid"/>
+                    </a:lnTlToBr>
+                    <a:lnBlToTr w="12700" cmpd="sng">
+                      <a:noFill/>
+                      <a:prstDash val="solid"/>
+                    </a:lnBlToTr>
+                    <a:solidFill>
+                      <a:schemeClr val="tx2"/>
+                    </a:solidFill>
+                  </a:tcPr>
+                </a:tc>
+                <a:tc>
+                  <a:txBody>
+                    <a:bodyPr/>
+                    <a:lstStyle/>
+                    <a:p>
+                      <a:pPr algn="ctr"/>
+                      <a:r>
+                        <a:rPr lang="en-US" dirty="0" smtClean="0">
+                          <a:ln>
+                            <a:solidFill>
+                              <a:schemeClr val="bg1"/>
+                            </a:solidFill>
+                          </a:ln>
+                          <a:solidFill>
+                            <a:schemeClr val="accent6">
+                              <a:lumMod val="60000"/>
+                              <a:lumOff val="40000"/>
+                            </a:schemeClr>
+                          </a:solidFill>
+                        </a:rPr>
+                        <a:t>233</a:t>
+                      </a:r>
+                      <a:endParaRPr lang="en-US" dirty="0">
+                        <a:ln>
+                          <a:solidFill>
+                            <a:schemeClr val="bg1"/>
+                          </a:solidFill>
+                        </a:ln>
+                        <a:solidFill>
+                          <a:schemeClr val="accent6">
+                            <a:lumMod val="60000"/>
+                            <a:lumOff val="40000"/>
+                          </a:schemeClr>
+                        </a:solidFill>
+                      </a:endParaRPr>
+                    </a:p>
+                  </a:txBody>
+                  <a:tcPr anchor="ctr">
+                    <a:lnL w="12700" cap="flat" cmpd="sng" algn="ctr">
+                      <a:solidFill>
+                        <a:schemeClr val="accent6">
+                          <a:lumMod val="60000"/>
+                          <a:lumOff val="40000"/>
+                        </a:schemeClr>
+                      </a:solidFill>
+                      <a:prstDash val="solid"/>
+                      <a:round/>
+                      <a:headEnd type="none" w="med" len="med"/>
+                      <a:tailEnd type="none" w="med" len="med"/>
+                    </a:lnL>
+                    <a:lnR w="12700" cap="flat" cmpd="sng" algn="ctr">
+                      <a:solidFill>
+                        <a:schemeClr val="accent6">
+                          <a:lumMod val="60000"/>
+                          <a:lumOff val="40000"/>
+                        </a:schemeClr>
+                      </a:solidFill>
+                      <a:prstDash val="solid"/>
+                      <a:round/>
+                      <a:headEnd type="none" w="med" len="med"/>
+                      <a:tailEnd type="none" w="med" len="med"/>
+                    </a:lnR>
+                    <a:lnT w="12700" cap="flat" cmpd="sng" algn="ctr">
+                      <a:solidFill>
+                        <a:schemeClr val="accent6">
+                          <a:lumMod val="60000"/>
+                          <a:lumOff val="40000"/>
+                        </a:schemeClr>
+                      </a:solidFill>
+                      <a:prstDash val="solid"/>
+                      <a:round/>
+                      <a:headEnd type="none" w="med" len="med"/>
+                      <a:tailEnd type="none" w="med" len="med"/>
+                    </a:lnT>
+                    <a:lnB w="12700" cap="flat" cmpd="sng" algn="ctr">
+                      <a:solidFill>
+                        <a:schemeClr val="accent6">
+                          <a:lumMod val="60000"/>
+                          <a:lumOff val="40000"/>
+                        </a:schemeClr>
+                      </a:solidFill>
+                      <a:prstDash val="solid"/>
+                      <a:round/>
+                      <a:headEnd type="none" w="med" len="med"/>
+                      <a:tailEnd type="none" w="med" len="med"/>
+                    </a:lnB>
+                    <a:lnTlToBr w="12700" cmpd="sng">
+                      <a:noFill/>
+                      <a:prstDash val="solid"/>
+                    </a:lnTlToBr>
+                    <a:lnBlToTr w="12700" cmpd="sng">
+                      <a:noFill/>
+                      <a:prstDash val="solid"/>
+                    </a:lnBlToTr>
+                    <a:solidFill>
+                      <a:schemeClr val="tx2"/>
+                    </a:solidFill>
+                  </a:tcPr>
+                </a:tc>
+                <a:tc>
+                  <a:txBody>
+                    <a:bodyPr/>
+                    <a:lstStyle/>
+                    <a:p>
+                      <a:pPr algn="ctr"/>
+                      <a:r>
+                        <a:rPr lang="en-US" dirty="0" smtClean="0">
+                          <a:ln>
+                            <a:solidFill>
+                              <a:schemeClr val="bg1"/>
+                            </a:solidFill>
+                          </a:ln>
+                          <a:solidFill>
+                            <a:schemeClr val="accent6">
+                              <a:lumMod val="60000"/>
+                              <a:lumOff val="40000"/>
+                            </a:schemeClr>
+                          </a:solidFill>
+                        </a:rPr>
+                        <a:t>112</a:t>
+                      </a:r>
+                      <a:endParaRPr lang="en-US" dirty="0">
+                        <a:ln>
+                          <a:solidFill>
+                            <a:schemeClr val="bg1"/>
+                          </a:solidFill>
+                        </a:ln>
+                        <a:solidFill>
+                          <a:schemeClr val="accent6">
+                            <a:lumMod val="60000"/>
+                            <a:lumOff val="40000"/>
+                          </a:schemeClr>
+                        </a:solidFill>
+                      </a:endParaRPr>
+                    </a:p>
+                  </a:txBody>
+                  <a:tcPr anchor="ctr">
+                    <a:lnL w="12700" cap="flat" cmpd="sng" algn="ctr">
+                      <a:solidFill>
+                        <a:schemeClr val="accent6">
+                          <a:lumMod val="60000"/>
+                          <a:lumOff val="40000"/>
+                        </a:schemeClr>
+                      </a:solidFill>
+                      <a:prstDash val="solid"/>
+                      <a:round/>
+                      <a:headEnd type="none" w="med" len="med"/>
+                      <a:tailEnd type="none" w="med" len="med"/>
+                    </a:lnL>
+                    <a:lnR w="12700" cap="flat" cmpd="sng" algn="ctr">
+                      <a:solidFill>
+                        <a:schemeClr val="accent6">
+                          <a:lumMod val="60000"/>
+                          <a:lumOff val="40000"/>
+                        </a:schemeClr>
+                      </a:solidFill>
+                      <a:prstDash val="solid"/>
+                      <a:round/>
+                      <a:headEnd type="none" w="med" len="med"/>
+                      <a:tailEnd type="none" w="med" len="med"/>
+                    </a:lnR>
+                    <a:lnT w="12700" cap="flat" cmpd="sng" algn="ctr">
+                      <a:solidFill>
+                        <a:schemeClr val="accent6">
+                          <a:lumMod val="60000"/>
+                          <a:lumOff val="40000"/>
+                        </a:schemeClr>
+                      </a:solidFill>
+                      <a:prstDash val="solid"/>
+                      <a:round/>
+                      <a:headEnd type="none" w="med" len="med"/>
+                      <a:tailEnd type="none" w="med" len="med"/>
+                    </a:lnT>
+                    <a:lnB w="12700" cap="flat" cmpd="sng" algn="ctr">
+                      <a:solidFill>
+                        <a:schemeClr val="accent6">
+                          <a:lumMod val="60000"/>
+                          <a:lumOff val="40000"/>
+                        </a:schemeClr>
+                      </a:solidFill>
+                      <a:prstDash val="solid"/>
+                      <a:round/>
+                      <a:headEnd type="none" w="med" len="med"/>
+                      <a:tailEnd type="none" w="med" len="med"/>
+                    </a:lnB>
+                    <a:lnTlToBr w="12700" cmpd="sng">
+                      <a:noFill/>
+                      <a:prstDash val="solid"/>
+                    </a:lnTlToBr>
+                    <a:lnBlToTr w="12700" cmpd="sng">
+                      <a:noFill/>
+                      <a:prstDash val="solid"/>
+                    </a:lnBlToTr>
+                    <a:solidFill>
+                      <a:schemeClr val="tx2"/>
+                    </a:solidFill>
+                  </a:tcPr>
+                </a:tc>
+                <a:extLst>
+                  <a:ext uri="{0D108BD9-81ED-4DB2-BD59-A6C34878D82A}">
+                    <a16:rowId xmlns:a16="http://schemas.microsoft.com/office/drawing/2014/main" val="3450723913"/>
+                  </a:ext>
+                </a:extLst>
+              </a:tr>
+            </a:tbl>
+          </a:graphicData>
+        </a:graphic>
+      </p:graphicFrame>
+      <p:cxnSp>
+        <p:nvCxnSpPr>
+          <p:cNvPr id="9" name="Straight Connector 8"/>
+          <p:cNvCxnSpPr/>
+          <p:nvPr/>
+        </p:nvCxnSpPr>
+        <p:spPr>
+          <a:xfrm>
+            <a:off x="5868984" y="2597727"/>
+            <a:ext cx="0" cy="2265216"/>
+          </a:xfrm>
+          <a:prstGeom prst="line">
+            <a:avLst/>
+          </a:prstGeom>
+        </p:spPr>
+        <p:style>
+          <a:lnRef idx="3">
+            <a:schemeClr val="accent4"/>
+          </a:lnRef>
+          <a:fillRef idx="0">
+            <a:schemeClr val="accent4"/>
+          </a:fillRef>
+          <a:effectRef idx="2">
+            <a:schemeClr val="accent4"/>
+          </a:effectRef>
+          <a:fontRef idx="minor">
+            <a:schemeClr val="tx1"/>
+          </a:fontRef>
+        </p:style>
+      </p:cxnSp>
+      <p:graphicFrame>
+        <p:nvGraphicFramePr>
+          <p:cNvPr id="12" name="Table 11"/>
+          <p:cNvGraphicFramePr>
+            <a:graphicFrameLocks noGrp="1"/>
+          </p:cNvGraphicFramePr>
+          <p:nvPr>
+            <p:extLst>
+              <p:ext uri="{D42A27DB-BD31-4B8C-83A1-F6EECF244321}">
+                <p14:modId xmlns:p14="http://schemas.microsoft.com/office/powerpoint/2010/main" val="4241686567"/>
+              </p:ext>
+            </p:extLst>
+          </p:nvPr>
+        </p:nvGraphicFramePr>
+        <p:xfrm>
+          <a:off x="6224632" y="2597727"/>
+          <a:ext cx="2481552" cy="2265216"/>
+        </p:xfrm>
+        <a:graphic>
+          <a:graphicData uri="http://schemas.openxmlformats.org/drawingml/2006/table">
+            <a:tbl>
+              <a:tblPr firstRow="1" bandRow="1">
+                <a:tableStyleId>{5940675A-B579-460E-94D1-54222C63F5DA}</a:tableStyleId>
+              </a:tblPr>
+              <a:tblGrid>
+                <a:gridCol w="620388">
+                  <a:extLst>
+                    <a:ext uri="{9D8B030D-6E8A-4147-A177-3AD203B41FA5}">
+                      <a16:colId xmlns:a16="http://schemas.microsoft.com/office/drawing/2014/main" val="1695102178"/>
+                    </a:ext>
+                  </a:extLst>
+                </a:gridCol>
+                <a:gridCol w="620388">
+                  <a:extLst>
+                    <a:ext uri="{9D8B030D-6E8A-4147-A177-3AD203B41FA5}">
+                      <a16:colId xmlns:a16="http://schemas.microsoft.com/office/drawing/2014/main" val="1933516619"/>
+                    </a:ext>
+                  </a:extLst>
+                </a:gridCol>
+                <a:gridCol w="620388">
+                  <a:extLst>
+                    <a:ext uri="{9D8B030D-6E8A-4147-A177-3AD203B41FA5}">
+                      <a16:colId xmlns:a16="http://schemas.microsoft.com/office/drawing/2014/main" val="651864567"/>
+                    </a:ext>
+                  </a:extLst>
+                </a:gridCol>
+                <a:gridCol w="620388">
+                  <a:extLst>
+                    <a:ext uri="{9D8B030D-6E8A-4147-A177-3AD203B41FA5}">
+                      <a16:colId xmlns:a16="http://schemas.microsoft.com/office/drawing/2014/main" val="3372922170"/>
+                    </a:ext>
+                  </a:extLst>
+                </a:gridCol>
+              </a:tblGrid>
+              <a:tr h="566304">
+                <a:tc>
+                  <a:txBody>
+                    <a:bodyPr/>
+                    <a:lstStyle/>
+                    <a:p>
+                      <a:pPr algn="ctr"/>
+                      <a:r>
+                        <a:rPr lang="fa-IR" dirty="0" smtClean="0">
+                          <a:ln>
+                            <a:solidFill>
+                              <a:schemeClr val="bg1"/>
+                            </a:solidFill>
+                          </a:ln>
+                          <a:solidFill>
+                            <a:schemeClr val="accent6">
+                              <a:lumMod val="60000"/>
+                              <a:lumOff val="40000"/>
+                            </a:schemeClr>
+                          </a:solidFill>
+                        </a:rPr>
+                        <a:t>46</a:t>
+                      </a:r>
+                      <a:endParaRPr lang="en-US" dirty="0">
+                        <a:ln>
+                          <a:solidFill>
+                            <a:schemeClr val="bg1"/>
+                          </a:solidFill>
+                        </a:ln>
+                        <a:solidFill>
+                          <a:schemeClr val="accent6">
+                            <a:lumMod val="60000"/>
+                            <a:lumOff val="40000"/>
+                          </a:schemeClr>
+                        </a:solidFill>
+                      </a:endParaRPr>
+                    </a:p>
+                  </a:txBody>
+                  <a:tcPr anchor="ctr">
+                    <a:lnL w="12700" cap="flat" cmpd="sng" algn="ctr">
+                      <a:solidFill>
+                        <a:schemeClr val="accent6">
+                          <a:lumMod val="60000"/>
+                          <a:lumOff val="40000"/>
+                        </a:schemeClr>
+                      </a:solidFill>
+                      <a:prstDash val="solid"/>
+                      <a:round/>
+                      <a:headEnd type="none" w="med" len="med"/>
+                      <a:tailEnd type="none" w="med" len="med"/>
+                    </a:lnL>
+                    <a:lnR w="12700" cap="flat" cmpd="sng" algn="ctr">
+                      <a:solidFill>
+                        <a:schemeClr val="accent6">
+                          <a:lumMod val="60000"/>
+                          <a:lumOff val="40000"/>
+                        </a:schemeClr>
+                      </a:solidFill>
+                      <a:prstDash val="solid"/>
+                      <a:round/>
+                      <a:headEnd type="none" w="med" len="med"/>
+                      <a:tailEnd type="none" w="med" len="med"/>
+                    </a:lnR>
+                    <a:lnT w="12700" cap="flat" cmpd="sng" algn="ctr">
+                      <a:solidFill>
+                        <a:schemeClr val="accent6">
+                          <a:lumMod val="60000"/>
+                          <a:lumOff val="40000"/>
+                        </a:schemeClr>
+                      </a:solidFill>
+                      <a:prstDash val="solid"/>
+                      <a:round/>
+                      <a:headEnd type="none" w="med" len="med"/>
+                      <a:tailEnd type="none" w="med" len="med"/>
+                    </a:lnT>
+                    <a:lnB w="12700" cap="flat" cmpd="sng" algn="ctr">
+                      <a:solidFill>
+                        <a:schemeClr val="accent6">
+                          <a:lumMod val="60000"/>
+                          <a:lumOff val="40000"/>
+                        </a:schemeClr>
+                      </a:solidFill>
+                      <a:prstDash val="solid"/>
+                      <a:round/>
+                      <a:headEnd type="none" w="med" len="med"/>
+                      <a:tailEnd type="none" w="med" len="med"/>
+                    </a:lnB>
+                    <a:lnTlToBr w="12700" cmpd="sng">
+                      <a:noFill/>
+                      <a:prstDash val="solid"/>
+                    </a:lnTlToBr>
+                    <a:lnBlToTr w="12700" cmpd="sng">
+                      <a:noFill/>
+                      <a:prstDash val="solid"/>
+                    </a:lnBlToTr>
+                    <a:solidFill>
+                      <a:schemeClr val="tx2"/>
+                    </a:solidFill>
+                  </a:tcPr>
+                </a:tc>
+                <a:tc>
+                  <a:txBody>
+                    <a:bodyPr/>
+                    <a:lstStyle/>
+                    <a:p>
+                      <a:pPr algn="ctr"/>
+                      <a:r>
+                        <a:rPr lang="fa-IR" dirty="0" smtClean="0">
+                          <a:ln>
+                            <a:solidFill>
+                              <a:schemeClr val="bg1"/>
+                            </a:solidFill>
+                          </a:ln>
+                          <a:solidFill>
+                            <a:schemeClr val="accent6">
+                              <a:lumMod val="60000"/>
+                              <a:lumOff val="40000"/>
+                            </a:schemeClr>
+                          </a:solidFill>
+                        </a:rPr>
+                        <a:t>12</a:t>
+                      </a:r>
+                      <a:endParaRPr lang="en-US" dirty="0">
+                        <a:ln>
+                          <a:solidFill>
+                            <a:schemeClr val="bg1"/>
+                          </a:solidFill>
+                        </a:ln>
+                        <a:solidFill>
+                          <a:schemeClr val="accent6">
+                            <a:lumMod val="60000"/>
+                            <a:lumOff val="40000"/>
+                          </a:schemeClr>
+                        </a:solidFill>
+                      </a:endParaRPr>
+                    </a:p>
+                  </a:txBody>
+                  <a:tcPr anchor="ctr">
+                    <a:lnL w="12700" cap="flat" cmpd="sng" algn="ctr">
+                      <a:solidFill>
+                        <a:schemeClr val="accent6">
+                          <a:lumMod val="60000"/>
+                          <a:lumOff val="40000"/>
+                        </a:schemeClr>
+                      </a:solidFill>
+                      <a:prstDash val="solid"/>
+                      <a:round/>
+                      <a:headEnd type="none" w="med" len="med"/>
+                      <a:tailEnd type="none" w="med" len="med"/>
+                    </a:lnL>
+                    <a:lnR w="12700" cap="flat" cmpd="sng" algn="ctr">
+                      <a:solidFill>
+                        <a:schemeClr val="accent6">
+                          <a:lumMod val="60000"/>
+                          <a:lumOff val="40000"/>
+                        </a:schemeClr>
+                      </a:solidFill>
+                      <a:prstDash val="solid"/>
+                      <a:round/>
+                      <a:headEnd type="none" w="med" len="med"/>
+                      <a:tailEnd type="none" w="med" len="med"/>
+                    </a:lnR>
+                    <a:lnT w="12700" cap="flat" cmpd="sng" algn="ctr">
+                      <a:solidFill>
+                        <a:schemeClr val="accent6">
+                          <a:lumMod val="60000"/>
+                          <a:lumOff val="40000"/>
+                        </a:schemeClr>
+                      </a:solidFill>
+                      <a:prstDash val="solid"/>
+                      <a:round/>
+                      <a:headEnd type="none" w="med" len="med"/>
+                      <a:tailEnd type="none" w="med" len="med"/>
+                    </a:lnT>
+                    <a:lnB w="12700" cap="flat" cmpd="sng" algn="ctr">
+                      <a:solidFill>
+                        <a:schemeClr val="accent6">
+                          <a:lumMod val="60000"/>
+                          <a:lumOff val="40000"/>
+                        </a:schemeClr>
+                      </a:solidFill>
+                      <a:prstDash val="solid"/>
+                      <a:round/>
+                      <a:headEnd type="none" w="med" len="med"/>
+                      <a:tailEnd type="none" w="med" len="med"/>
+                    </a:lnB>
+                    <a:lnTlToBr w="12700" cmpd="sng">
+                      <a:noFill/>
+                      <a:prstDash val="solid"/>
+                    </a:lnTlToBr>
+                    <a:lnBlToTr w="12700" cmpd="sng">
+                      <a:noFill/>
+                      <a:prstDash val="solid"/>
+                    </a:lnBlToTr>
+                    <a:solidFill>
+                      <a:schemeClr val="tx2"/>
+                    </a:solidFill>
+                  </a:tcPr>
+                </a:tc>
+                <a:tc>
+                  <a:txBody>
+                    <a:bodyPr/>
+                    <a:lstStyle/>
+                    <a:p>
+                      <a:pPr algn="ctr"/>
+                      <a:r>
+                        <a:rPr lang="fa-IR" dirty="0" smtClean="0">
+                          <a:ln>
+                            <a:solidFill>
+                              <a:schemeClr val="bg1"/>
+                            </a:solidFill>
+                          </a:ln>
+                          <a:solidFill>
+                            <a:schemeClr val="accent6">
+                              <a:lumMod val="60000"/>
+                              <a:lumOff val="40000"/>
+                            </a:schemeClr>
+                          </a:solidFill>
+                        </a:rPr>
+                        <a:t>14</a:t>
+                      </a:r>
+                      <a:endParaRPr lang="en-US" dirty="0">
+                        <a:ln>
+                          <a:solidFill>
+                            <a:schemeClr val="bg1"/>
+                          </a:solidFill>
+                        </a:ln>
+                        <a:solidFill>
+                          <a:schemeClr val="accent6">
+                            <a:lumMod val="60000"/>
+                            <a:lumOff val="40000"/>
+                          </a:schemeClr>
+                        </a:solidFill>
+                      </a:endParaRPr>
+                    </a:p>
+                  </a:txBody>
+                  <a:tcPr anchor="ctr">
+                    <a:lnL w="12700" cap="flat" cmpd="sng" algn="ctr">
+                      <a:solidFill>
+                        <a:schemeClr val="accent6">
+                          <a:lumMod val="60000"/>
+                          <a:lumOff val="40000"/>
+                        </a:schemeClr>
+                      </a:solidFill>
+                      <a:prstDash val="solid"/>
+                      <a:round/>
+                      <a:headEnd type="none" w="med" len="med"/>
+                      <a:tailEnd type="none" w="med" len="med"/>
+                    </a:lnL>
+                    <a:lnR w="12700" cap="flat" cmpd="sng" algn="ctr">
+                      <a:solidFill>
+                        <a:schemeClr val="accent6">
+                          <a:lumMod val="60000"/>
+                          <a:lumOff val="40000"/>
+                        </a:schemeClr>
+                      </a:solidFill>
+                      <a:prstDash val="solid"/>
+                      <a:round/>
+                      <a:headEnd type="none" w="med" len="med"/>
+                      <a:tailEnd type="none" w="med" len="med"/>
+                    </a:lnR>
+                    <a:lnT w="12700" cap="flat" cmpd="sng" algn="ctr">
+                      <a:solidFill>
+                        <a:schemeClr val="accent6">
+                          <a:lumMod val="60000"/>
+                          <a:lumOff val="40000"/>
+                        </a:schemeClr>
+                      </a:solidFill>
+                      <a:prstDash val="solid"/>
+                      <a:round/>
+                      <a:headEnd type="none" w="med" len="med"/>
+                      <a:tailEnd type="none" w="med" len="med"/>
+                    </a:lnT>
+                    <a:lnB w="12700" cap="flat" cmpd="sng" algn="ctr">
+                      <a:solidFill>
+                        <a:schemeClr val="accent6">
+                          <a:lumMod val="60000"/>
+                          <a:lumOff val="40000"/>
+                        </a:schemeClr>
+                      </a:solidFill>
+                      <a:prstDash val="solid"/>
+                      <a:round/>
+                      <a:headEnd type="none" w="med" len="med"/>
+                      <a:tailEnd type="none" w="med" len="med"/>
+                    </a:lnB>
+                    <a:lnTlToBr w="12700" cmpd="sng">
+                      <a:noFill/>
+                      <a:prstDash val="solid"/>
+                    </a:lnTlToBr>
+                    <a:lnBlToTr w="12700" cmpd="sng">
+                      <a:noFill/>
+                      <a:prstDash val="solid"/>
+                    </a:lnBlToTr>
+                    <a:solidFill>
+                      <a:schemeClr val="tx2"/>
+                    </a:solidFill>
+                  </a:tcPr>
+                </a:tc>
+                <a:tc>
+                  <a:txBody>
+                    <a:bodyPr/>
+                    <a:lstStyle/>
+                    <a:p>
+                      <a:pPr algn="ctr"/>
+                      <a:r>
+                        <a:rPr lang="fa-IR" dirty="0" smtClean="0">
+                          <a:ln>
+                            <a:solidFill>
+                              <a:schemeClr val="bg1"/>
+                            </a:solidFill>
+                          </a:ln>
+                          <a:solidFill>
+                            <a:schemeClr val="accent6">
+                              <a:lumMod val="60000"/>
+                              <a:lumOff val="40000"/>
+                            </a:schemeClr>
+                          </a:solidFill>
+                        </a:rPr>
+                        <a:t>1</a:t>
+                      </a:r>
+                      <a:endParaRPr lang="en-US" dirty="0">
+                        <a:ln>
+                          <a:solidFill>
+                            <a:schemeClr val="bg1"/>
+                          </a:solidFill>
+                        </a:ln>
+                        <a:solidFill>
+                          <a:schemeClr val="accent6">
+                            <a:lumMod val="60000"/>
+                            <a:lumOff val="40000"/>
+                          </a:schemeClr>
+                        </a:solidFill>
+                      </a:endParaRPr>
+                    </a:p>
+                  </a:txBody>
+                  <a:tcPr anchor="ctr">
+                    <a:lnL w="12700" cap="flat" cmpd="sng" algn="ctr">
+                      <a:solidFill>
+                        <a:schemeClr val="accent6">
+                          <a:lumMod val="60000"/>
+                          <a:lumOff val="40000"/>
+                        </a:schemeClr>
+                      </a:solidFill>
+                      <a:prstDash val="solid"/>
+                      <a:round/>
+                      <a:headEnd type="none" w="med" len="med"/>
+                      <a:tailEnd type="none" w="med" len="med"/>
+                    </a:lnL>
+                    <a:lnR w="12700" cap="flat" cmpd="sng" algn="ctr">
+                      <a:solidFill>
+                        <a:schemeClr val="accent6">
+                          <a:lumMod val="60000"/>
+                          <a:lumOff val="40000"/>
+                        </a:schemeClr>
+                      </a:solidFill>
+                      <a:prstDash val="solid"/>
+                      <a:round/>
+                      <a:headEnd type="none" w="med" len="med"/>
+                      <a:tailEnd type="none" w="med" len="med"/>
+                    </a:lnR>
+                    <a:lnT w="12700" cap="flat" cmpd="sng" algn="ctr">
+                      <a:solidFill>
+                        <a:schemeClr val="accent6">
+                          <a:lumMod val="60000"/>
+                          <a:lumOff val="40000"/>
+                        </a:schemeClr>
+                      </a:solidFill>
+                      <a:prstDash val="solid"/>
+                      <a:round/>
+                      <a:headEnd type="none" w="med" len="med"/>
+                      <a:tailEnd type="none" w="med" len="med"/>
+                    </a:lnT>
+                    <a:lnB w="12700" cap="flat" cmpd="sng" algn="ctr">
+                      <a:solidFill>
+                        <a:schemeClr val="accent6">
+                          <a:lumMod val="60000"/>
+                          <a:lumOff val="40000"/>
+                        </a:schemeClr>
+                      </a:solidFill>
+                      <a:prstDash val="solid"/>
+                      <a:round/>
+                      <a:headEnd type="none" w="med" len="med"/>
+                      <a:tailEnd type="none" w="med" len="med"/>
+                    </a:lnB>
+                    <a:lnTlToBr w="12700" cmpd="sng">
+                      <a:noFill/>
+                      <a:prstDash val="solid"/>
+                    </a:lnTlToBr>
+                    <a:lnBlToTr w="12700" cmpd="sng">
+                      <a:noFill/>
+                      <a:prstDash val="solid"/>
+                    </a:lnBlToTr>
+                    <a:solidFill>
+                      <a:schemeClr val="tx2"/>
+                    </a:solidFill>
+                  </a:tcPr>
+                </a:tc>
+                <a:extLst>
+                  <a:ext uri="{0D108BD9-81ED-4DB2-BD59-A6C34878D82A}">
+                    <a16:rowId xmlns:a16="http://schemas.microsoft.com/office/drawing/2014/main" val="384331260"/>
+                  </a:ext>
+                </a:extLst>
+              </a:tr>
+              <a:tr h="566304">
+                <a:tc>
+                  <a:txBody>
+                    <a:bodyPr/>
+                    <a:lstStyle/>
+                    <a:p>
+                      <a:pPr algn="ctr"/>
+                      <a:r>
+                        <a:rPr lang="fa-IR" dirty="0" smtClean="0">
+                          <a:ln>
+                            <a:solidFill>
+                              <a:schemeClr val="bg1"/>
+                            </a:solidFill>
+                          </a:ln>
+                          <a:solidFill>
+                            <a:schemeClr val="accent6">
+                              <a:lumMod val="60000"/>
+                              <a:lumOff val="40000"/>
+                            </a:schemeClr>
+                          </a:solidFill>
+                        </a:rPr>
+                        <a:t>82</a:t>
+                      </a:r>
+                      <a:endParaRPr lang="en-US" dirty="0">
+                        <a:ln>
+                          <a:solidFill>
+                            <a:schemeClr val="bg1"/>
+                          </a:solidFill>
+                        </a:ln>
+                        <a:solidFill>
+                          <a:schemeClr val="accent6">
+                            <a:lumMod val="60000"/>
+                            <a:lumOff val="40000"/>
+                          </a:schemeClr>
+                        </a:solidFill>
+                      </a:endParaRPr>
+                    </a:p>
+                  </a:txBody>
+                  <a:tcPr anchor="ctr">
+                    <a:lnL w="12700" cap="flat" cmpd="sng" algn="ctr">
+                      <a:solidFill>
+                        <a:schemeClr val="accent6">
+                          <a:lumMod val="60000"/>
+                          <a:lumOff val="40000"/>
+                        </a:schemeClr>
+                      </a:solidFill>
+                      <a:prstDash val="solid"/>
+                      <a:round/>
+                      <a:headEnd type="none" w="med" len="med"/>
+                      <a:tailEnd type="none" w="med" len="med"/>
+                    </a:lnL>
+                    <a:lnR w="12700" cap="flat" cmpd="sng" algn="ctr">
+                      <a:solidFill>
+                        <a:schemeClr val="accent6">
+                          <a:lumMod val="60000"/>
+                          <a:lumOff val="40000"/>
+                        </a:schemeClr>
+                      </a:solidFill>
+                      <a:prstDash val="solid"/>
+                      <a:round/>
+                      <a:headEnd type="none" w="med" len="med"/>
+                      <a:tailEnd type="none" w="med" len="med"/>
+                    </a:lnR>
+                    <a:lnT w="12700" cap="flat" cmpd="sng" algn="ctr">
+                      <a:solidFill>
+                        <a:schemeClr val="accent6">
+                          <a:lumMod val="60000"/>
+                          <a:lumOff val="40000"/>
+                        </a:schemeClr>
+                      </a:solidFill>
+                      <a:prstDash val="solid"/>
+                      <a:round/>
+                      <a:headEnd type="none" w="med" len="med"/>
+                      <a:tailEnd type="none" w="med" len="med"/>
+                    </a:lnT>
+                    <a:lnB w="12700" cap="flat" cmpd="sng" algn="ctr">
+                      <a:solidFill>
+                        <a:schemeClr val="accent6">
+                          <a:lumMod val="60000"/>
+                          <a:lumOff val="40000"/>
+                        </a:schemeClr>
+                      </a:solidFill>
+                      <a:prstDash val="solid"/>
+                      <a:round/>
+                      <a:headEnd type="none" w="med" len="med"/>
+                      <a:tailEnd type="none" w="med" len="med"/>
+                    </a:lnB>
+                    <a:lnTlToBr w="12700" cmpd="sng">
+                      <a:noFill/>
+                      <a:prstDash val="solid"/>
+                    </a:lnTlToBr>
+                    <a:lnBlToTr w="12700" cmpd="sng">
+                      <a:noFill/>
+                      <a:prstDash val="solid"/>
+                    </a:lnBlToTr>
+                    <a:solidFill>
+                      <a:schemeClr val="tx2"/>
+                    </a:solidFill>
+                  </a:tcPr>
+                </a:tc>
+                <a:tc>
+                  <a:txBody>
+                    <a:bodyPr/>
+                    <a:lstStyle/>
+                    <a:p>
+                      <a:pPr algn="ctr"/>
+                      <a:r>
+                        <a:rPr lang="fa-IR" dirty="0" smtClean="0">
+                          <a:ln>
+                            <a:solidFill>
+                              <a:schemeClr val="bg1"/>
+                            </a:solidFill>
+                          </a:ln>
+                          <a:solidFill>
+                            <a:schemeClr val="accent6">
+                              <a:lumMod val="60000"/>
+                              <a:lumOff val="40000"/>
+                            </a:schemeClr>
+                          </a:solidFill>
+                        </a:rPr>
+                        <a:t>13</a:t>
+                      </a:r>
+                      <a:endParaRPr lang="en-US" dirty="0">
+                        <a:ln>
+                          <a:solidFill>
+                            <a:schemeClr val="bg1"/>
+                          </a:solidFill>
+                        </a:ln>
+                        <a:solidFill>
+                          <a:schemeClr val="accent6">
+                            <a:lumMod val="60000"/>
+                            <a:lumOff val="40000"/>
+                          </a:schemeClr>
+                        </a:solidFill>
+                      </a:endParaRPr>
+                    </a:p>
+                  </a:txBody>
+                  <a:tcPr anchor="ctr">
+                    <a:lnL w="12700" cap="flat" cmpd="sng" algn="ctr">
+                      <a:solidFill>
+                        <a:schemeClr val="accent6">
+                          <a:lumMod val="60000"/>
+                          <a:lumOff val="40000"/>
+                        </a:schemeClr>
+                      </a:solidFill>
+                      <a:prstDash val="solid"/>
+                      <a:round/>
+                      <a:headEnd type="none" w="med" len="med"/>
+                      <a:tailEnd type="none" w="med" len="med"/>
+                    </a:lnL>
+                    <a:lnR w="12700" cap="flat" cmpd="sng" algn="ctr">
+                      <a:solidFill>
+                        <a:schemeClr val="accent6">
+                          <a:lumMod val="60000"/>
+                          <a:lumOff val="40000"/>
+                        </a:schemeClr>
+                      </a:solidFill>
+                      <a:prstDash val="solid"/>
+                      <a:round/>
+                      <a:headEnd type="none" w="med" len="med"/>
+                      <a:tailEnd type="none" w="med" len="med"/>
+                    </a:lnR>
+                    <a:lnT w="12700" cap="flat" cmpd="sng" algn="ctr">
+                      <a:solidFill>
+                        <a:schemeClr val="accent6">
+                          <a:lumMod val="60000"/>
+                          <a:lumOff val="40000"/>
+                        </a:schemeClr>
+                      </a:solidFill>
+                      <a:prstDash val="solid"/>
+                      <a:round/>
+                      <a:headEnd type="none" w="med" len="med"/>
+                      <a:tailEnd type="none" w="med" len="med"/>
+                    </a:lnT>
+                    <a:lnB w="12700" cap="flat" cmpd="sng" algn="ctr">
+                      <a:solidFill>
+                        <a:schemeClr val="accent6">
+                          <a:lumMod val="60000"/>
+                          <a:lumOff val="40000"/>
+                        </a:schemeClr>
+                      </a:solidFill>
+                      <a:prstDash val="solid"/>
+                      <a:round/>
+                      <a:headEnd type="none" w="med" len="med"/>
+                      <a:tailEnd type="none" w="med" len="med"/>
+                    </a:lnB>
+                    <a:lnTlToBr w="12700" cmpd="sng">
+                      <a:noFill/>
+                      <a:prstDash val="solid"/>
+                    </a:lnTlToBr>
+                    <a:lnBlToTr w="12700" cmpd="sng">
+                      <a:noFill/>
+                      <a:prstDash val="solid"/>
+                    </a:lnBlToTr>
+                    <a:solidFill>
+                      <a:schemeClr val="tx2"/>
+                    </a:solidFill>
+                  </a:tcPr>
+                </a:tc>
+                <a:tc>
+                  <a:txBody>
+                    <a:bodyPr/>
+                    <a:lstStyle/>
+                    <a:p>
+                      <a:pPr algn="ctr"/>
+                      <a:r>
+                        <a:rPr lang="fa-IR" dirty="0" smtClean="0">
+                          <a:ln>
+                            <a:solidFill>
+                              <a:schemeClr val="bg1"/>
+                            </a:solidFill>
+                          </a:ln>
+                          <a:solidFill>
+                            <a:schemeClr val="accent6">
+                              <a:lumMod val="60000"/>
+                              <a:lumOff val="40000"/>
+                            </a:schemeClr>
+                          </a:solidFill>
+                        </a:rPr>
+                        <a:t>39</a:t>
+                      </a:r>
+                      <a:endParaRPr lang="en-US" dirty="0">
+                        <a:ln>
+                          <a:solidFill>
+                            <a:schemeClr val="bg1"/>
+                          </a:solidFill>
+                        </a:ln>
+                        <a:solidFill>
+                          <a:schemeClr val="accent6">
+                            <a:lumMod val="60000"/>
+                            <a:lumOff val="40000"/>
+                          </a:schemeClr>
+                        </a:solidFill>
+                      </a:endParaRPr>
+                    </a:p>
+                  </a:txBody>
+                  <a:tcPr anchor="ctr">
+                    <a:lnL w="12700" cap="flat" cmpd="sng" algn="ctr">
+                      <a:solidFill>
+                        <a:schemeClr val="accent6">
+                          <a:lumMod val="60000"/>
+                          <a:lumOff val="40000"/>
+                        </a:schemeClr>
+                      </a:solidFill>
+                      <a:prstDash val="solid"/>
+                      <a:round/>
+                      <a:headEnd type="none" w="med" len="med"/>
+                      <a:tailEnd type="none" w="med" len="med"/>
+                    </a:lnL>
+                    <a:lnR w="12700" cap="flat" cmpd="sng" algn="ctr">
+                      <a:solidFill>
+                        <a:schemeClr val="accent6">
+                          <a:lumMod val="60000"/>
+                          <a:lumOff val="40000"/>
+                        </a:schemeClr>
+                      </a:solidFill>
+                      <a:prstDash val="solid"/>
+                      <a:round/>
+                      <a:headEnd type="none" w="med" len="med"/>
+                      <a:tailEnd type="none" w="med" len="med"/>
+                    </a:lnR>
+                    <a:lnT w="12700" cap="flat" cmpd="sng" algn="ctr">
+                      <a:solidFill>
+                        <a:schemeClr val="accent6">
+                          <a:lumMod val="60000"/>
+                          <a:lumOff val="40000"/>
+                        </a:schemeClr>
+                      </a:solidFill>
+                      <a:prstDash val="solid"/>
+                      <a:round/>
+                      <a:headEnd type="none" w="med" len="med"/>
+                      <a:tailEnd type="none" w="med" len="med"/>
+                    </a:lnT>
+                    <a:lnB w="12700" cap="flat" cmpd="sng" algn="ctr">
+                      <a:solidFill>
+                        <a:schemeClr val="accent6">
+                          <a:lumMod val="60000"/>
+                          <a:lumOff val="40000"/>
+                        </a:schemeClr>
+                      </a:solidFill>
+                      <a:prstDash val="solid"/>
+                      <a:round/>
+                      <a:headEnd type="none" w="med" len="med"/>
+                      <a:tailEnd type="none" w="med" len="med"/>
+                    </a:lnB>
+                    <a:lnTlToBr w="12700" cmpd="sng">
+                      <a:noFill/>
+                      <a:prstDash val="solid"/>
+                    </a:lnTlToBr>
+                    <a:lnBlToTr w="12700" cmpd="sng">
+                      <a:noFill/>
+                      <a:prstDash val="solid"/>
+                    </a:lnBlToTr>
+                    <a:solidFill>
+                      <a:schemeClr val="tx2"/>
+                    </a:solidFill>
+                  </a:tcPr>
+                </a:tc>
+                <a:tc>
+                  <a:txBody>
+                    <a:bodyPr/>
+                    <a:lstStyle/>
+                    <a:p>
+                      <a:pPr algn="ctr"/>
+                      <a:r>
+                        <a:rPr lang="fa-IR" dirty="0" smtClean="0">
+                          <a:ln>
+                            <a:solidFill>
+                              <a:schemeClr val="bg1"/>
+                            </a:solidFill>
+                          </a:ln>
+                          <a:solidFill>
+                            <a:schemeClr val="accent6">
+                              <a:lumMod val="60000"/>
+                              <a:lumOff val="40000"/>
+                            </a:schemeClr>
+                          </a:solidFill>
+                        </a:rPr>
+                        <a:t>33</a:t>
+                      </a:r>
+                      <a:endParaRPr lang="en-US" dirty="0">
+                        <a:ln>
+                          <a:solidFill>
+                            <a:schemeClr val="bg1"/>
+                          </a:solidFill>
+                        </a:ln>
+                        <a:solidFill>
+                          <a:schemeClr val="accent6">
+                            <a:lumMod val="60000"/>
+                            <a:lumOff val="40000"/>
+                          </a:schemeClr>
+                        </a:solidFill>
+                      </a:endParaRPr>
+                    </a:p>
+                  </a:txBody>
+                  <a:tcPr anchor="ctr">
+                    <a:lnL w="12700" cap="flat" cmpd="sng" algn="ctr">
+                      <a:solidFill>
+                        <a:schemeClr val="accent6">
+                          <a:lumMod val="60000"/>
+                          <a:lumOff val="40000"/>
+                        </a:schemeClr>
+                      </a:solidFill>
+                      <a:prstDash val="solid"/>
+                      <a:round/>
+                      <a:headEnd type="none" w="med" len="med"/>
+                      <a:tailEnd type="none" w="med" len="med"/>
+                    </a:lnL>
+                    <a:lnR w="12700" cap="flat" cmpd="sng" algn="ctr">
+                      <a:solidFill>
+                        <a:schemeClr val="accent6">
+                          <a:lumMod val="60000"/>
+                          <a:lumOff val="40000"/>
+                        </a:schemeClr>
+                      </a:solidFill>
+                      <a:prstDash val="solid"/>
+                      <a:round/>
+                      <a:headEnd type="none" w="med" len="med"/>
+                      <a:tailEnd type="none" w="med" len="med"/>
+                    </a:lnR>
+                    <a:lnT w="12700" cap="flat" cmpd="sng" algn="ctr">
+                      <a:solidFill>
+                        <a:schemeClr val="accent6">
+                          <a:lumMod val="60000"/>
+                          <a:lumOff val="40000"/>
+                        </a:schemeClr>
+                      </a:solidFill>
+                      <a:prstDash val="solid"/>
+                      <a:round/>
+                      <a:headEnd type="none" w="med" len="med"/>
+                      <a:tailEnd type="none" w="med" len="med"/>
+                    </a:lnT>
+                    <a:lnB w="12700" cap="flat" cmpd="sng" algn="ctr">
+                      <a:solidFill>
+                        <a:schemeClr val="accent6">
+                          <a:lumMod val="60000"/>
+                          <a:lumOff val="40000"/>
+                        </a:schemeClr>
+                      </a:solidFill>
+                      <a:prstDash val="solid"/>
+                      <a:round/>
+                      <a:headEnd type="none" w="med" len="med"/>
+                      <a:tailEnd type="none" w="med" len="med"/>
+                    </a:lnB>
+                    <a:lnTlToBr w="12700" cmpd="sng">
+                      <a:noFill/>
+                      <a:prstDash val="solid"/>
+                    </a:lnTlToBr>
+                    <a:lnBlToTr w="12700" cmpd="sng">
+                      <a:noFill/>
+                      <a:prstDash val="solid"/>
+                    </a:lnBlToTr>
+                    <a:solidFill>
+                      <a:schemeClr val="tx2"/>
+                    </a:solidFill>
+                  </a:tcPr>
+                </a:tc>
+                <a:extLst>
+                  <a:ext uri="{0D108BD9-81ED-4DB2-BD59-A6C34878D82A}">
+                    <a16:rowId xmlns:a16="http://schemas.microsoft.com/office/drawing/2014/main" val="1648259702"/>
+                  </a:ext>
+                </a:extLst>
+              </a:tr>
+              <a:tr h="566304">
+                <a:tc>
+                  <a:txBody>
+                    <a:bodyPr/>
+                    <a:lstStyle/>
+                    <a:p>
+                      <a:pPr algn="ctr"/>
+                      <a:r>
+                        <a:rPr lang="fa-IR" dirty="0" smtClean="0">
+                          <a:ln>
+                            <a:solidFill>
+                              <a:schemeClr val="bg1"/>
+                            </a:solidFill>
+                          </a:ln>
+                          <a:solidFill>
+                            <a:schemeClr val="accent6">
+                              <a:lumMod val="60000"/>
+                              <a:lumOff val="40000"/>
+                            </a:schemeClr>
+                          </a:solidFill>
+                        </a:rPr>
+                        <a:t>12</a:t>
+                      </a:r>
+                      <a:endParaRPr lang="en-US" dirty="0">
+                        <a:ln>
+                          <a:solidFill>
+                            <a:schemeClr val="bg1"/>
+                          </a:solidFill>
+                        </a:ln>
+                        <a:solidFill>
+                          <a:schemeClr val="accent6">
+                            <a:lumMod val="60000"/>
+                            <a:lumOff val="40000"/>
+                          </a:schemeClr>
+                        </a:solidFill>
+                      </a:endParaRPr>
+                    </a:p>
+                  </a:txBody>
+                  <a:tcPr anchor="ctr">
+                    <a:lnL w="12700" cap="flat" cmpd="sng" algn="ctr">
+                      <a:solidFill>
+                        <a:schemeClr val="accent6">
+                          <a:lumMod val="60000"/>
+                          <a:lumOff val="40000"/>
+                        </a:schemeClr>
+                      </a:solidFill>
+                      <a:prstDash val="solid"/>
+                      <a:round/>
+                      <a:headEnd type="none" w="med" len="med"/>
+                      <a:tailEnd type="none" w="med" len="med"/>
+                    </a:lnL>
+                    <a:lnR w="12700" cap="flat" cmpd="sng" algn="ctr">
+                      <a:solidFill>
+                        <a:schemeClr val="accent6">
+                          <a:lumMod val="60000"/>
+                          <a:lumOff val="40000"/>
+                        </a:schemeClr>
+                      </a:solidFill>
+                      <a:prstDash val="solid"/>
+                      <a:round/>
+                      <a:headEnd type="none" w="med" len="med"/>
+                      <a:tailEnd type="none" w="med" len="med"/>
+                    </a:lnR>
+                    <a:lnT w="12700" cap="flat" cmpd="sng" algn="ctr">
+                      <a:solidFill>
+                        <a:schemeClr val="accent6">
+                          <a:lumMod val="60000"/>
+                          <a:lumOff val="40000"/>
+                        </a:schemeClr>
+                      </a:solidFill>
+                      <a:prstDash val="solid"/>
+                      <a:round/>
+                      <a:headEnd type="none" w="med" len="med"/>
+                      <a:tailEnd type="none" w="med" len="med"/>
+                    </a:lnT>
+                    <a:lnB w="12700" cap="flat" cmpd="sng" algn="ctr">
+                      <a:solidFill>
+                        <a:schemeClr val="accent6">
+                          <a:lumMod val="60000"/>
+                          <a:lumOff val="40000"/>
+                        </a:schemeClr>
+                      </a:solidFill>
+                      <a:prstDash val="solid"/>
+                      <a:round/>
+                      <a:headEnd type="none" w="med" len="med"/>
+                      <a:tailEnd type="none" w="med" len="med"/>
+                    </a:lnB>
+                    <a:lnTlToBr w="12700" cmpd="sng">
+                      <a:noFill/>
+                      <a:prstDash val="solid"/>
+                    </a:lnTlToBr>
+                    <a:lnBlToTr w="12700" cmpd="sng">
+                      <a:noFill/>
+                      <a:prstDash val="solid"/>
+                    </a:lnBlToTr>
+                    <a:solidFill>
+                      <a:schemeClr val="tx2"/>
+                    </a:solidFill>
+                  </a:tcPr>
+                </a:tc>
+                <a:tc>
+                  <a:txBody>
+                    <a:bodyPr/>
+                    <a:lstStyle/>
+                    <a:p>
+                      <a:pPr algn="ctr"/>
+                      <a:r>
+                        <a:rPr lang="fa-IR" dirty="0" smtClean="0">
+                          <a:ln>
+                            <a:solidFill>
+                              <a:schemeClr val="bg1"/>
+                            </a:solidFill>
+                          </a:ln>
+                          <a:solidFill>
+                            <a:schemeClr val="accent6">
+                              <a:lumMod val="60000"/>
+                              <a:lumOff val="40000"/>
+                            </a:schemeClr>
+                          </a:solidFill>
+                        </a:rPr>
+                        <a:t>10</a:t>
+                      </a:r>
+                      <a:endParaRPr lang="en-US" dirty="0">
+                        <a:ln>
+                          <a:solidFill>
+                            <a:schemeClr val="bg1"/>
+                          </a:solidFill>
+                        </a:ln>
+                        <a:solidFill>
+                          <a:schemeClr val="accent6">
+                            <a:lumMod val="60000"/>
+                            <a:lumOff val="40000"/>
+                          </a:schemeClr>
+                        </a:solidFill>
+                      </a:endParaRPr>
+                    </a:p>
+                  </a:txBody>
+                  <a:tcPr anchor="ctr">
+                    <a:lnL w="12700" cap="flat" cmpd="sng" algn="ctr">
+                      <a:solidFill>
+                        <a:schemeClr val="accent6">
+                          <a:lumMod val="60000"/>
+                          <a:lumOff val="40000"/>
+                        </a:schemeClr>
+                      </a:solidFill>
+                      <a:prstDash val="solid"/>
+                      <a:round/>
+                      <a:headEnd type="none" w="med" len="med"/>
+                      <a:tailEnd type="none" w="med" len="med"/>
+                    </a:lnL>
+                    <a:lnR w="12700" cap="flat" cmpd="sng" algn="ctr">
+                      <a:solidFill>
+                        <a:schemeClr val="accent6">
+                          <a:lumMod val="60000"/>
+                          <a:lumOff val="40000"/>
+                        </a:schemeClr>
+                      </a:solidFill>
+                      <a:prstDash val="solid"/>
+                      <a:round/>
+                      <a:headEnd type="none" w="med" len="med"/>
+                      <a:tailEnd type="none" w="med" len="med"/>
+                    </a:lnR>
+                    <a:lnT w="12700" cap="flat" cmpd="sng" algn="ctr">
+                      <a:solidFill>
+                        <a:schemeClr val="accent6">
+                          <a:lumMod val="60000"/>
+                          <a:lumOff val="40000"/>
+                        </a:schemeClr>
+                      </a:solidFill>
+                      <a:prstDash val="solid"/>
+                      <a:round/>
+                      <a:headEnd type="none" w="med" len="med"/>
+                      <a:tailEnd type="none" w="med" len="med"/>
+                    </a:lnT>
+                    <a:lnB w="12700" cap="flat" cmpd="sng" algn="ctr">
+                      <a:solidFill>
+                        <a:schemeClr val="accent6">
+                          <a:lumMod val="60000"/>
+                          <a:lumOff val="40000"/>
+                        </a:schemeClr>
+                      </a:solidFill>
+                      <a:prstDash val="solid"/>
+                      <a:round/>
+                      <a:headEnd type="none" w="med" len="med"/>
+                      <a:tailEnd type="none" w="med" len="med"/>
+                    </a:lnB>
+                    <a:lnTlToBr w="12700" cmpd="sng">
+                      <a:noFill/>
+                      <a:prstDash val="solid"/>
+                    </a:lnTlToBr>
+                    <a:lnBlToTr w="12700" cmpd="sng">
+                      <a:noFill/>
+                      <a:prstDash val="solid"/>
+                    </a:lnBlToTr>
+                    <a:solidFill>
+                      <a:schemeClr val="tx2"/>
+                    </a:solidFill>
+                  </a:tcPr>
+                </a:tc>
+                <a:tc>
+                  <a:txBody>
+                    <a:bodyPr/>
+                    <a:lstStyle/>
+                    <a:p>
+                      <a:pPr algn="ctr"/>
+                      <a:r>
+                        <a:rPr lang="fa-IR" dirty="0" smtClean="0">
+                          <a:ln>
+                            <a:solidFill>
+                              <a:schemeClr val="bg1"/>
+                            </a:solidFill>
+                          </a:ln>
+                          <a:solidFill>
+                            <a:schemeClr val="accent6">
+                              <a:lumMod val="60000"/>
+                              <a:lumOff val="40000"/>
+                            </a:schemeClr>
+                          </a:solidFill>
+                        </a:rPr>
+                        <a:t>0</a:t>
+                      </a:r>
+                      <a:endParaRPr lang="en-US" dirty="0">
+                        <a:ln>
+                          <a:solidFill>
+                            <a:schemeClr val="bg1"/>
+                          </a:solidFill>
+                        </a:ln>
+                        <a:solidFill>
+                          <a:schemeClr val="accent6">
+                            <a:lumMod val="60000"/>
+                            <a:lumOff val="40000"/>
+                          </a:schemeClr>
+                        </a:solidFill>
+                      </a:endParaRPr>
+                    </a:p>
+                  </a:txBody>
+                  <a:tcPr anchor="ctr">
+                    <a:lnL w="12700" cap="flat" cmpd="sng" algn="ctr">
+                      <a:solidFill>
+                        <a:schemeClr val="accent6">
+                          <a:lumMod val="60000"/>
+                          <a:lumOff val="40000"/>
+                        </a:schemeClr>
+                      </a:solidFill>
+                      <a:prstDash val="solid"/>
+                      <a:round/>
+                      <a:headEnd type="none" w="med" len="med"/>
+                      <a:tailEnd type="none" w="med" len="med"/>
+                    </a:lnL>
+                    <a:lnR w="12700" cap="flat" cmpd="sng" algn="ctr">
+                      <a:solidFill>
+                        <a:schemeClr val="accent6">
+                          <a:lumMod val="60000"/>
+                          <a:lumOff val="40000"/>
+                        </a:schemeClr>
+                      </a:solidFill>
+                      <a:prstDash val="solid"/>
+                      <a:round/>
+                      <a:headEnd type="none" w="med" len="med"/>
+                      <a:tailEnd type="none" w="med" len="med"/>
+                    </a:lnR>
+                    <a:lnT w="12700" cap="flat" cmpd="sng" algn="ctr">
+                      <a:solidFill>
+                        <a:schemeClr val="accent6">
+                          <a:lumMod val="60000"/>
+                          <a:lumOff val="40000"/>
+                        </a:schemeClr>
+                      </a:solidFill>
+                      <a:prstDash val="solid"/>
+                      <a:round/>
+                      <a:headEnd type="none" w="med" len="med"/>
+                      <a:tailEnd type="none" w="med" len="med"/>
+                    </a:lnT>
+                    <a:lnB w="12700" cap="flat" cmpd="sng" algn="ctr">
+                      <a:solidFill>
+                        <a:schemeClr val="accent6">
+                          <a:lumMod val="60000"/>
+                          <a:lumOff val="40000"/>
+                        </a:schemeClr>
+                      </a:solidFill>
+                      <a:prstDash val="solid"/>
+                      <a:round/>
+                      <a:headEnd type="none" w="med" len="med"/>
+                      <a:tailEnd type="none" w="med" len="med"/>
+                    </a:lnB>
+                    <a:lnTlToBr w="12700" cmpd="sng">
+                      <a:noFill/>
+                      <a:prstDash val="solid"/>
+                    </a:lnTlToBr>
+                    <a:lnBlToTr w="12700" cmpd="sng">
+                      <a:noFill/>
+                      <a:prstDash val="solid"/>
+                    </a:lnBlToTr>
+                    <a:solidFill>
+                      <a:schemeClr val="tx2"/>
+                    </a:solidFill>
+                  </a:tcPr>
+                </a:tc>
+                <a:tc>
+                  <a:txBody>
+                    <a:bodyPr/>
+                    <a:lstStyle/>
+                    <a:p>
+                      <a:pPr algn="ctr"/>
+                      <a:r>
+                        <a:rPr lang="fa-IR" dirty="0" smtClean="0">
+                          <a:ln>
+                            <a:solidFill>
+                              <a:schemeClr val="bg1"/>
+                            </a:solidFill>
+                          </a:ln>
+                          <a:solidFill>
+                            <a:schemeClr val="accent6">
+                              <a:lumMod val="60000"/>
+                              <a:lumOff val="40000"/>
+                            </a:schemeClr>
+                          </a:solidFill>
+                        </a:rPr>
+                        <a:t>30</a:t>
+                      </a:r>
+                      <a:endParaRPr lang="en-US" dirty="0">
+                        <a:ln>
+                          <a:solidFill>
+                            <a:schemeClr val="bg1"/>
+                          </a:solidFill>
+                        </a:ln>
+                        <a:solidFill>
+                          <a:schemeClr val="accent6">
+                            <a:lumMod val="60000"/>
+                            <a:lumOff val="40000"/>
+                          </a:schemeClr>
+                        </a:solidFill>
+                      </a:endParaRPr>
+                    </a:p>
+                  </a:txBody>
+                  <a:tcPr anchor="ctr">
+                    <a:lnL w="12700" cap="flat" cmpd="sng" algn="ctr">
+                      <a:solidFill>
+                        <a:schemeClr val="accent6">
+                          <a:lumMod val="60000"/>
+                          <a:lumOff val="40000"/>
+                        </a:schemeClr>
+                      </a:solidFill>
+                      <a:prstDash val="solid"/>
+                      <a:round/>
+                      <a:headEnd type="none" w="med" len="med"/>
+                      <a:tailEnd type="none" w="med" len="med"/>
+                    </a:lnL>
+                    <a:lnR w="12700" cap="flat" cmpd="sng" algn="ctr">
+                      <a:solidFill>
+                        <a:schemeClr val="accent6">
+                          <a:lumMod val="60000"/>
+                          <a:lumOff val="40000"/>
+                        </a:schemeClr>
+                      </a:solidFill>
+                      <a:prstDash val="solid"/>
+                      <a:round/>
+                      <a:headEnd type="none" w="med" len="med"/>
+                      <a:tailEnd type="none" w="med" len="med"/>
+                    </a:lnR>
+                    <a:lnT w="12700" cap="flat" cmpd="sng" algn="ctr">
+                      <a:solidFill>
+                        <a:schemeClr val="accent6">
+                          <a:lumMod val="60000"/>
+                          <a:lumOff val="40000"/>
+                        </a:schemeClr>
+                      </a:solidFill>
+                      <a:prstDash val="solid"/>
+                      <a:round/>
+                      <a:headEnd type="none" w="med" len="med"/>
+                      <a:tailEnd type="none" w="med" len="med"/>
+                    </a:lnT>
+                    <a:lnB w="12700" cap="flat" cmpd="sng" algn="ctr">
+                      <a:solidFill>
+                        <a:schemeClr val="accent6">
+                          <a:lumMod val="60000"/>
+                          <a:lumOff val="40000"/>
+                        </a:schemeClr>
+                      </a:solidFill>
+                      <a:prstDash val="solid"/>
+                      <a:round/>
+                      <a:headEnd type="none" w="med" len="med"/>
+                      <a:tailEnd type="none" w="med" len="med"/>
+                    </a:lnB>
+                    <a:lnTlToBr w="12700" cmpd="sng">
+                      <a:noFill/>
+                      <a:prstDash val="solid"/>
+                    </a:lnTlToBr>
+                    <a:lnBlToTr w="12700" cmpd="sng">
+                      <a:noFill/>
+                      <a:prstDash val="solid"/>
+                    </a:lnBlToTr>
+                    <a:solidFill>
+                      <a:schemeClr val="tx2"/>
+                    </a:solidFill>
+                  </a:tcPr>
+                </a:tc>
+                <a:extLst>
+                  <a:ext uri="{0D108BD9-81ED-4DB2-BD59-A6C34878D82A}">
+                    <a16:rowId xmlns:a16="http://schemas.microsoft.com/office/drawing/2014/main" val="2122595915"/>
+                  </a:ext>
+                </a:extLst>
+              </a:tr>
+              <a:tr h="566304">
+                <a:tc>
+                  <a:txBody>
+                    <a:bodyPr/>
+                    <a:lstStyle/>
+                    <a:p>
+                      <a:pPr algn="ctr"/>
+                      <a:r>
+                        <a:rPr lang="fa-IR" dirty="0" smtClean="0">
+                          <a:ln>
+                            <a:solidFill>
+                              <a:schemeClr val="bg1"/>
+                            </a:solidFill>
+                          </a:ln>
+                          <a:solidFill>
+                            <a:schemeClr val="accent6">
+                              <a:lumMod val="60000"/>
+                              <a:lumOff val="40000"/>
+                            </a:schemeClr>
+                          </a:solidFill>
+                        </a:rPr>
+                        <a:t>2</a:t>
+                      </a:r>
+                      <a:endParaRPr lang="en-US" dirty="0">
+                        <a:ln>
+                          <a:solidFill>
+                            <a:schemeClr val="bg1"/>
+                          </a:solidFill>
+                        </a:ln>
+                        <a:solidFill>
+                          <a:schemeClr val="accent6">
+                            <a:lumMod val="60000"/>
+                            <a:lumOff val="40000"/>
+                          </a:schemeClr>
+                        </a:solidFill>
+                      </a:endParaRPr>
+                    </a:p>
+                  </a:txBody>
+                  <a:tcPr anchor="ctr">
+                    <a:lnL w="12700" cap="flat" cmpd="sng" algn="ctr">
+                      <a:solidFill>
+                        <a:schemeClr val="accent6">
+                          <a:lumMod val="60000"/>
+                          <a:lumOff val="40000"/>
+                        </a:schemeClr>
+                      </a:solidFill>
+                      <a:prstDash val="solid"/>
+                      <a:round/>
+                      <a:headEnd type="none" w="med" len="med"/>
+                      <a:tailEnd type="none" w="med" len="med"/>
+                    </a:lnL>
+                    <a:lnR w="12700" cap="flat" cmpd="sng" algn="ctr">
+                      <a:solidFill>
+                        <a:schemeClr val="accent6">
+                          <a:lumMod val="60000"/>
+                          <a:lumOff val="40000"/>
+                        </a:schemeClr>
+                      </a:solidFill>
+                      <a:prstDash val="solid"/>
+                      <a:round/>
+                      <a:headEnd type="none" w="med" len="med"/>
+                      <a:tailEnd type="none" w="med" len="med"/>
+                    </a:lnR>
+                    <a:lnT w="12700" cap="flat" cmpd="sng" algn="ctr">
+                      <a:solidFill>
+                        <a:schemeClr val="accent6">
+                          <a:lumMod val="60000"/>
+                          <a:lumOff val="40000"/>
+                        </a:schemeClr>
+                      </a:solidFill>
+                      <a:prstDash val="solid"/>
+                      <a:round/>
+                      <a:headEnd type="none" w="med" len="med"/>
+                      <a:tailEnd type="none" w="med" len="med"/>
+                    </a:lnT>
+                    <a:lnB w="12700" cap="flat" cmpd="sng" algn="ctr">
+                      <a:solidFill>
+                        <a:schemeClr val="accent6">
+                          <a:lumMod val="60000"/>
+                          <a:lumOff val="40000"/>
+                        </a:schemeClr>
+                      </a:solidFill>
+                      <a:prstDash val="solid"/>
+                      <a:round/>
+                      <a:headEnd type="none" w="med" len="med"/>
+                      <a:tailEnd type="none" w="med" len="med"/>
+                    </a:lnB>
+                    <a:lnTlToBr w="12700" cmpd="sng">
+                      <a:noFill/>
+                      <a:prstDash val="solid"/>
+                    </a:lnTlToBr>
+                    <a:lnBlToTr w="12700" cmpd="sng">
+                      <a:noFill/>
+                      <a:prstDash val="solid"/>
+                    </a:lnBlToTr>
+                    <a:solidFill>
+                      <a:schemeClr val="tx2"/>
+                    </a:solidFill>
+                  </a:tcPr>
+                </a:tc>
+                <a:tc>
+                  <a:txBody>
+                    <a:bodyPr/>
+                    <a:lstStyle/>
+                    <a:p>
+                      <a:pPr algn="ctr"/>
+                      <a:r>
+                        <a:rPr lang="en-US" dirty="0" smtClean="0">
+                          <a:ln>
+                            <a:solidFill>
+                              <a:schemeClr val="bg1"/>
+                            </a:solidFill>
+                          </a:ln>
+                          <a:solidFill>
+                            <a:schemeClr val="accent6">
+                              <a:lumMod val="60000"/>
+                              <a:lumOff val="40000"/>
+                            </a:schemeClr>
+                          </a:solidFill>
+                        </a:rPr>
+                        <a:t>32</a:t>
+                      </a:r>
+                      <a:endParaRPr lang="en-US" dirty="0">
+                        <a:ln>
+                          <a:solidFill>
+                            <a:schemeClr val="bg1"/>
+                          </a:solidFill>
+                        </a:ln>
+                        <a:solidFill>
+                          <a:schemeClr val="accent6">
+                            <a:lumMod val="60000"/>
+                            <a:lumOff val="40000"/>
+                          </a:schemeClr>
+                        </a:solidFill>
+                      </a:endParaRPr>
+                    </a:p>
+                  </a:txBody>
+                  <a:tcPr anchor="ctr">
+                    <a:lnL w="12700" cap="flat" cmpd="sng" algn="ctr">
+                      <a:solidFill>
+                        <a:schemeClr val="accent6">
+                          <a:lumMod val="60000"/>
+                          <a:lumOff val="40000"/>
+                        </a:schemeClr>
+                      </a:solidFill>
+                      <a:prstDash val="solid"/>
+                      <a:round/>
+                      <a:headEnd type="none" w="med" len="med"/>
+                      <a:tailEnd type="none" w="med" len="med"/>
+                    </a:lnL>
+                    <a:lnR w="12700" cap="flat" cmpd="sng" algn="ctr">
+                      <a:solidFill>
+                        <a:schemeClr val="accent6">
+                          <a:lumMod val="60000"/>
+                          <a:lumOff val="40000"/>
+                        </a:schemeClr>
+                      </a:solidFill>
+                      <a:prstDash val="solid"/>
+                      <a:round/>
+                      <a:headEnd type="none" w="med" len="med"/>
+                      <a:tailEnd type="none" w="med" len="med"/>
+                    </a:lnR>
+                    <a:lnT w="12700" cap="flat" cmpd="sng" algn="ctr">
+                      <a:solidFill>
+                        <a:schemeClr val="accent6">
+                          <a:lumMod val="60000"/>
+                          <a:lumOff val="40000"/>
+                        </a:schemeClr>
+                      </a:solidFill>
+                      <a:prstDash val="solid"/>
+                      <a:round/>
+                      <a:headEnd type="none" w="med" len="med"/>
+                      <a:tailEnd type="none" w="med" len="med"/>
+                    </a:lnT>
+                    <a:lnB w="12700" cap="flat" cmpd="sng" algn="ctr">
+                      <a:solidFill>
+                        <a:schemeClr val="accent6">
+                          <a:lumMod val="60000"/>
+                          <a:lumOff val="40000"/>
+                        </a:schemeClr>
+                      </a:solidFill>
+                      <a:prstDash val="solid"/>
+                      <a:round/>
+                      <a:headEnd type="none" w="med" len="med"/>
+                      <a:tailEnd type="none" w="med" len="med"/>
+                    </a:lnB>
+                    <a:lnTlToBr w="12700" cmpd="sng">
+                      <a:noFill/>
+                      <a:prstDash val="solid"/>
+                    </a:lnTlToBr>
+                    <a:lnBlToTr w="12700" cmpd="sng">
+                      <a:noFill/>
+                      <a:prstDash val="solid"/>
+                    </a:lnBlToTr>
+                    <a:solidFill>
+                      <a:schemeClr val="tx2"/>
+                    </a:solidFill>
+                  </a:tcPr>
+                </a:tc>
+                <a:tc>
+                  <a:txBody>
+                    <a:bodyPr/>
+                    <a:lstStyle/>
+                    <a:p>
+                      <a:pPr algn="ctr"/>
+                      <a:r>
+                        <a:rPr lang="fa-IR" dirty="0" smtClean="0">
+                          <a:ln>
+                            <a:solidFill>
+                              <a:schemeClr val="bg1"/>
+                            </a:solidFill>
+                          </a:ln>
+                          <a:solidFill>
+                            <a:schemeClr val="accent6">
+                              <a:lumMod val="60000"/>
+                              <a:lumOff val="40000"/>
+                            </a:schemeClr>
+                          </a:solidFill>
+                        </a:rPr>
+                        <a:t>22</a:t>
+                      </a:r>
+                      <a:endParaRPr lang="en-US" dirty="0">
+                        <a:ln>
+                          <a:solidFill>
+                            <a:schemeClr val="bg1"/>
+                          </a:solidFill>
+                        </a:ln>
+                        <a:solidFill>
+                          <a:schemeClr val="accent6">
+                            <a:lumMod val="60000"/>
+                            <a:lumOff val="40000"/>
+                          </a:schemeClr>
+                        </a:solidFill>
+                      </a:endParaRPr>
+                    </a:p>
+                  </a:txBody>
+                  <a:tcPr anchor="ctr">
+                    <a:lnL w="12700" cap="flat" cmpd="sng" algn="ctr">
+                      <a:solidFill>
+                        <a:schemeClr val="accent6">
+                          <a:lumMod val="60000"/>
+                          <a:lumOff val="40000"/>
+                        </a:schemeClr>
+                      </a:solidFill>
+                      <a:prstDash val="solid"/>
+                      <a:round/>
+                      <a:headEnd type="none" w="med" len="med"/>
+                      <a:tailEnd type="none" w="med" len="med"/>
+                    </a:lnL>
+                    <a:lnR w="12700" cap="flat" cmpd="sng" algn="ctr">
+                      <a:solidFill>
+                        <a:schemeClr val="accent6">
+                          <a:lumMod val="60000"/>
+                          <a:lumOff val="40000"/>
+                        </a:schemeClr>
+                      </a:solidFill>
+                      <a:prstDash val="solid"/>
+                      <a:round/>
+                      <a:headEnd type="none" w="med" len="med"/>
+                      <a:tailEnd type="none" w="med" len="med"/>
+                    </a:lnR>
+                    <a:lnT w="12700" cap="flat" cmpd="sng" algn="ctr">
+                      <a:solidFill>
+                        <a:schemeClr val="accent6">
+                          <a:lumMod val="60000"/>
+                          <a:lumOff val="40000"/>
+                        </a:schemeClr>
+                      </a:solidFill>
+                      <a:prstDash val="solid"/>
+                      <a:round/>
+                      <a:headEnd type="none" w="med" len="med"/>
+                      <a:tailEnd type="none" w="med" len="med"/>
+                    </a:lnT>
+                    <a:lnB w="12700" cap="flat" cmpd="sng" algn="ctr">
+                      <a:solidFill>
+                        <a:schemeClr val="accent6">
+                          <a:lumMod val="60000"/>
+                          <a:lumOff val="40000"/>
+                        </a:schemeClr>
+                      </a:solidFill>
+                      <a:prstDash val="solid"/>
+                      <a:round/>
+                      <a:headEnd type="none" w="med" len="med"/>
+                      <a:tailEnd type="none" w="med" len="med"/>
+                    </a:lnB>
+                    <a:lnTlToBr w="12700" cmpd="sng">
+                      <a:noFill/>
+                      <a:prstDash val="solid"/>
+                    </a:lnTlToBr>
+                    <a:lnBlToTr w="12700" cmpd="sng">
+                      <a:noFill/>
+                      <a:prstDash val="solid"/>
+                    </a:lnBlToTr>
+                    <a:solidFill>
+                      <a:schemeClr val="tx2"/>
+                    </a:solidFill>
+                  </a:tcPr>
+                </a:tc>
+                <a:tc>
+                  <a:txBody>
+                    <a:bodyPr/>
+                    <a:lstStyle/>
+                    <a:p>
+                      <a:pPr algn="ctr"/>
+                      <a:r>
+                        <a:rPr lang="fa-IR" dirty="0" smtClean="0">
+                          <a:ln>
+                            <a:solidFill>
+                              <a:schemeClr val="bg1"/>
+                            </a:solidFill>
+                          </a:ln>
+                          <a:solidFill>
+                            <a:schemeClr val="accent6">
+                              <a:lumMod val="60000"/>
+                              <a:lumOff val="40000"/>
+                            </a:schemeClr>
+                          </a:solidFill>
+                        </a:rPr>
+                        <a:t>108</a:t>
+                      </a:r>
+                      <a:endParaRPr lang="en-US" dirty="0">
+                        <a:ln>
+                          <a:solidFill>
+                            <a:schemeClr val="bg1"/>
+                          </a:solidFill>
+                        </a:ln>
+                        <a:solidFill>
+                          <a:schemeClr val="accent6">
+                            <a:lumMod val="60000"/>
+                            <a:lumOff val="40000"/>
+                          </a:schemeClr>
+                        </a:solidFill>
+                      </a:endParaRPr>
+                    </a:p>
+                  </a:txBody>
+                  <a:tcPr anchor="ctr">
+                    <a:lnL w="12700" cap="flat" cmpd="sng" algn="ctr">
+                      <a:solidFill>
+                        <a:schemeClr val="accent6">
+                          <a:lumMod val="60000"/>
+                          <a:lumOff val="40000"/>
+                        </a:schemeClr>
+                      </a:solidFill>
+                      <a:prstDash val="solid"/>
+                      <a:round/>
+                      <a:headEnd type="none" w="med" len="med"/>
+                      <a:tailEnd type="none" w="med" len="med"/>
+                    </a:lnL>
+                    <a:lnR w="12700" cap="flat" cmpd="sng" algn="ctr">
+                      <a:solidFill>
+                        <a:schemeClr val="accent6">
+                          <a:lumMod val="60000"/>
+                          <a:lumOff val="40000"/>
+                        </a:schemeClr>
+                      </a:solidFill>
+                      <a:prstDash val="solid"/>
+                      <a:round/>
+                      <a:headEnd type="none" w="med" len="med"/>
+                      <a:tailEnd type="none" w="med" len="med"/>
+                    </a:lnR>
+                    <a:lnT w="12700" cap="flat" cmpd="sng" algn="ctr">
+                      <a:solidFill>
+                        <a:schemeClr val="accent6">
+                          <a:lumMod val="60000"/>
+                          <a:lumOff val="40000"/>
+                        </a:schemeClr>
+                      </a:solidFill>
+                      <a:prstDash val="solid"/>
+                      <a:round/>
+                      <a:headEnd type="none" w="med" len="med"/>
+                      <a:tailEnd type="none" w="med" len="med"/>
+                    </a:lnT>
+                    <a:lnB w="12700" cap="flat" cmpd="sng" algn="ctr">
+                      <a:solidFill>
+                        <a:schemeClr val="accent6">
+                          <a:lumMod val="60000"/>
+                          <a:lumOff val="40000"/>
+                        </a:schemeClr>
+                      </a:solidFill>
+                      <a:prstDash val="solid"/>
+                      <a:round/>
+                      <a:headEnd type="none" w="med" len="med"/>
+                      <a:tailEnd type="none" w="med" len="med"/>
+                    </a:lnB>
+                    <a:lnTlToBr w="12700" cmpd="sng">
+                      <a:noFill/>
+                      <a:prstDash val="solid"/>
+                    </a:lnTlToBr>
+                    <a:lnBlToTr w="12700" cmpd="sng">
+                      <a:noFill/>
+                      <a:prstDash val="solid"/>
+                    </a:lnBlToTr>
+                    <a:solidFill>
+                      <a:schemeClr val="tx2"/>
+                    </a:solidFill>
+                  </a:tcPr>
+                </a:tc>
+                <a:extLst>
+                  <a:ext uri="{0D108BD9-81ED-4DB2-BD59-A6C34878D82A}">
+                    <a16:rowId xmlns:a16="http://schemas.microsoft.com/office/drawing/2014/main" val="3450723913"/>
+                  </a:ext>
+                </a:extLst>
+              </a:tr>
+            </a:tbl>
+          </a:graphicData>
+        </a:graphic>
+      </p:graphicFrame>
+      <p:grpSp>
+        <p:nvGrpSpPr>
+          <p:cNvPr id="10" name="Group 9"/>
+          <p:cNvGrpSpPr/>
+          <p:nvPr/>
+        </p:nvGrpSpPr>
+        <p:grpSpPr>
+          <a:xfrm>
+            <a:off x="5942899" y="3664524"/>
+            <a:ext cx="207818" cy="117764"/>
+            <a:chOff x="5868984" y="3612571"/>
+            <a:chExt cx="207818" cy="117764"/>
+          </a:xfrm>
+        </p:grpSpPr>
+        <p:cxnSp>
+          <p:nvCxnSpPr>
+            <p:cNvPr id="13" name="Straight Connector 12"/>
+            <p:cNvCxnSpPr/>
+            <p:nvPr/>
+          </p:nvCxnSpPr>
+          <p:spPr>
+            <a:xfrm>
+              <a:off x="5868984" y="3612571"/>
+              <a:ext cx="207818" cy="0"/>
+            </a:xfrm>
+            <a:prstGeom prst="line">
+              <a:avLst/>
+            </a:prstGeom>
+          </p:spPr>
+          <p:style>
+            <a:lnRef idx="3">
+              <a:schemeClr val="accent4"/>
+            </a:lnRef>
+            <a:fillRef idx="0">
+              <a:schemeClr val="accent4"/>
+            </a:fillRef>
+            <a:effectRef idx="2">
+              <a:schemeClr val="accent4"/>
+            </a:effectRef>
+            <a:fontRef idx="minor">
+              <a:schemeClr val="tx1"/>
+            </a:fontRef>
+          </p:style>
+        </p:cxnSp>
+        <p:cxnSp>
+          <p:nvCxnSpPr>
+            <p:cNvPr id="14" name="Straight Connector 13"/>
+            <p:cNvCxnSpPr/>
+            <p:nvPr/>
+          </p:nvCxnSpPr>
+          <p:spPr>
+            <a:xfrm>
+              <a:off x="5868984" y="3730335"/>
+              <a:ext cx="207818" cy="0"/>
+            </a:xfrm>
+            <a:prstGeom prst="line">
+              <a:avLst/>
+            </a:prstGeom>
+          </p:spPr>
+          <p:style>
+            <a:lnRef idx="3">
+              <a:schemeClr val="accent4"/>
+            </a:lnRef>
+            <a:fillRef idx="0">
+              <a:schemeClr val="accent4"/>
+            </a:fillRef>
+            <a:effectRef idx="2">
+              <a:schemeClr val="accent4"/>
+            </a:effectRef>
+            <a:fontRef idx="minor">
+              <a:schemeClr val="tx1"/>
+            </a:fontRef>
+          </p:style>
+        </p:cxnSp>
+      </p:grpSp>
+      <p:cxnSp>
+        <p:nvCxnSpPr>
+          <p:cNvPr id="15" name="Straight Arrow Connector 14"/>
+          <p:cNvCxnSpPr/>
+          <p:nvPr/>
+        </p:nvCxnSpPr>
+        <p:spPr>
+          <a:xfrm flipV="1">
+            <a:off x="7450282" y="1995055"/>
+            <a:ext cx="0" cy="457202"/>
+          </a:xfrm>
+          <a:prstGeom prst="straightConnector1">
+            <a:avLst/>
+          </a:prstGeom>
+          <a:ln>
+            <a:tailEnd type="triangle"/>
+          </a:ln>
+        </p:spPr>
+        <p:style>
+          <a:lnRef idx="3">
+            <a:schemeClr val="accent4"/>
+          </a:lnRef>
+          <a:fillRef idx="0">
+            <a:schemeClr val="accent4"/>
+          </a:fillRef>
+          <a:effectRef idx="2">
+            <a:schemeClr val="accent4"/>
+          </a:effectRef>
+          <a:fontRef idx="minor">
+            <a:schemeClr val="tx1"/>
+          </a:fontRef>
+        </p:style>
+      </p:cxnSp>
+      <p:sp>
+        <p:nvSpPr>
+          <p:cNvPr id="18" name="TextBox 17"/>
+          <p:cNvSpPr txBox="1"/>
+          <p:nvPr/>
+        </p:nvSpPr>
+        <p:spPr>
+          <a:xfrm>
+            <a:off x="7086600" y="1579418"/>
+            <a:ext cx="737755" cy="461665"/>
+          </a:xfrm>
+          <a:prstGeom prst="rect">
+            <a:avLst/>
+          </a:prstGeom>
+          <a:noFill/>
+          <a:ln>
+            <a:noFill/>
+          </a:ln>
+        </p:spPr>
+        <p:txBody>
+          <a:bodyPr wrap="square" rtlCol="0">
+            <a:spAutoFit/>
+          </a:bodyPr>
+          <a:lstStyle/>
+          <a:p>
+            <a:r>
+              <a:rPr lang="en-US" sz="2400" dirty="0" smtClean="0">
+                <a:solidFill>
+                  <a:schemeClr val="bg1"/>
+                </a:solidFill>
+              </a:rPr>
+              <a:t>456</a:t>
+            </a:r>
+            <a:endParaRPr lang="en-US" sz="2400" dirty="0">
+              <a:solidFill>
+                <a:schemeClr val="bg1"/>
+              </a:solidFill>
+            </a:endParaRPr>
+          </a:p>
+        </p:txBody>
+      </p:sp>
+      <p:sp>
+        <p:nvSpPr>
+          <p:cNvPr id="21" name="TextBox 20"/>
+          <p:cNvSpPr txBox="1"/>
+          <p:nvPr/>
+        </p:nvSpPr>
+        <p:spPr>
+          <a:xfrm>
+            <a:off x="7578317" y="1990592"/>
+            <a:ext cx="737755" cy="461665"/>
+          </a:xfrm>
+          <a:prstGeom prst="rect">
+            <a:avLst/>
+          </a:prstGeom>
+          <a:noFill/>
+          <a:ln>
+            <a:noFill/>
+          </a:ln>
+        </p:spPr>
+        <p:txBody>
+          <a:bodyPr wrap="square" rtlCol="0">
+            <a:spAutoFit/>
+          </a:bodyPr>
+          <a:lstStyle/>
+          <a:p>
+            <a:r>
+              <a:rPr lang="en-US" sz="2400" dirty="0" smtClean="0">
+                <a:solidFill>
+                  <a:schemeClr val="bg1"/>
+                </a:solidFill>
+              </a:rPr>
+              <a:t>add</a:t>
+            </a:r>
+            <a:endParaRPr lang="en-US" sz="2400" dirty="0">
+              <a:solidFill>
+                <a:schemeClr val="bg1"/>
+              </a:solidFill>
+            </a:endParaRPr>
+          </a:p>
+        </p:txBody>
+      </p:sp>
+    </p:spTree>
+    <p:extLst>
+      <p:ext uri="{BB962C8B-B14F-4D97-AF65-F5344CB8AC3E}">
+        <p14:creationId xmlns:p14="http://schemas.microsoft.com/office/powerpoint/2010/main" val="791735368"/>
+      </p:ext>
+    </p:extLst>
+  </p:cSld>
+  <p:clrMapOvr>
+    <a:masterClrMapping/>
+  </p:clrMapOvr>
+  <p:transition spd="slow">
+    <p:cut/>
+  </p:transition>
+  <p:timing>
+    <p:tnLst>
+      <p:par>
+        <p:cTn id="1" dur="indefinite" restart="never" nodeType="tmRoot"/>
+      </p:par>
+    </p:tnLst>
+  </p:timing>
+</p:sld>
+</file>
+
+<file path=ppt/slides/slide7.xml><?xml version="1.0" encoding="utf-8"?>
 <p:sld xmlns:a="http://schemas.openxmlformats.org/drawingml/2006/main" xmlns:r="http://schemas.openxmlformats.org/officeDocument/2006/relationships" xmlns:p="http://schemas.openxmlformats.org/presentationml/2006/main">
   <p:cSld>
     <p:bg>
@@ -8383,7 +16299,7 @@
 </p:sld>
 </file>
 
-<file path=ppt/slides/slide4.xml><?xml version="1.0" encoding="utf-8"?>
+<file path=ppt/slides/slide8.xml><?xml version="1.0" encoding="utf-8"?>
 <p:sld xmlns:a="http://schemas.openxmlformats.org/drawingml/2006/main" xmlns:r="http://schemas.openxmlformats.org/officeDocument/2006/relationships" xmlns:p="http://schemas.openxmlformats.org/presentationml/2006/main">
   <p:cSld>
     <p:bg>
@@ -8647,8 +16563,8 @@
           </a:p>
         </p:txBody>
       </p:sp>
-      <mc:AlternateContent xmlns:mc="http://schemas.openxmlformats.org/markup-compatibility/2006">
-        <mc:Choice xmlns:a14="http://schemas.microsoft.com/office/drawing/2010/main" Requires="a14">
+      <mc:AlternateContent xmlns:mc="http://schemas.openxmlformats.org/markup-compatibility/2006" xmlns:a14="http://schemas.microsoft.com/office/drawing/2010/main">
+        <mc:Choice Requires="a14">
           <p:sp>
             <p:nvSpPr>
               <p:cNvPr id="2" name="TextBox 1"/>
@@ -8671,6 +16587,7 @@
               </a:bodyPr>
               <a:lstStyle/>
               <a:p>
+                <a:pPr/>
                 <a14:m>
                   <m:oMathPara xmlns:m="http://schemas.openxmlformats.org/officeDocument/2006/math">
                     <m:oMathParaPr>
@@ -8725,7 +16642,7 @@
             </p:txBody>
           </p:sp>
         </mc:Choice>
-        <mc:Fallback>
+        <mc:Fallback xmlns="">
           <p:sp>
             <p:nvSpPr>
               <p:cNvPr id="2" name="TextBox 1"/>
@@ -8847,20 +16764,20 @@
 </p:sld>
 </file>
 
-<file path=ppt/slides/slide5.xml><?xml version="1.0" encoding="utf-8"?>
+<file path=ppt/slides/slide9.xml><?xml version="1.0" encoding="utf-8"?>
 <p:sld xmlns:a="http://schemas.openxmlformats.org/drawingml/2006/main" xmlns:r="http://schemas.openxmlformats.org/officeDocument/2006/relationships" xmlns:p="http://schemas.openxmlformats.org/presentationml/2006/main">
   <p:cSld>
     <p:bg>
       <p:bgPr>
         <a:solidFill>
-          <a:schemeClr val="dk1"/>
+          <a:schemeClr val="tx1"/>
         </a:solidFill>
         <a:effectLst/>
       </p:bgPr>
     </p:bg>
     <p:spTree>
       <p:nvGrpSpPr>
-        <p:cNvPr id="1" name="Shape 78"/>
+        <p:cNvPr id="1" name="Shape 72"/>
         <p:cNvGrpSpPr/>
         <p:nvPr/>
       </p:nvGrpSpPr>
@@ -8874,7 +16791,7 @@
       </p:grpSpPr>
       <p:sp>
         <p:nvSpPr>
-          <p:cNvPr id="79" name="Shape 79"/>
+          <p:cNvPr id="73" name="Shape 73"/>
           <p:cNvSpPr txBox="1">
             <a:spLocks noGrp="1"/>
           </p:cNvSpPr>
@@ -8884,8 +16801,8 @@
         </p:nvSpPr>
         <p:spPr>
           <a:xfrm>
-            <a:off x="490250" y="488250"/>
-            <a:ext cx="8143200" cy="1213500"/>
+            <a:off x="460950" y="815373"/>
+            <a:ext cx="8222100" cy="3522520"/>
           </a:xfrm>
           <a:prstGeom prst="rect">
             <a:avLst/>
@@ -8897,81 +16814,111 @@
           </a:bodyPr>
           <a:lstStyle/>
           <a:p>
-            <a:pPr lvl="0" rtl="0">
+            <a:pPr lvl="0">
               <a:spcBef>
                 <a:spcPts val="0"/>
               </a:spcBef>
               <a:buNone/>
             </a:pPr>
             <a:r>
-              <a:rPr lang="en" sz="5600"/>
+              <a:rPr lang="en" sz="3600" dirty="0" smtClean="0">
+                <a:solidFill>
+                  <a:schemeClr val="accent6">
+                    <a:lumMod val="60000"/>
+                    <a:lumOff val="40000"/>
+                  </a:schemeClr>
+                </a:solidFill>
+              </a:rPr>
+              <a:t>Machine Learning</a:t>
+            </a:r>
+            <a:br>
+              <a:rPr lang="en" sz="3600" dirty="0" smtClean="0">
+                <a:solidFill>
+                  <a:schemeClr val="accent6">
+                    <a:lumMod val="60000"/>
+                    <a:lumOff val="40000"/>
+                  </a:schemeClr>
+                </a:solidFill>
+              </a:rPr>
+            </a:br>
+            <a:r>
+              <a:rPr lang="en" sz="3600" dirty="0" smtClean="0">
+                <a:solidFill>
+                  <a:srgbClr val="C00000"/>
+                </a:solidFill>
+              </a:rPr>
               <a:t>TensorFlow </a:t>
             </a:r>
-          </a:p>
-        </p:txBody>
-      </p:sp>
-      <p:sp>
-        <p:nvSpPr>
-          <p:cNvPr id="80" name="Shape 80"/>
-          <p:cNvSpPr txBox="1">
-            <a:spLocks noGrp="1"/>
-          </p:cNvSpPr>
-          <p:nvPr>
-            <p:ph type="title"/>
-          </p:nvPr>
-        </p:nvSpPr>
-        <p:spPr>
-          <a:xfrm>
-            <a:off x="490250" y="1965000"/>
-            <a:ext cx="8143200" cy="2697600"/>
-          </a:xfrm>
-          <a:prstGeom prst="rect">
-            <a:avLst/>
-          </a:prstGeom>
-          <a:ln>
-            <a:noFill/>
-          </a:ln>
-        </p:spPr>
-        <p:txBody>
-          <a:bodyPr lIns="91425" tIns="91425" rIns="91425" bIns="91425" anchor="ctr" anchorCtr="0">
-            <a:noAutofit/>
-          </a:bodyPr>
-          <a:lstStyle/>
-          <a:p>
-            <a:pPr lvl="0">
-              <a:spcBef>
-                <a:spcPts val="0"/>
-              </a:spcBef>
-              <a:buNone/>
-            </a:pPr>
             <a:r>
-              <a:rPr lang="en" sz="3800">
+              <a:rPr lang="en" sz="3600" dirty="0" smtClean="0">
                 <a:solidFill>
-                  <a:srgbClr val="FFD966"/>
+                  <a:schemeClr val="accent6">
+                    <a:lumMod val="60000"/>
+                    <a:lumOff val="40000"/>
+                  </a:schemeClr>
                 </a:solidFill>
               </a:rPr>
-              <a:t>Machine Learning Library developed by Google</a:t>
+              <a:t/>
             </a:r>
-          </a:p>
-          <a:p>
-            <a:pPr lvl="0" rtl="0">
-              <a:spcBef>
-                <a:spcPts val="0"/>
-              </a:spcBef>
-              <a:buNone/>
-            </a:pPr>
-            <a:r>
-              <a:rPr lang="en" sz="3800">
+            <a:br>
+              <a:rPr lang="en" sz="3600" dirty="0" smtClean="0">
                 <a:solidFill>
-                  <a:srgbClr val="FFD966"/>
+                  <a:schemeClr val="accent6">
+                    <a:lumMod val="60000"/>
+                    <a:lumOff val="40000"/>
+                  </a:schemeClr>
                 </a:solidFill>
               </a:rPr>
-              <a:t>Used heavily by Google in many real products like translate, photos</a:t>
+            </a:br>
+            <a:r>
+              <a:rPr lang="en" sz="3600" dirty="0" smtClean="0">
+                <a:solidFill>
+                  <a:schemeClr val="accent6">
+                    <a:lumMod val="60000"/>
+                    <a:lumOff val="40000"/>
+                  </a:schemeClr>
+                </a:solidFill>
+              </a:rPr>
+              <a:t>References</a:t>
             </a:r>
+            <a:br>
+              <a:rPr lang="en" sz="3600" dirty="0" smtClean="0">
+                <a:solidFill>
+                  <a:schemeClr val="accent6">
+                    <a:lumMod val="60000"/>
+                    <a:lumOff val="40000"/>
+                  </a:schemeClr>
+                </a:solidFill>
+              </a:rPr>
+            </a:br>
+            <a:r>
+              <a:rPr lang="en" sz="3600" dirty="0" smtClean="0">
+                <a:solidFill>
+                  <a:schemeClr val="accent6">
+                    <a:lumMod val="60000"/>
+                    <a:lumOff val="40000"/>
+                  </a:schemeClr>
+                </a:solidFill>
+              </a:rPr>
+              <a:t>Thanksjot!</a:t>
+            </a:r>
+            <a:endParaRPr lang="en" sz="3600" dirty="0">
+              <a:solidFill>
+                <a:schemeClr val="accent6">
+                  <a:lumMod val="60000"/>
+                  <a:lumOff val="40000"/>
+                </a:schemeClr>
+              </a:solidFill>
+            </a:endParaRPr>
           </a:p>
         </p:txBody>
       </p:sp>
     </p:spTree>
+    <p:extLst>
+      <p:ext uri="{BB962C8B-B14F-4D97-AF65-F5344CB8AC3E}">
+        <p14:creationId xmlns:p14="http://schemas.microsoft.com/office/powerpoint/2010/main" val="4018659387"/>
+      </p:ext>
+    </p:extLst>
   </p:cSld>
   <p:clrMapOvr>
     <a:masterClrMapping/>
@@ -8979,642 +16926,13 @@
   <p:transition spd="slow">
     <p:cut/>
   </p:transition>
-</p:sld>
-</file>
-
-<file path=ppt/slides/slide6.xml><?xml version="1.0" encoding="utf-8"?>
-<p:sld xmlns:a="http://schemas.openxmlformats.org/drawingml/2006/main" xmlns:r="http://schemas.openxmlformats.org/officeDocument/2006/relationships" xmlns:p="http://schemas.openxmlformats.org/presentationml/2006/main">
-  <p:cSld>
-    <p:bg>
-      <p:bgPr>
-        <a:solidFill>
-          <a:schemeClr val="dk1"/>
-        </a:solidFill>
-        <a:effectLst/>
-      </p:bgPr>
-    </p:bg>
-    <p:spTree>
-      <p:nvGrpSpPr>
-        <p:cNvPr id="1" name="Shape 84"/>
-        <p:cNvGrpSpPr/>
-        <p:nvPr/>
-      </p:nvGrpSpPr>
-      <p:grpSpPr>
-        <a:xfrm>
-          <a:off x="0" y="0"/>
-          <a:ext cx="0" cy="0"/>
-          <a:chOff x="0" y="0"/>
-          <a:chExt cx="0" cy="0"/>
-        </a:xfrm>
-      </p:grpSpPr>
-      <p:sp>
-        <p:nvSpPr>
-          <p:cNvPr id="85" name="Shape 85"/>
-          <p:cNvSpPr txBox="1">
-            <a:spLocks noGrp="1"/>
-          </p:cNvSpPr>
-          <p:nvPr>
-            <p:ph type="title"/>
-          </p:nvPr>
-        </p:nvSpPr>
-        <p:spPr>
-          <a:xfrm>
-            <a:off x="490250" y="488250"/>
-            <a:ext cx="8245200" cy="1213500"/>
-          </a:xfrm>
-          <a:prstGeom prst="rect">
-            <a:avLst/>
-          </a:prstGeom>
-        </p:spPr>
-        <p:txBody>
-          <a:bodyPr lIns="91425" tIns="91425" rIns="91425" bIns="91425" anchor="ctr" anchorCtr="0">
-            <a:noAutofit/>
-          </a:bodyPr>
-          <a:lstStyle/>
-          <a:p>
-            <a:pPr lvl="0" rtl="0">
-              <a:spcBef>
-                <a:spcPts val="0"/>
-              </a:spcBef>
-              <a:buNone/>
-            </a:pPr>
-            <a:r>
-              <a:rPr lang="en" sz="5600"/>
-              <a:t>TensorFlow Competitors</a:t>
-            </a:r>
-          </a:p>
-        </p:txBody>
-      </p:sp>
-      <p:sp>
-        <p:nvSpPr>
-          <p:cNvPr id="86" name="Shape 86"/>
-          <p:cNvSpPr txBox="1">
-            <a:spLocks noGrp="1"/>
-          </p:cNvSpPr>
-          <p:nvPr>
-            <p:ph type="title"/>
-          </p:nvPr>
-        </p:nvSpPr>
-        <p:spPr>
-          <a:xfrm>
-            <a:off x="490250" y="1965000"/>
-            <a:ext cx="8143200" cy="2697600"/>
-          </a:xfrm>
-          <a:prstGeom prst="rect">
-            <a:avLst/>
-          </a:prstGeom>
-          <a:ln>
-            <a:noFill/>
-          </a:ln>
-        </p:spPr>
-        <p:txBody>
-          <a:bodyPr lIns="91425" tIns="91425" rIns="91425" bIns="91425" anchor="ctr" anchorCtr="0">
-            <a:noAutofit/>
-          </a:bodyPr>
-          <a:lstStyle/>
-          <a:p>
-            <a:pPr lvl="0">
-              <a:spcBef>
-                <a:spcPts val="0"/>
-              </a:spcBef>
-              <a:buNone/>
-            </a:pPr>
-            <a:r>
-              <a:rPr lang="en" sz="3800">
-                <a:solidFill>
-                  <a:srgbClr val="FFD966"/>
-                </a:solidFill>
-              </a:rPr>
-              <a:t>Theano (Python)</a:t>
-            </a:r>
-          </a:p>
-          <a:p>
-            <a:pPr lvl="0">
-              <a:spcBef>
-                <a:spcPts val="0"/>
-              </a:spcBef>
-              <a:buNone/>
-            </a:pPr>
-            <a:r>
-              <a:rPr lang="en" sz="3800">
-                <a:solidFill>
-                  <a:srgbClr val="FFD966"/>
-                </a:solidFill>
-              </a:rPr>
-              <a:t>Caffe (?)</a:t>
-            </a:r>
-          </a:p>
-          <a:p>
-            <a:pPr lvl="0">
-              <a:spcBef>
-                <a:spcPts val="0"/>
-              </a:spcBef>
-              <a:buNone/>
-            </a:pPr>
-            <a:r>
-              <a:rPr lang="en" sz="3800">
-                <a:solidFill>
-                  <a:srgbClr val="FFD966"/>
-                </a:solidFill>
-              </a:rPr>
-              <a:t>Torch (Lua)</a:t>
-            </a:r>
-          </a:p>
-          <a:p>
-            <a:pPr lvl="0" rtl="0">
-              <a:spcBef>
-                <a:spcPts val="0"/>
-              </a:spcBef>
-              <a:buNone/>
-            </a:pPr>
-            <a:r>
-              <a:rPr lang="en" sz="3800">
-                <a:solidFill>
-                  <a:srgbClr val="FFD966"/>
-                </a:solidFill>
-              </a:rPr>
-              <a:t>DeepLearning4J (JAVA, Scala)</a:t>
-            </a:r>
-          </a:p>
-        </p:txBody>
-      </p:sp>
-    </p:spTree>
-  </p:cSld>
-  <p:clrMapOvr>
-    <a:masterClrMapping/>
-  </p:clrMapOvr>
-  <p:transition spd="slow">
-    <p:cut/>
-  </p:transition>
-</p:sld>
-</file>
-
-<file path=ppt/slides/slide7.xml><?xml version="1.0" encoding="utf-8"?>
-<p:sld xmlns:a="http://schemas.openxmlformats.org/drawingml/2006/main" xmlns:r="http://schemas.openxmlformats.org/officeDocument/2006/relationships" xmlns:p="http://schemas.openxmlformats.org/presentationml/2006/main">
-  <p:cSld>
-    <p:bg>
-      <p:bgPr>
-        <a:solidFill>
-          <a:schemeClr val="dk1"/>
-        </a:solidFill>
-        <a:effectLst/>
-      </p:bgPr>
-    </p:bg>
-    <p:spTree>
-      <p:nvGrpSpPr>
-        <p:cNvPr id="1" name="Shape 90"/>
-        <p:cNvGrpSpPr/>
-        <p:nvPr/>
-      </p:nvGrpSpPr>
-      <p:grpSpPr>
-        <a:xfrm>
-          <a:off x="0" y="0"/>
-          <a:ext cx="0" cy="0"/>
-          <a:chOff x="0" y="0"/>
-          <a:chExt cx="0" cy="0"/>
-        </a:xfrm>
-      </p:grpSpPr>
-      <p:sp>
-        <p:nvSpPr>
-          <p:cNvPr id="91" name="Shape 91"/>
-          <p:cNvSpPr txBox="1">
-            <a:spLocks noGrp="1"/>
-          </p:cNvSpPr>
-          <p:nvPr>
-            <p:ph type="title"/>
-          </p:nvPr>
-        </p:nvSpPr>
-        <p:spPr>
-          <a:xfrm>
-            <a:off x="490250" y="488250"/>
-            <a:ext cx="8245200" cy="1213500"/>
-          </a:xfrm>
-          <a:prstGeom prst="rect">
-            <a:avLst/>
-          </a:prstGeom>
-        </p:spPr>
-        <p:txBody>
-          <a:bodyPr lIns="91425" tIns="91425" rIns="91425" bIns="91425" anchor="ctr" anchorCtr="0">
-            <a:noAutofit/>
-          </a:bodyPr>
-          <a:lstStyle/>
-          <a:p>
-            <a:pPr lvl="0" rtl="0">
-              <a:spcBef>
-                <a:spcPts val="0"/>
-              </a:spcBef>
-              <a:buNone/>
-            </a:pPr>
-            <a:r>
-              <a:rPr lang="en" sz="5600"/>
-              <a:t>What about TensorFlow?</a:t>
-            </a:r>
-          </a:p>
-        </p:txBody>
-      </p:sp>
-      <p:sp>
-        <p:nvSpPr>
-          <p:cNvPr id="92" name="Shape 92"/>
-          <p:cNvSpPr txBox="1">
-            <a:spLocks noGrp="1"/>
-          </p:cNvSpPr>
-          <p:nvPr>
-            <p:ph type="title"/>
-          </p:nvPr>
-        </p:nvSpPr>
-        <p:spPr>
-          <a:xfrm>
-            <a:off x="490250" y="1965000"/>
-            <a:ext cx="8143200" cy="2697600"/>
-          </a:xfrm>
-          <a:prstGeom prst="rect">
-            <a:avLst/>
-          </a:prstGeom>
-          <a:ln>
-            <a:noFill/>
-          </a:ln>
-        </p:spPr>
-        <p:txBody>
-          <a:bodyPr lIns="91425" tIns="91425" rIns="91425" bIns="91425" anchor="ctr" anchorCtr="0">
-            <a:noAutofit/>
-          </a:bodyPr>
-          <a:lstStyle/>
-          <a:p>
-            <a:pPr lvl="0">
-              <a:spcBef>
-                <a:spcPts val="0"/>
-              </a:spcBef>
-              <a:buNone/>
-            </a:pPr>
-            <a:r>
-              <a:rPr lang="en" sz="3800">
-                <a:solidFill>
-                  <a:srgbClr val="FFD966"/>
-                </a:solidFill>
-              </a:rPr>
-              <a:t>Python, C++</a:t>
-            </a:r>
-          </a:p>
-          <a:p>
-            <a:pPr lvl="0" rtl="0">
-              <a:spcBef>
-                <a:spcPts val="0"/>
-              </a:spcBef>
-              <a:buNone/>
-            </a:pPr>
-            <a:r>
-              <a:rPr lang="en" sz="3800">
-                <a:solidFill>
-                  <a:srgbClr val="FFD966"/>
-                </a:solidFill>
-              </a:rPr>
-              <a:t>Great Documentation</a:t>
-            </a:r>
-          </a:p>
-        </p:txBody>
-      </p:sp>
-    </p:spTree>
-  </p:cSld>
-  <p:clrMapOvr>
-    <a:masterClrMapping/>
-  </p:clrMapOvr>
-  <p:transition spd="slow">
-    <p:cut/>
-  </p:transition>
-</p:sld>
-</file>
-
-<file path=ppt/slides/slide8.xml><?xml version="1.0" encoding="utf-8"?>
-<p:sld xmlns:a="http://schemas.openxmlformats.org/drawingml/2006/main" xmlns:r="http://schemas.openxmlformats.org/officeDocument/2006/relationships" xmlns:p="http://schemas.openxmlformats.org/presentationml/2006/main">
-  <p:cSld>
-    <p:spTree>
-      <p:nvGrpSpPr>
-        <p:cNvPr id="1" name="Shape 96"/>
-        <p:cNvGrpSpPr/>
-        <p:nvPr/>
-      </p:nvGrpSpPr>
-      <p:grpSpPr>
-        <a:xfrm>
-          <a:off x="0" y="0"/>
-          <a:ext cx="0" cy="0"/>
-          <a:chOff x="0" y="0"/>
-          <a:chExt cx="0" cy="0"/>
-        </a:xfrm>
-      </p:grpSpPr>
-      <p:sp>
-        <p:nvSpPr>
-          <p:cNvPr id="97" name="Shape 97"/>
-          <p:cNvSpPr txBox="1">
-            <a:spLocks noGrp="1"/>
-          </p:cNvSpPr>
-          <p:nvPr>
-            <p:ph type="title"/>
-          </p:nvPr>
-        </p:nvSpPr>
-        <p:spPr>
-          <a:xfrm>
-            <a:off x="265500" y="1233175"/>
-            <a:ext cx="4045200" cy="1482300"/>
-          </a:xfrm>
-          <a:prstGeom prst="rect">
-            <a:avLst/>
-          </a:prstGeom>
-        </p:spPr>
-        <p:txBody>
-          <a:bodyPr lIns="91425" tIns="91425" rIns="91425" bIns="91425" anchor="b" anchorCtr="0">
-            <a:noAutofit/>
-          </a:bodyPr>
-          <a:lstStyle/>
-          <a:p>
-            <a:pPr lvl="0" rtl="0">
-              <a:spcBef>
-                <a:spcPts val="0"/>
-              </a:spcBef>
-              <a:buNone/>
-            </a:pPr>
-            <a:r>
-              <a:rPr lang="en"/>
-              <a:t>Features</a:t>
-            </a:r>
-          </a:p>
-        </p:txBody>
-      </p:sp>
-      <p:sp>
-        <p:nvSpPr>
-          <p:cNvPr id="98" name="Shape 98"/>
-          <p:cNvSpPr txBox="1">
-            <a:spLocks noGrp="1"/>
-          </p:cNvSpPr>
-          <p:nvPr>
-            <p:ph type="body" idx="2"/>
-          </p:nvPr>
-        </p:nvSpPr>
-        <p:spPr>
-          <a:xfrm>
-            <a:off x="4939500" y="724200"/>
-            <a:ext cx="3837000" cy="3695100"/>
-          </a:xfrm>
-          <a:prstGeom prst="rect">
-            <a:avLst/>
-          </a:prstGeom>
-        </p:spPr>
-        <p:txBody>
-          <a:bodyPr lIns="91425" tIns="91425" rIns="91425" bIns="91425" anchor="ctr" anchorCtr="0">
-            <a:noAutofit/>
-          </a:bodyPr>
-          <a:lstStyle/>
-          <a:p>
-            <a:pPr lvl="0" rtl="0">
-              <a:spcBef>
-                <a:spcPts val="0"/>
-              </a:spcBef>
-              <a:spcAft>
-                <a:spcPts val="1600"/>
-              </a:spcAft>
-              <a:buNone/>
-            </a:pPr>
-            <a:endParaRPr sz="2400"/>
-          </a:p>
-          <a:p>
-            <a:pPr marL="457200" lvl="0" indent="-381000" rtl="0">
-              <a:spcBef>
-                <a:spcPts val="0"/>
-              </a:spcBef>
-              <a:spcAft>
-                <a:spcPts val="1600"/>
-              </a:spcAft>
-              <a:buSzPct val="100000"/>
-            </a:pPr>
-            <a:r>
-              <a:rPr lang="en" sz="2400"/>
-              <a:t>True Portability</a:t>
-            </a:r>
-          </a:p>
-          <a:p>
-            <a:pPr marL="457200" lvl="0" indent="-381000" rtl="0">
-              <a:spcBef>
-                <a:spcPts val="0"/>
-              </a:spcBef>
-              <a:spcAft>
-                <a:spcPts val="1600"/>
-              </a:spcAft>
-              <a:buSzPct val="100000"/>
-            </a:pPr>
-            <a:r>
-              <a:rPr lang="en" sz="2400"/>
-              <a:t>Auto-Differentiation</a:t>
-            </a:r>
-          </a:p>
-          <a:p>
-            <a:pPr marL="457200" lvl="0" indent="-381000" rtl="0">
-              <a:spcBef>
-                <a:spcPts val="0"/>
-              </a:spcBef>
-              <a:spcAft>
-                <a:spcPts val="1600"/>
-              </a:spcAft>
-              <a:buSzPct val="100000"/>
-            </a:pPr>
-            <a:r>
-              <a:rPr lang="en" sz="2400"/>
-              <a:t>Language Options</a:t>
-            </a:r>
-          </a:p>
-        </p:txBody>
-      </p:sp>
-    </p:spTree>
-  </p:cSld>
-  <p:clrMapOvr>
-    <a:masterClrMapping/>
-  </p:clrMapOvr>
-  <p:transition spd="slow">
-    <p:cut/>
-  </p:transition>
-</p:sld>
-</file>
-
-<file path=ppt/slides/slide9.xml><?xml version="1.0" encoding="utf-8"?>
-<p:sld xmlns:a="http://schemas.openxmlformats.org/drawingml/2006/main" xmlns:r="http://schemas.openxmlformats.org/officeDocument/2006/relationships" xmlns:p="http://schemas.openxmlformats.org/presentationml/2006/main">
-  <p:cSld>
-    <p:spTree>
-      <p:nvGrpSpPr>
-        <p:cNvPr id="1" name="Shape 102"/>
-        <p:cNvGrpSpPr/>
-        <p:nvPr/>
-      </p:nvGrpSpPr>
-      <p:grpSpPr>
-        <a:xfrm>
-          <a:off x="0" y="0"/>
-          <a:ext cx="0" cy="0"/>
-          <a:chOff x="0" y="0"/>
-          <a:chExt cx="0" cy="0"/>
-        </a:xfrm>
-      </p:grpSpPr>
-      <p:sp>
-        <p:nvSpPr>
-          <p:cNvPr id="103" name="Shape 103"/>
-          <p:cNvSpPr txBox="1">
-            <a:spLocks noGrp="1"/>
-          </p:cNvSpPr>
-          <p:nvPr>
-            <p:ph type="title"/>
-          </p:nvPr>
-        </p:nvSpPr>
-        <p:spPr>
-          <a:xfrm>
-            <a:off x="471900" y="738725"/>
-            <a:ext cx="8222100" cy="767700"/>
-          </a:xfrm>
-          <a:prstGeom prst="rect">
-            <a:avLst/>
-          </a:prstGeom>
-        </p:spPr>
-        <p:txBody>
-          <a:bodyPr lIns="91425" tIns="91425" rIns="91425" bIns="91425" anchor="b" anchorCtr="0">
-            <a:noAutofit/>
-          </a:bodyPr>
-          <a:lstStyle/>
-          <a:p>
-            <a:pPr lvl="0">
-              <a:spcBef>
-                <a:spcPts val="0"/>
-              </a:spcBef>
-              <a:buNone/>
-            </a:pPr>
-            <a:r>
-              <a:rPr lang="en"/>
-              <a:t>Overview</a:t>
-            </a:r>
-          </a:p>
-        </p:txBody>
-      </p:sp>
-      <p:sp>
-        <p:nvSpPr>
-          <p:cNvPr id="104" name="Shape 104"/>
-          <p:cNvSpPr txBox="1">
-            <a:spLocks noGrp="1"/>
-          </p:cNvSpPr>
-          <p:nvPr>
-            <p:ph type="body" idx="1"/>
-          </p:nvPr>
-        </p:nvSpPr>
-        <p:spPr>
-          <a:xfrm>
-            <a:off x="471900" y="1919075"/>
-            <a:ext cx="3999900" cy="2710199"/>
-          </a:xfrm>
-          <a:prstGeom prst="rect">
-            <a:avLst/>
-          </a:prstGeom>
-        </p:spPr>
-        <p:txBody>
-          <a:bodyPr lIns="91425" tIns="91425" rIns="91425" bIns="91425" anchor="t" anchorCtr="0">
-            <a:noAutofit/>
-          </a:bodyPr>
-          <a:lstStyle/>
-          <a:p>
-            <a:pPr marL="457200" lvl="0" indent="-330200" rtl="0">
-              <a:spcBef>
-                <a:spcPts val="0"/>
-              </a:spcBef>
-              <a:buSzPct val="100000"/>
-              <a:buAutoNum type="arabicPeriod"/>
-            </a:pPr>
-            <a:r>
-              <a:rPr lang="en" sz="1600"/>
-              <a:t>Represents computations as graphs</a:t>
-            </a:r>
-          </a:p>
-          <a:p>
-            <a:pPr marL="457200" lvl="0" indent="-330200" rtl="0">
-              <a:spcBef>
-                <a:spcPts val="0"/>
-              </a:spcBef>
-              <a:buSzPct val="100000"/>
-              <a:buAutoNum type="arabicPeriod"/>
-            </a:pPr>
-            <a:r>
-              <a:rPr lang="en" sz="1600"/>
-              <a:t>Execute graphs in Sessions</a:t>
-            </a:r>
-          </a:p>
-          <a:p>
-            <a:pPr marL="457200" lvl="0" indent="-330200" rtl="0">
-              <a:spcBef>
-                <a:spcPts val="0"/>
-              </a:spcBef>
-              <a:buSzPct val="100000"/>
-              <a:buAutoNum type="arabicPeriod"/>
-            </a:pPr>
-            <a:r>
-              <a:rPr lang="en" sz="1600"/>
-              <a:t>Represent data as tensors</a:t>
-            </a:r>
-          </a:p>
-          <a:p>
-            <a:pPr marL="457200" lvl="0" indent="-330200" rtl="0">
-              <a:spcBef>
-                <a:spcPts val="0"/>
-              </a:spcBef>
-              <a:buSzPct val="100000"/>
-              <a:buAutoNum type="arabicPeriod"/>
-            </a:pPr>
-            <a:r>
-              <a:rPr lang="en" sz="1600"/>
-              <a:t>Maintains state with Variables</a:t>
-            </a:r>
-          </a:p>
-          <a:p>
-            <a:pPr marL="457200" lvl="0" indent="-330200" rtl="0">
-              <a:spcBef>
-                <a:spcPts val="0"/>
-              </a:spcBef>
-              <a:buSzPct val="100000"/>
-              <a:buAutoNum type="arabicPeriod"/>
-            </a:pPr>
-            <a:r>
-              <a:rPr lang="en" sz="1600"/>
-              <a:t>Uses feed and fetch</a:t>
-            </a:r>
-          </a:p>
-        </p:txBody>
-      </p:sp>
-      <p:pic>
-        <p:nvPicPr>
-          <p:cNvPr id="105" name="Shape 105"/>
-          <p:cNvPicPr preferRelativeResize="0"/>
-          <p:nvPr/>
-        </p:nvPicPr>
-        <p:blipFill>
-          <a:blip r:embed="rId3">
-            <a:alphaModFix/>
-          </a:blip>
-          <a:stretch>
-            <a:fillRect/>
-          </a:stretch>
-        </p:blipFill>
-        <p:spPr>
-          <a:xfrm>
-            <a:off x="5144953" y="738725"/>
-            <a:ext cx="3549050" cy="4134350"/>
-          </a:xfrm>
-          <a:prstGeom prst="rect">
-            <a:avLst/>
-          </a:prstGeom>
-          <a:noFill/>
-          <a:ln>
-            <a:noFill/>
-          </a:ln>
-        </p:spPr>
-      </p:pic>
-    </p:spTree>
-  </p:cSld>
-  <p:clrMapOvr>
-    <a:masterClrMapping/>
-  </p:clrMapOvr>
-  <p:transition spd="slow">
-    <p:cut/>
-  </p:transition>
+  <p:timing>
+    <p:tnLst>
+      <p:par>
+        <p:cTn id="1" dur="indefinite" restart="never" nodeType="tmRoot"/>
+      </p:par>
+    </p:tnLst>
+  </p:timing>
 </p:sld>
 </file>
 
